--- a/Tetris hra - zabezpečení.pptx
+++ b/Tetris hra - zabezpečení.pptx
@@ -6,30 +6,32 @@
   </p:sldMasterIdLst>
   <p:sldIdLst>
     <p:sldId id="256" r:id="rId2"/>
-    <p:sldId id="280" r:id="rId3"/>
-    <p:sldId id="258" r:id="rId4"/>
-    <p:sldId id="257" r:id="rId5"/>
-    <p:sldId id="259" r:id="rId6"/>
-    <p:sldId id="260" r:id="rId7"/>
-    <p:sldId id="261" r:id="rId8"/>
-    <p:sldId id="262" r:id="rId9"/>
-    <p:sldId id="263" r:id="rId10"/>
-    <p:sldId id="264" r:id="rId11"/>
-    <p:sldId id="265" r:id="rId12"/>
-    <p:sldId id="266" r:id="rId13"/>
-    <p:sldId id="275" r:id="rId14"/>
-    <p:sldId id="267" r:id="rId15"/>
-    <p:sldId id="268" r:id="rId16"/>
-    <p:sldId id="269" r:id="rId17"/>
-    <p:sldId id="270" r:id="rId18"/>
-    <p:sldId id="271" r:id="rId19"/>
-    <p:sldId id="272" r:id="rId20"/>
-    <p:sldId id="274" r:id="rId21"/>
-    <p:sldId id="273" r:id="rId22"/>
-    <p:sldId id="276" r:id="rId23"/>
-    <p:sldId id="277" r:id="rId24"/>
-    <p:sldId id="278" r:id="rId25"/>
-    <p:sldId id="279" r:id="rId26"/>
+    <p:sldId id="281" r:id="rId3"/>
+    <p:sldId id="282" r:id="rId4"/>
+    <p:sldId id="280" r:id="rId5"/>
+    <p:sldId id="258" r:id="rId6"/>
+    <p:sldId id="257" r:id="rId7"/>
+    <p:sldId id="259" r:id="rId8"/>
+    <p:sldId id="260" r:id="rId9"/>
+    <p:sldId id="261" r:id="rId10"/>
+    <p:sldId id="262" r:id="rId11"/>
+    <p:sldId id="263" r:id="rId12"/>
+    <p:sldId id="264" r:id="rId13"/>
+    <p:sldId id="265" r:id="rId14"/>
+    <p:sldId id="266" r:id="rId15"/>
+    <p:sldId id="275" r:id="rId16"/>
+    <p:sldId id="267" r:id="rId17"/>
+    <p:sldId id="268" r:id="rId18"/>
+    <p:sldId id="269" r:id="rId19"/>
+    <p:sldId id="270" r:id="rId20"/>
+    <p:sldId id="271" r:id="rId21"/>
+    <p:sldId id="272" r:id="rId22"/>
+    <p:sldId id="274" r:id="rId23"/>
+    <p:sldId id="273" r:id="rId24"/>
+    <p:sldId id="276" r:id="rId25"/>
+    <p:sldId id="277" r:id="rId26"/>
+    <p:sldId id="278" r:id="rId27"/>
+    <p:sldId id="279" r:id="rId28"/>
   </p:sldIdLst>
   <p:sldSz cx="12192000" cy="6858000"/>
   <p:notesSz cx="6858000" cy="9144000"/>
@@ -427,7 +429,7 @@
           <a:p>
             <a:fld id="{E80C50CD-E178-4744-9B35-B2F624D6C5E9}" type="datetimeFigureOut">
               <a:rPr lang="en-US" smtClean="0"/>
-              <a:t>1/19/2026</a:t>
+              <a:t>1/22/2026</a:t>
             </a:fld>
             <a:endParaRPr lang="en-US"/>
           </a:p>
@@ -625,7 +627,7 @@
           <a:p>
             <a:fld id="{E80C50CD-E178-4744-9B35-B2F624D6C5E9}" type="datetimeFigureOut">
               <a:rPr lang="en-US" smtClean="0"/>
-              <a:t>1/19/2026</a:t>
+              <a:t>1/22/2026</a:t>
             </a:fld>
             <a:endParaRPr lang="en-US"/>
           </a:p>
@@ -833,7 +835,7 @@
           <a:p>
             <a:fld id="{E80C50CD-E178-4744-9B35-B2F624D6C5E9}" type="datetimeFigureOut">
               <a:rPr lang="en-US" smtClean="0"/>
-              <a:t>1/19/2026</a:t>
+              <a:t>1/22/2026</a:t>
             </a:fld>
             <a:endParaRPr lang="en-US"/>
           </a:p>
@@ -1083,7 +1085,7 @@
           <a:p>
             <a:fld id="{E80C50CD-E178-4744-9B35-B2F624D6C5E9}" type="datetimeFigureOut">
               <a:rPr lang="en-US" smtClean="0"/>
-              <a:t>1/19/2026</a:t>
+              <a:t>1/22/2026</a:t>
             </a:fld>
             <a:endParaRPr lang="en-US"/>
           </a:p>
@@ -1362,7 +1364,7 @@
           <a:p>
             <a:fld id="{E80C50CD-E178-4744-9B35-B2F624D6C5E9}" type="datetimeFigureOut">
               <a:rPr lang="en-US" smtClean="0"/>
-              <a:t>1/19/2026</a:t>
+              <a:t>1/22/2026</a:t>
             </a:fld>
             <a:endParaRPr lang="en-US"/>
           </a:p>
@@ -1679,7 +1681,7 @@
           <a:p>
             <a:fld id="{E80C50CD-E178-4744-9B35-B2F624D6C5E9}" type="datetimeFigureOut">
               <a:rPr lang="en-US" smtClean="0"/>
-              <a:t>1/19/2026</a:t>
+              <a:t>1/22/2026</a:t>
             </a:fld>
             <a:endParaRPr lang="en-US"/>
           </a:p>
@@ -2095,7 +2097,7 @@
           <a:p>
             <a:fld id="{E80C50CD-E178-4744-9B35-B2F624D6C5E9}" type="datetimeFigureOut">
               <a:rPr lang="en-US" smtClean="0"/>
-              <a:t>1/19/2026</a:t>
+              <a:t>1/22/2026</a:t>
             </a:fld>
             <a:endParaRPr lang="en-US"/>
           </a:p>
@@ -2236,7 +2238,7 @@
           <a:p>
             <a:fld id="{E80C50CD-E178-4744-9B35-B2F624D6C5E9}" type="datetimeFigureOut">
               <a:rPr lang="en-US" smtClean="0"/>
-              <a:t>1/19/2026</a:t>
+              <a:t>1/22/2026</a:t>
             </a:fld>
             <a:endParaRPr lang="en-US"/>
           </a:p>
@@ -2349,7 +2351,7 @@
           <a:p>
             <a:fld id="{E80C50CD-E178-4744-9B35-B2F624D6C5E9}" type="datetimeFigureOut">
               <a:rPr lang="en-US" smtClean="0"/>
-              <a:t>1/19/2026</a:t>
+              <a:t>1/22/2026</a:t>
             </a:fld>
             <a:endParaRPr lang="en-US"/>
           </a:p>
@@ -2666,7 +2668,7 @@
           <a:p>
             <a:fld id="{E80C50CD-E178-4744-9B35-B2F624D6C5E9}" type="datetimeFigureOut">
               <a:rPr lang="en-US" smtClean="0"/>
-              <a:t>1/19/2026</a:t>
+              <a:t>1/22/2026</a:t>
             </a:fld>
             <a:endParaRPr lang="en-US"/>
           </a:p>
@@ -2958,7 +2960,7 @@
           <a:p>
             <a:fld id="{E80C50CD-E178-4744-9B35-B2F624D6C5E9}" type="datetimeFigureOut">
               <a:rPr lang="en-US" smtClean="0"/>
-              <a:t>1/19/2026</a:t>
+              <a:t>1/22/2026</a:t>
             </a:fld>
             <a:endParaRPr lang="en-US"/>
           </a:p>
@@ -3198,7 +3200,7 @@
             <a:fld id="{E80C50CD-E178-4744-9B35-B2F624D6C5E9}" type="datetimeFigureOut">
               <a:rPr lang="en-US" smtClean="0"/>
               <a:pPr/>
-              <a:t>1/19/2026</a:t>
+              <a:t>1/22/2026</a:t>
             </a:fld>
             <a:endParaRPr lang="en-US"/>
           </a:p>
@@ -4074,7 +4076,7 @@
           <p:cNvPr id="2" name="Nadpis 1">
             <a:extLst>
               <a:ext uri="{FF2B5EF4-FFF2-40B4-BE49-F238E27FC236}">
-                <a16:creationId xmlns:a16="http://schemas.microsoft.com/office/drawing/2014/main" id="{653AEC8B-F78A-7026-4763-A9B712E58DE3}"/>
+                <a16:creationId xmlns:a16="http://schemas.microsoft.com/office/drawing/2014/main" id="{120C38B5-3E8B-FAF7-6BC4-F0FF6CBF9C62}"/>
               </a:ext>
             </a:extLst>
           </p:cNvPr>
@@ -4092,7 +4094,15 @@
           <a:p>
             <a:r>
               <a:rPr lang="cs-CZ" dirty="0"/>
-              <a:t>Session / autentizační stav</a:t>
+              <a:t>Webový server: </a:t>
+            </a:r>
+            <a:r>
+              <a:rPr lang="cs-CZ" dirty="0" err="1"/>
+              <a:t>endpoints</a:t>
+            </a:r>
+            <a:r>
+              <a:rPr lang="cs-CZ" dirty="0"/>
+              <a:t> a tok přihlášení</a:t>
             </a:r>
           </a:p>
         </p:txBody>
@@ -4102,7 +4112,7 @@
           <p:cNvPr id="3" name="Zástupný obsah 2">
             <a:extLst>
               <a:ext uri="{FF2B5EF4-FFF2-40B4-BE49-F238E27FC236}">
-                <a16:creationId xmlns:a16="http://schemas.microsoft.com/office/drawing/2014/main" id="{F5D01C5D-F7F7-0F9F-F834-1FF9A7973833}"/>
+                <a16:creationId xmlns:a16="http://schemas.microsoft.com/office/drawing/2014/main" id="{7C140E51-C4FF-6BBB-BAC0-C68D60F34526}"/>
               </a:ext>
             </a:extLst>
           </p:cNvPr>
@@ -4121,95 +4131,48 @@
           <a:lstStyle/>
           <a:p>
             <a:r>
-              <a:rPr lang="cs-CZ" sz="2400" dirty="0"/>
-              <a:t>Po úspěšném loginu server generuje AUTH_TOKEN.</a:t>
-            </a:r>
-          </a:p>
-          <a:p>
-            <a:r>
-              <a:rPr lang="cs-CZ" sz="2400" dirty="0"/>
-              <a:t>Token je uložen do </a:t>
-            </a:r>
-            <a:r>
-              <a:rPr lang="cs-CZ" sz="2400" dirty="0" err="1"/>
-              <a:t>cookie</a:t>
-            </a:r>
-            <a:r>
-              <a:rPr lang="cs-CZ" sz="2400" dirty="0"/>
-              <a:t>:</a:t>
+              <a:rPr lang="cs-CZ" sz="2800" dirty="0"/>
+              <a:t>/setup</a:t>
             </a:r>
           </a:p>
           <a:p>
             <a:pPr lvl="1"/>
             <a:r>
-              <a:rPr lang="cs-CZ" sz="2400" dirty="0" err="1"/>
-              <a:t>httponly</a:t>
-            </a:r>
-            <a:r>
-              <a:rPr lang="cs-CZ" sz="2400" dirty="0"/>
-              <a:t>=</a:t>
-            </a:r>
-            <a:r>
-              <a:rPr lang="cs-CZ" sz="2400" dirty="0" err="1"/>
-              <a:t>True</a:t>
-            </a:r>
-            <a:r>
-              <a:rPr lang="cs-CZ" sz="2400" dirty="0"/>
-              <a:t> (JS se k němu nedostane)</a:t>
+              <a:rPr lang="cs-CZ" sz="2800" dirty="0"/>
+              <a:t>registrace prvního uživatele (pokud DB je prázdná)</a:t>
+            </a:r>
+          </a:p>
+          <a:p>
+            <a:r>
+              <a:rPr lang="cs-CZ" sz="2800" dirty="0"/>
+              <a:t>/login</a:t>
             </a:r>
           </a:p>
           <a:p>
             <a:pPr lvl="1"/>
             <a:r>
-              <a:rPr lang="cs-CZ" sz="2400" dirty="0" err="1"/>
-              <a:t>samesite</a:t>
-            </a:r>
-            <a:r>
-              <a:rPr lang="cs-CZ" sz="2400" dirty="0"/>
-              <a:t>="</a:t>
-            </a:r>
-            <a:r>
-              <a:rPr lang="cs-CZ" sz="2400" dirty="0" err="1"/>
-              <a:t>Lax</a:t>
-            </a:r>
-            <a:r>
-              <a:rPr lang="cs-CZ" sz="2400" dirty="0"/>
-              <a:t>" (omezení CSRF v běžných </a:t>
-            </a:r>
-            <a:r>
-              <a:rPr lang="cs-CZ" sz="2400" dirty="0" err="1"/>
-              <a:t>scénáříc</a:t>
-            </a:r>
-            <a:r>
-              <a:rPr lang="cs-CZ" sz="2400" dirty="0"/>
-              <a:t>)</a:t>
-            </a:r>
-          </a:p>
-          <a:p>
-            <a:r>
-              <a:rPr lang="cs-CZ" sz="2400" dirty="0"/>
-              <a:t>Herní klient ale reálně “odemyká” hru signálem:</a:t>
+              <a:rPr lang="cs-CZ" sz="2800" dirty="0"/>
+              <a:t>přihlášení uživatele podle údajů v DB</a:t>
+            </a:r>
+          </a:p>
+          <a:p>
+            <a:r>
+              <a:rPr lang="cs-CZ" sz="2800" dirty="0"/>
+              <a:t>/play</a:t>
             </a:r>
           </a:p>
           <a:p>
             <a:pPr lvl="1"/>
             <a:r>
-              <a:rPr lang="cs-CZ" sz="2400" dirty="0"/>
-              <a:t>AUTH_EVENT (interní synchronizace procesu)</a:t>
-            </a:r>
-          </a:p>
-          <a:p>
-            <a:r>
-              <a:rPr lang="cs-CZ" sz="2400" dirty="0"/>
-              <a:t>CURRENT_USER drží informace o uživateli (např. id, </a:t>
-            </a:r>
-            <a:r>
-              <a:rPr lang="cs-CZ" sz="2400" dirty="0" err="1"/>
-              <a:t>username</a:t>
-            </a:r>
-            <a:r>
-              <a:rPr lang="cs-CZ" sz="2400" dirty="0"/>
-              <a:t>) pro UI a ukládání skóre.</a:t>
+              <a:rPr lang="cs-CZ" sz="2800" dirty="0"/>
+              <a:t>potvrdí dokončení přihlášení a vrátí uživatele do hry</a:t>
+            </a:r>
+          </a:p>
+          <a:p>
+            <a:pPr lvl="1"/>
+            <a:r>
+              <a:rPr lang="cs-CZ" sz="2800" dirty="0"/>
+              <a:t>nastaví signalizaci pro klienta (AUTH_EVENT)</a:t>
             </a:r>
           </a:p>
         </p:txBody>
@@ -4217,7 +4180,7 @@
     </p:spTree>
     <p:extLst>
       <p:ext uri="{BB962C8B-B14F-4D97-AF65-F5344CB8AC3E}">
-        <p14:creationId xmlns:p14="http://schemas.microsoft.com/office/powerpoint/2010/main" val="1598728091"/>
+        <p14:creationId xmlns:p14="http://schemas.microsoft.com/office/powerpoint/2010/main" val="2380029461"/>
       </p:ext>
     </p:extLst>
   </p:cSld>
@@ -4249,7 +4212,7 @@
           <p:cNvPr id="2" name="Nadpis 1">
             <a:extLst>
               <a:ext uri="{FF2B5EF4-FFF2-40B4-BE49-F238E27FC236}">
-                <a16:creationId xmlns:a16="http://schemas.microsoft.com/office/drawing/2014/main" id="{968F74B8-56D3-E6C9-030E-05420D152D2A}"/>
+                <a16:creationId xmlns:a16="http://schemas.microsoft.com/office/drawing/2014/main" id="{5EAE59AA-6E38-0FAB-A299-C67F295DF66E}"/>
               </a:ext>
             </a:extLst>
           </p:cNvPr>
@@ -4267,7 +4230,7 @@
           <a:p>
             <a:r>
               <a:rPr lang="cs-CZ" dirty="0"/>
-              <a:t>Proč je to „zabezpečené“ (shrnutí přínosů)</a:t>
+              <a:t>Databáze účtů: typ a umístění</a:t>
             </a:r>
           </a:p>
         </p:txBody>
@@ -4277,7 +4240,7 @@
           <p:cNvPr id="3" name="Zástupný obsah 2">
             <a:extLst>
               <a:ext uri="{FF2B5EF4-FFF2-40B4-BE49-F238E27FC236}">
-                <a16:creationId xmlns:a16="http://schemas.microsoft.com/office/drawing/2014/main" id="{43A3A778-79AE-74CE-0E48-74E033DE279C}"/>
+                <a16:creationId xmlns:a16="http://schemas.microsoft.com/office/drawing/2014/main" id="{F05B33BF-7F29-1E75-386E-91DBC27EAAB0}"/>
               </a:ext>
             </a:extLst>
           </p:cNvPr>
@@ -4295,59 +4258,121 @@
           <a:p>
             <a:r>
               <a:rPr lang="cs-CZ" dirty="0"/>
-              <a:t>Hra je chráněná přístupem: bez registrace/přihlášení se nedá hrát.</a:t>
-            </a:r>
-          </a:p>
-          <a:p>
-            <a:r>
-              <a:rPr lang="cs-CZ" dirty="0"/>
-              <a:t>Hesla jsou bezpečně </a:t>
+              <a:t>Použitá DB: </a:t>
+            </a:r>
+            <a:r>
+              <a:rPr lang="cs-CZ" b="1" dirty="0" err="1"/>
+              <a:t>SQLite</a:t>
+            </a:r>
+            <a:r>
+              <a:rPr lang="cs-CZ" dirty="0"/>
+              <a:t> (lokální soubor).</a:t>
+            </a:r>
+          </a:p>
+          <a:p>
+            <a:r>
+              <a:rPr lang="cs-CZ" dirty="0"/>
+              <a:t>Cesta DB: </a:t>
             </a:r>
             <a:r>
               <a:rPr lang="cs-CZ" dirty="0" err="1"/>
-              <a:t>uložená:salted</a:t>
-            </a:r>
-            <a:r>
-              <a:rPr lang="cs-CZ" dirty="0"/>
-              <a:t> PBKDF2 (200k iterací)</a:t>
+              <a:t>tetris_users</a:t>
+            </a:r>
+            <a:r>
+              <a:rPr lang="cs-CZ" dirty="0"/>
+              <a:t> (soubor v adresáři projektu).</a:t>
+            </a:r>
+          </a:p>
+          <a:p>
+            <a:r>
+              <a:rPr lang="cs-CZ" dirty="0"/>
+              <a:t>Tabulka: </a:t>
             </a:r>
             <a:r>
               <a:rPr lang="cs-CZ" dirty="0" err="1"/>
-              <a:t>constant-time</a:t>
-            </a:r>
-            <a:r>
-              <a:rPr lang="cs-CZ" dirty="0"/>
-              <a:t> porovnání</a:t>
-            </a:r>
-          </a:p>
-          <a:p>
-            <a:r>
-              <a:rPr lang="cs-CZ" dirty="0"/>
-              <a:t>Web server je oddělený </a:t>
+              <a:t>users</a:t>
+            </a:r>
+            <a:endParaRPr lang="cs-CZ" dirty="0"/>
+          </a:p>
+          <a:p>
+            <a:pPr lvl="1"/>
+            <a:r>
+              <a:rPr lang="cs-CZ" dirty="0"/>
+              <a:t>id (PRIMARY KEY, </a:t>
             </a:r>
             <a:r>
               <a:rPr lang="cs-CZ" dirty="0" err="1"/>
-              <a:t>modul:herní</a:t>
-            </a:r>
-            <a:r>
-              <a:rPr lang="cs-CZ" dirty="0"/>
-              <a:t> klient nemusí znát DB strukturu ani hesla</a:t>
-            </a:r>
-          </a:p>
-          <a:p>
-            <a:r>
-              <a:rPr lang="cs-CZ" dirty="0"/>
-              <a:t>Data jsou oddělená podle účelu:</a:t>
-            </a:r>
-          </a:p>
-          <a:p>
-            <a:endParaRPr lang="cs-CZ" dirty="0"/>
-          </a:p>
-          <a:p>
-            <a:pPr algn="ctr"/>
-            <a:r>
-              <a:rPr lang="cs-CZ" sz="3600" dirty="0"/>
-              <a:t>login DB ≠ telemetrie DB ≠ herní logika</a:t>
+              <a:t>autoincrement</a:t>
+            </a:r>
+            <a:r>
+              <a:rPr lang="cs-CZ" dirty="0"/>
+              <a:t>)</a:t>
+            </a:r>
+          </a:p>
+          <a:p>
+            <a:pPr lvl="1"/>
+            <a:r>
+              <a:rPr lang="cs-CZ" dirty="0" err="1"/>
+              <a:t>username</a:t>
+            </a:r>
+            <a:r>
+              <a:rPr lang="cs-CZ" dirty="0"/>
+              <a:t> (unikátní)</a:t>
+            </a:r>
+          </a:p>
+          <a:p>
+            <a:pPr lvl="1"/>
+            <a:r>
+              <a:rPr lang="cs-CZ" dirty="0" err="1"/>
+              <a:t>pwd_hash</a:t>
+            </a:r>
+            <a:r>
+              <a:rPr lang="cs-CZ" dirty="0"/>
+              <a:t> (PBKDF2 </a:t>
+            </a:r>
+            <a:r>
+              <a:rPr lang="cs-CZ" dirty="0" err="1"/>
+              <a:t>hash</a:t>
+            </a:r>
+            <a:r>
+              <a:rPr lang="cs-CZ" dirty="0"/>
+              <a:t>)</a:t>
+            </a:r>
+          </a:p>
+          <a:p>
+            <a:pPr lvl="1"/>
+            <a:r>
+              <a:rPr lang="cs-CZ" dirty="0"/>
+              <a:t>salt (náhodná sůl)</a:t>
+            </a:r>
+          </a:p>
+          <a:p>
+            <a:pPr lvl="1"/>
+            <a:r>
+              <a:rPr lang="cs-CZ" dirty="0" err="1"/>
+              <a:t>highscore</a:t>
+            </a:r>
+            <a:r>
+              <a:rPr lang="cs-CZ" dirty="0"/>
+              <a:t> (přidáno přes ALTER, pokud chybí)</a:t>
+            </a:r>
+          </a:p>
+          <a:p>
+            <a:r>
+              <a:rPr lang="cs-CZ" dirty="0"/>
+              <a:t>Důležité: herní klient </a:t>
+            </a:r>
+            <a:r>
+              <a:rPr lang="cs-CZ" b="1" dirty="0"/>
+              <a:t>nečte hesla ani </a:t>
+            </a:r>
+            <a:r>
+              <a:rPr lang="cs-CZ" b="1" dirty="0" err="1"/>
+              <a:t>hash</a:t>
+            </a:r>
+            <a:r>
+              <a:rPr lang="cs-CZ" dirty="0"/>
+              <a:t> — vše řeší server.</a:t>
             </a:r>
           </a:p>
         </p:txBody>
@@ -4355,7 +4380,7 @@
     </p:spTree>
     <p:extLst>
       <p:ext uri="{BB962C8B-B14F-4D97-AF65-F5344CB8AC3E}">
-        <p14:creationId xmlns:p14="http://schemas.microsoft.com/office/powerpoint/2010/main" val="2809746986"/>
+        <p14:creationId xmlns:p14="http://schemas.microsoft.com/office/powerpoint/2010/main" val="469801323"/>
       </p:ext>
     </p:extLst>
   </p:cSld>
@@ -4387,7 +4412,7 @@
           <p:cNvPr id="2" name="Nadpis 1">
             <a:extLst>
               <a:ext uri="{FF2B5EF4-FFF2-40B4-BE49-F238E27FC236}">
-                <a16:creationId xmlns:a16="http://schemas.microsoft.com/office/drawing/2014/main" id="{10A77A0B-763F-A9FB-E245-67AD9556A9C9}"/>
+                <a16:creationId xmlns:a16="http://schemas.microsoft.com/office/drawing/2014/main" id="{653AEC8B-F78A-7026-4763-A9B712E58DE3}"/>
               </a:ext>
             </a:extLst>
           </p:cNvPr>
@@ -4404,18 +4429,9 @@
           <a:lstStyle/>
           <a:p>
             <a:r>
-              <a:rPr lang="en-AU" dirty="0"/>
-              <a:t>TELEMETRIE</a:t>
-            </a:r>
-            <a:r>
-              <a:rPr lang="cs-CZ" dirty="0"/>
-              <a:t> – S. </a:t>
-            </a:r>
-            <a:r>
-              <a:rPr lang="cs-CZ" dirty="0" err="1"/>
-              <a:t>Reed</a:t>
-            </a:r>
-            <a:endParaRPr lang="cs-CZ" dirty="0"/>
+              <a:rPr lang="cs-CZ" dirty="0"/>
+              <a:t>Session / autentizační stav</a:t>
+            </a:r>
           </a:p>
         </p:txBody>
       </p:sp>
@@ -4424,7 +4440,7 @@
           <p:cNvPr id="3" name="Zástupný obsah 2">
             <a:extLst>
               <a:ext uri="{FF2B5EF4-FFF2-40B4-BE49-F238E27FC236}">
-                <a16:creationId xmlns:a16="http://schemas.microsoft.com/office/drawing/2014/main" id="{D3107EA1-1E63-A76D-1397-A73D84B99D72}"/>
+                <a16:creationId xmlns:a16="http://schemas.microsoft.com/office/drawing/2014/main" id="{F5D01C5D-F7F7-0F9F-F834-1FF9A7973833}"/>
               </a:ext>
             </a:extLst>
           </p:cNvPr>
@@ -4438,174 +4454,108 @@
         <p:spPr/>
         <p:txBody>
           <a:bodyPr>
-            <a:normAutofit/>
+            <a:noAutofit/>
           </a:bodyPr>
           <a:lstStyle/>
           <a:p>
-            <a:pPr algn="ctr"/>
-            <a:r>
-              <a:rPr lang="en-AU" sz="3200" dirty="0" err="1"/>
-              <a:t>Jde</a:t>
-            </a:r>
-            <a:r>
-              <a:rPr lang="en-AU" sz="3200" dirty="0"/>
-              <a:t> o Flask telemetry server, </a:t>
-            </a:r>
-            <a:r>
-              <a:rPr lang="en-AU" sz="3200" dirty="0" err="1"/>
-              <a:t>který</a:t>
-            </a:r>
-            <a:r>
-              <a:rPr lang="en-AU" sz="3200" dirty="0"/>
-              <a:t> </a:t>
-            </a:r>
-            <a:r>
-              <a:rPr lang="en-AU" sz="3200" dirty="0" err="1"/>
-              <a:t>přijímá</a:t>
-            </a:r>
-            <a:r>
-              <a:rPr lang="en-AU" sz="3200" dirty="0"/>
-              <a:t> </a:t>
-            </a:r>
-            <a:r>
-              <a:rPr lang="en-AU" sz="3200" dirty="0" err="1"/>
-              <a:t>dávky</a:t>
-            </a:r>
-            <a:r>
-              <a:rPr lang="en-AU" sz="3200" dirty="0"/>
-              <a:t> </a:t>
-            </a:r>
-            <a:r>
-              <a:rPr lang="en-AU" sz="3200" dirty="0" err="1"/>
-              <a:t>událostí</a:t>
-            </a:r>
-            <a:r>
-              <a:rPr lang="en-AU" sz="3200" dirty="0"/>
-              <a:t> z </a:t>
-            </a:r>
-            <a:r>
-              <a:rPr lang="en-AU" sz="3200" dirty="0" err="1"/>
-              <a:t>klienta</a:t>
-            </a:r>
-            <a:r>
-              <a:rPr lang="en-AU" sz="3200" dirty="0"/>
-              <a:t> (</a:t>
-            </a:r>
-            <a:r>
-              <a:rPr lang="en-AU" sz="3200" dirty="0" err="1"/>
-              <a:t>hry</a:t>
-            </a:r>
-            <a:r>
-              <a:rPr lang="en-AU" sz="3200" dirty="0"/>
-              <a:t>) </a:t>
-            </a:r>
-            <a:r>
-              <a:rPr lang="en-AU" sz="3200" dirty="0" err="1"/>
-              <a:t>přes</a:t>
-            </a:r>
-            <a:r>
-              <a:rPr lang="en-AU" sz="3200" dirty="0"/>
-              <a:t> HTTP API.</a:t>
-            </a:r>
-          </a:p>
-          <a:p>
-            <a:pPr algn="ctr"/>
-            <a:endParaRPr lang="en-AU" sz="3200" dirty="0"/>
-          </a:p>
-          <a:p>
-            <a:pPr algn="ctr"/>
-            <a:r>
-              <a:rPr lang="en-AU" sz="3200" dirty="0"/>
-              <a:t> Server </a:t>
-            </a:r>
-            <a:r>
-              <a:rPr lang="en-AU" sz="3200" dirty="0" err="1"/>
-              <a:t>běží</a:t>
-            </a:r>
-            <a:r>
-              <a:rPr lang="en-AU" sz="3200" dirty="0"/>
-              <a:t> </a:t>
-            </a:r>
-            <a:r>
-              <a:rPr lang="en-AU" sz="3200" dirty="0" err="1"/>
-              <a:t>na</a:t>
-            </a:r>
-            <a:r>
-              <a:rPr lang="en-AU" sz="3200" dirty="0"/>
-              <a:t> </a:t>
-            </a:r>
-            <a:r>
-              <a:rPr lang="en-AU" sz="3200" dirty="0" err="1"/>
-              <a:t>hostu</a:t>
-            </a:r>
-            <a:r>
-              <a:rPr lang="en-AU" sz="3200" dirty="0"/>
-              <a:t>/</a:t>
-            </a:r>
-            <a:r>
-              <a:rPr lang="en-AU" sz="3200" dirty="0" err="1"/>
-              <a:t>portu</a:t>
-            </a:r>
-            <a:r>
-              <a:rPr lang="en-AU" sz="3200" dirty="0"/>
-              <a:t> z </a:t>
-            </a:r>
-            <a:r>
-              <a:rPr lang="en-AU" sz="3200" dirty="0" err="1"/>
-              <a:t>proměnných</a:t>
-            </a:r>
-            <a:r>
-              <a:rPr lang="en-AU" sz="3200" dirty="0"/>
-              <a:t> </a:t>
-            </a:r>
-            <a:r>
-              <a:rPr lang="en-AU" sz="3200" dirty="0" err="1"/>
-              <a:t>prostředí</a:t>
-            </a:r>
-            <a:r>
-              <a:rPr lang="en-AU" sz="3200" dirty="0"/>
-              <a:t> (TELEMETRY_SERVER_HOST, TELEMETRY_SERVER_PORT) a </a:t>
-            </a:r>
-            <a:r>
-              <a:rPr lang="en-AU" sz="3200" dirty="0" err="1"/>
-              <a:t>ukládá</a:t>
-            </a:r>
-            <a:r>
-              <a:rPr lang="en-AU" sz="3200" dirty="0"/>
-              <a:t> data do MySQL </a:t>
-            </a:r>
-            <a:r>
-              <a:rPr lang="en-AU" sz="3200" dirty="0" err="1"/>
-              <a:t>databáze</a:t>
-            </a:r>
-            <a:r>
-              <a:rPr lang="en-AU" sz="3200" dirty="0"/>
-              <a:t> (</a:t>
-            </a:r>
-            <a:r>
-              <a:rPr lang="en-AU" sz="3200" dirty="0" err="1"/>
-              <a:t>název</a:t>
-            </a:r>
-            <a:r>
-              <a:rPr lang="en-AU" sz="3200" dirty="0"/>
-              <a:t> DB </a:t>
-            </a:r>
-            <a:r>
-              <a:rPr lang="en-AU" sz="3200" dirty="0" err="1"/>
-              <a:t>tetris_telemetry</a:t>
-            </a:r>
-            <a:r>
-              <a:rPr lang="en-AU" sz="3200" dirty="0"/>
-              <a:t>).</a:t>
-            </a:r>
-            <a:endParaRPr lang="cs-CZ" sz="3200" dirty="0"/>
+            <a:r>
+              <a:rPr lang="cs-CZ" sz="2400" dirty="0"/>
+              <a:t>Po úspěšném loginu server generuje AUTH_TOKEN.</a:t>
+            </a:r>
+          </a:p>
+          <a:p>
+            <a:r>
+              <a:rPr lang="cs-CZ" sz="2400" dirty="0"/>
+              <a:t>Token je uložen do </a:t>
+            </a:r>
+            <a:r>
+              <a:rPr lang="cs-CZ" sz="2400" dirty="0" err="1"/>
+              <a:t>cookie</a:t>
+            </a:r>
+            <a:r>
+              <a:rPr lang="cs-CZ" sz="2400" dirty="0"/>
+              <a:t>:</a:t>
+            </a:r>
+          </a:p>
+          <a:p>
+            <a:pPr lvl="1"/>
+            <a:r>
+              <a:rPr lang="cs-CZ" sz="2400" dirty="0" err="1"/>
+              <a:t>httponly</a:t>
+            </a:r>
+            <a:r>
+              <a:rPr lang="cs-CZ" sz="2400" dirty="0"/>
+              <a:t>=</a:t>
+            </a:r>
+            <a:r>
+              <a:rPr lang="cs-CZ" sz="2400" dirty="0" err="1"/>
+              <a:t>True</a:t>
+            </a:r>
+            <a:r>
+              <a:rPr lang="cs-CZ" sz="2400" dirty="0"/>
+              <a:t> (JS se k němu nedostane)</a:t>
+            </a:r>
+          </a:p>
+          <a:p>
+            <a:pPr lvl="1"/>
+            <a:r>
+              <a:rPr lang="cs-CZ" sz="2400" dirty="0" err="1"/>
+              <a:t>samesite</a:t>
+            </a:r>
+            <a:r>
+              <a:rPr lang="cs-CZ" sz="2400" dirty="0"/>
+              <a:t>="</a:t>
+            </a:r>
+            <a:r>
+              <a:rPr lang="cs-CZ" sz="2400" dirty="0" err="1"/>
+              <a:t>Lax</a:t>
+            </a:r>
+            <a:r>
+              <a:rPr lang="cs-CZ" sz="2400" dirty="0"/>
+              <a:t>" (omezení CSRF v běžných </a:t>
+            </a:r>
+            <a:r>
+              <a:rPr lang="cs-CZ" sz="2400" dirty="0" err="1"/>
+              <a:t>scénáříc</a:t>
+            </a:r>
+            <a:r>
+              <a:rPr lang="cs-CZ" sz="2400" dirty="0"/>
+              <a:t>)</a:t>
+            </a:r>
+          </a:p>
+          <a:p>
+            <a:r>
+              <a:rPr lang="cs-CZ" sz="2400" dirty="0"/>
+              <a:t>Herní klient ale reálně “odemyká” hru signálem:</a:t>
+            </a:r>
+          </a:p>
+          <a:p>
+            <a:pPr lvl="1"/>
+            <a:r>
+              <a:rPr lang="cs-CZ" sz="2400" dirty="0"/>
+              <a:t>AUTH_EVENT (interní synchronizace procesu)</a:t>
+            </a:r>
+          </a:p>
+          <a:p>
+            <a:r>
+              <a:rPr lang="cs-CZ" sz="2400" dirty="0"/>
+              <a:t>CURRENT_USER drží informace o uživateli (např. id, </a:t>
+            </a:r>
+            <a:r>
+              <a:rPr lang="cs-CZ" sz="2400" dirty="0" err="1"/>
+              <a:t>username</a:t>
+            </a:r>
+            <a:r>
+              <a:rPr lang="cs-CZ" sz="2400" dirty="0"/>
+              <a:t>) pro UI a ukládání skóre.</a:t>
+            </a:r>
           </a:p>
         </p:txBody>
       </p:sp>
     </p:spTree>
     <p:extLst>
       <p:ext uri="{BB962C8B-B14F-4D97-AF65-F5344CB8AC3E}">
-        <p14:creationId xmlns:p14="http://schemas.microsoft.com/office/powerpoint/2010/main" val="660068429"/>
+        <p14:creationId xmlns:p14="http://schemas.microsoft.com/office/powerpoint/2010/main" val="1598728091"/>
       </p:ext>
     </p:extLst>
   </p:cSld>
@@ -4637,7 +4587,7 @@
           <p:cNvPr id="2" name="Nadpis 1">
             <a:extLst>
               <a:ext uri="{FF2B5EF4-FFF2-40B4-BE49-F238E27FC236}">
-                <a16:creationId xmlns:a16="http://schemas.microsoft.com/office/drawing/2014/main" id="{AAFF7DE8-8FD2-E246-3275-914D205932C3}"/>
+                <a16:creationId xmlns:a16="http://schemas.microsoft.com/office/drawing/2014/main" id="{968F74B8-56D3-E6C9-030E-05420D152D2A}"/>
               </a:ext>
             </a:extLst>
           </p:cNvPr>
@@ -4655,200 +4605,95 @@
           <a:p>
             <a:r>
               <a:rPr lang="cs-CZ" dirty="0"/>
-              <a:t>Integrita S. </a:t>
+              <a:t>Proč je to „zabezpečené“ (shrnutí přínosů)</a:t>
+            </a:r>
+          </a:p>
+        </p:txBody>
+      </p:sp>
+      <p:sp>
+        <p:nvSpPr>
+          <p:cNvPr id="3" name="Zástupný obsah 2">
+            <a:extLst>
+              <a:ext uri="{FF2B5EF4-FFF2-40B4-BE49-F238E27FC236}">
+                <a16:creationId xmlns:a16="http://schemas.microsoft.com/office/drawing/2014/main" id="{43A3A778-79AE-74CE-0E48-74E033DE279C}"/>
+              </a:ext>
+            </a:extLst>
+          </p:cNvPr>
+          <p:cNvSpPr>
+            <a:spLocks noGrp="1"/>
+          </p:cNvSpPr>
+          <p:nvPr>
+            <p:ph idx="1"/>
+          </p:nvPr>
+        </p:nvSpPr>
+        <p:spPr/>
+        <p:txBody>
+          <a:bodyPr/>
+          <a:lstStyle/>
+          <a:p>
+            <a:r>
+              <a:rPr lang="cs-CZ" dirty="0"/>
+              <a:t>Hra je chráněná přístupem: bez registrace/přihlášení se nedá hrát.</a:t>
+            </a:r>
+          </a:p>
+          <a:p>
+            <a:r>
+              <a:rPr lang="cs-CZ" dirty="0"/>
+              <a:t>Hesla jsou bezpečně </a:t>
             </a:r>
             <a:r>
               <a:rPr lang="cs-CZ" dirty="0" err="1"/>
-              <a:t>Reed</a:t>
-            </a:r>
+              <a:t>uložená:salted</a:t>
+            </a:r>
+            <a:r>
+              <a:rPr lang="cs-CZ" dirty="0"/>
+              <a:t> PBKDF2 (200k iterací)</a:t>
+            </a:r>
+            <a:r>
+              <a:rPr lang="cs-CZ" dirty="0" err="1"/>
+              <a:t>constant-time</a:t>
+            </a:r>
+            <a:r>
+              <a:rPr lang="cs-CZ" dirty="0"/>
+              <a:t> porovnání</a:t>
+            </a:r>
+          </a:p>
+          <a:p>
+            <a:r>
+              <a:rPr lang="cs-CZ" dirty="0"/>
+              <a:t>Web server je oddělený </a:t>
+            </a:r>
+            <a:r>
+              <a:rPr lang="cs-CZ" dirty="0" err="1"/>
+              <a:t>modul:herní</a:t>
+            </a:r>
+            <a:r>
+              <a:rPr lang="cs-CZ" dirty="0"/>
+              <a:t> klient nemusí znát DB strukturu ani hesla</a:t>
+            </a:r>
+          </a:p>
+          <a:p>
+            <a:r>
+              <a:rPr lang="cs-CZ" dirty="0"/>
+              <a:t>Data jsou oddělená podle účelu:</a:t>
+            </a:r>
+          </a:p>
+          <a:p>
             <a:endParaRPr lang="cs-CZ" dirty="0"/>
           </a:p>
-        </p:txBody>
-      </p:sp>
-      <p:sp>
-        <p:nvSpPr>
-          <p:cNvPr id="3" name="Zástupný obsah 2">
-            <a:extLst>
-              <a:ext uri="{FF2B5EF4-FFF2-40B4-BE49-F238E27FC236}">
-                <a16:creationId xmlns:a16="http://schemas.microsoft.com/office/drawing/2014/main" id="{D517C7B2-CF6E-E448-4D5A-BEFC30FF3798}"/>
-              </a:ext>
-            </a:extLst>
-          </p:cNvPr>
-          <p:cNvSpPr>
-            <a:spLocks noGrp="1"/>
-          </p:cNvSpPr>
-          <p:nvPr>
-            <p:ph idx="1"/>
-          </p:nvPr>
-        </p:nvSpPr>
-        <p:spPr>
-          <a:xfrm>
-            <a:off x="521208" y="1859797"/>
-            <a:ext cx="11155680" cy="4486139"/>
-          </a:xfrm>
-        </p:spPr>
-        <p:txBody>
-          <a:bodyPr>
-            <a:normAutofit fontScale="92500" lnSpcReduction="10000"/>
-          </a:bodyPr>
-          <a:lstStyle/>
-          <a:p>
-            <a:r>
-              <a:rPr lang="cs-CZ" b="1" dirty="0"/>
-              <a:t>Co se kontroluje:</a:t>
-            </a:r>
-            <a:endParaRPr lang="cs-CZ" dirty="0"/>
-          </a:p>
-          <a:p>
-            <a:pPr lvl="1"/>
-            <a:r>
-              <a:rPr lang="cs-CZ" sz="1800" dirty="0"/>
-              <a:t>klíčové soubory aplikace (např. main.py, Tetris.py)</a:t>
-            </a:r>
-          </a:p>
-          <a:p>
-            <a:pPr lvl="1"/>
-            <a:r>
-              <a:rPr lang="cs-CZ" sz="1800" dirty="0"/>
-              <a:t>každý soubor má uložený </a:t>
-            </a:r>
-            <a:r>
-              <a:rPr lang="cs-CZ" sz="1800" b="1" dirty="0" err="1"/>
-              <a:t>hash</a:t>
-            </a:r>
-            <a:r>
-              <a:rPr lang="cs-CZ" sz="1800" b="1" dirty="0"/>
-              <a:t> v </a:t>
-            </a:r>
-            <a:r>
-              <a:rPr lang="cs-CZ" sz="1800" b="1" dirty="0" err="1"/>
-              <a:t>manifest.json</a:t>
-            </a:r>
-            <a:endParaRPr lang="cs-CZ" sz="1800" dirty="0"/>
-          </a:p>
-          <a:p>
-            <a:r>
-              <a:rPr lang="cs-CZ" b="1" dirty="0"/>
-              <a:t>Jak to funguje:</a:t>
-            </a:r>
-            <a:endParaRPr lang="cs-CZ" dirty="0"/>
-          </a:p>
-          <a:p>
-            <a:pPr lvl="1"/>
-            <a:r>
-              <a:rPr lang="cs-CZ" sz="1800" dirty="0"/>
-              <a:t>při spuštění se znovu spočítá </a:t>
-            </a:r>
-            <a:r>
-              <a:rPr lang="cs-CZ" sz="1800" b="1" dirty="0"/>
-              <a:t>SHA-256 </a:t>
-            </a:r>
-            <a:r>
-              <a:rPr lang="cs-CZ" sz="1800" b="1" dirty="0" err="1"/>
-              <a:t>hash</a:t>
-            </a:r>
-            <a:endParaRPr lang="cs-CZ" sz="1800" dirty="0"/>
-          </a:p>
-          <a:p>
-            <a:pPr lvl="1"/>
-            <a:r>
-              <a:rPr lang="cs-CZ" sz="1800" dirty="0" err="1"/>
-              <a:t>hash</a:t>
-            </a:r>
-            <a:r>
-              <a:rPr lang="cs-CZ" sz="1800" dirty="0"/>
-              <a:t> je kombinovaný s </a:t>
-            </a:r>
-            <a:r>
-              <a:rPr lang="cs-CZ" sz="1800" b="1" dirty="0"/>
-              <a:t>tajným klíčem</a:t>
-            </a:r>
-            <a:endParaRPr lang="cs-CZ" sz="1800" dirty="0"/>
-          </a:p>
-          <a:p>
-            <a:pPr lvl="1"/>
-            <a:r>
-              <a:rPr lang="cs-CZ" sz="1800" dirty="0"/>
-              <a:t>porovná se s hodnotou v manifestu</a:t>
-            </a:r>
-          </a:p>
-          <a:p>
-            <a:r>
-              <a:rPr lang="cs-CZ" b="1" dirty="0"/>
-              <a:t>Výjimky:</a:t>
-            </a:r>
-            <a:endParaRPr lang="cs-CZ" dirty="0"/>
-          </a:p>
-          <a:p>
-            <a:pPr lvl="1"/>
-            <a:r>
-              <a:rPr lang="cs-CZ" sz="1800" dirty="0"/>
-              <a:t>konfigurační položky (verze, telemetry </a:t>
-            </a:r>
-            <a:r>
-              <a:rPr lang="cs-CZ" sz="1800" dirty="0" err="1"/>
-              <a:t>endpoint</a:t>
-            </a:r>
-            <a:r>
-              <a:rPr lang="cs-CZ" sz="1800" dirty="0"/>
-              <a:t>, API klíč)</a:t>
-            </a:r>
-          </a:p>
-          <a:p>
-            <a:pPr lvl="1"/>
-            <a:r>
-              <a:rPr lang="cs-CZ" sz="1800" dirty="0"/>
-              <a:t>ty lze měnit bez porušení integrity</a:t>
-            </a:r>
-          </a:p>
-          <a:p>
-            <a:r>
-              <a:rPr lang="cs-CZ" b="1" dirty="0"/>
-              <a:t>Reakce na problém:</a:t>
-            </a:r>
-            <a:endParaRPr lang="cs-CZ" dirty="0"/>
-          </a:p>
-          <a:p>
-            <a:pPr lvl="1"/>
-            <a:r>
-              <a:rPr lang="cs-CZ" sz="1800" dirty="0"/>
-              <a:t>pokud </a:t>
-            </a:r>
-            <a:r>
-              <a:rPr lang="cs-CZ" sz="1800" dirty="0" err="1"/>
-              <a:t>hash</a:t>
-            </a:r>
-            <a:r>
-              <a:rPr lang="cs-CZ" sz="1800" dirty="0"/>
-              <a:t> nesouhlasí → </a:t>
-            </a:r>
-            <a:r>
-              <a:rPr lang="cs-CZ" sz="1800" b="1" dirty="0"/>
-              <a:t>aplikace se ukončí</a:t>
-            </a:r>
-            <a:endParaRPr lang="cs-CZ" sz="1800" dirty="0"/>
-          </a:p>
-          <a:p>
-            <a:pPr lvl="1"/>
-            <a:r>
-              <a:rPr lang="cs-CZ" sz="1800" dirty="0"/>
-              <a:t>chrání proti úpravám kódu a </a:t>
-            </a:r>
-            <a:r>
-              <a:rPr lang="cs-CZ" sz="1800" dirty="0" err="1"/>
-              <a:t>cheatování</a:t>
-            </a:r>
-            <a:endParaRPr lang="cs-CZ" sz="1800" dirty="0"/>
-          </a:p>
-          <a:p>
-            <a:endParaRPr lang="cs-CZ" dirty="0"/>
+          <a:p>
+            <a:pPr algn="ctr"/>
+            <a:r>
+              <a:rPr lang="cs-CZ" sz="3600" dirty="0"/>
+              <a:t>login DB ≠ telemetrie DB ≠ herní logika</a:t>
+            </a:r>
           </a:p>
         </p:txBody>
       </p:sp>
     </p:spTree>
     <p:extLst>
       <p:ext uri="{BB962C8B-B14F-4D97-AF65-F5344CB8AC3E}">
-        <p14:creationId xmlns:p14="http://schemas.microsoft.com/office/powerpoint/2010/main" val="4085206464"/>
+        <p14:creationId xmlns:p14="http://schemas.microsoft.com/office/powerpoint/2010/main" val="2809746986"/>
       </p:ext>
     </p:extLst>
   </p:cSld>
@@ -4880,7 +4725,7 @@
           <p:cNvPr id="2" name="Nadpis 1">
             <a:extLst>
               <a:ext uri="{FF2B5EF4-FFF2-40B4-BE49-F238E27FC236}">
-                <a16:creationId xmlns:a16="http://schemas.microsoft.com/office/drawing/2014/main" id="{DEC66FA8-7006-90A7-F5D6-F057F9DE5D89}"/>
+                <a16:creationId xmlns:a16="http://schemas.microsoft.com/office/drawing/2014/main" id="{10A77A0B-763F-A9FB-E245-67AD9556A9C9}"/>
               </a:ext>
             </a:extLst>
           </p:cNvPr>
@@ -4897,8 +4742,16 @@
           <a:lstStyle/>
           <a:p>
             <a:r>
-              <a:rPr lang="en-AU" dirty="0" err="1"/>
-              <a:t>Konfigurace</a:t>
+              <a:rPr lang="en-AU" dirty="0"/>
+              <a:t>TELEMETRIE</a:t>
+            </a:r>
+            <a:r>
+              <a:rPr lang="cs-CZ" dirty="0"/>
+              <a:t> – S. </a:t>
+            </a:r>
+            <a:r>
+              <a:rPr lang="cs-CZ" dirty="0" err="1"/>
+              <a:t>Reed</a:t>
             </a:r>
             <a:endParaRPr lang="cs-CZ" dirty="0"/>
           </a:p>
@@ -4909,7 +4762,7 @@
           <p:cNvPr id="3" name="Zástupný obsah 2">
             <a:extLst>
               <a:ext uri="{FF2B5EF4-FFF2-40B4-BE49-F238E27FC236}">
-                <a16:creationId xmlns:a16="http://schemas.microsoft.com/office/drawing/2014/main" id="{95EC231E-F74F-29AD-10F8-F928D9089644}"/>
+                <a16:creationId xmlns:a16="http://schemas.microsoft.com/office/drawing/2014/main" id="{D3107EA1-1E63-A76D-1397-A73D84B99D72}"/>
               </a:ext>
             </a:extLst>
           </p:cNvPr>
@@ -4923,102 +4776,174 @@
         <p:spPr/>
         <p:txBody>
           <a:bodyPr>
-            <a:normAutofit lnSpcReduction="10000"/>
+            <a:normAutofit/>
           </a:bodyPr>
           <a:lstStyle/>
           <a:p>
-            <a:r>
-              <a:rPr lang="cs-CZ" sz="2000" dirty="0" err="1"/>
-              <a:t>player.json</a:t>
-            </a:r>
-            <a:endParaRPr lang="cs-CZ" sz="2000" dirty="0"/>
-          </a:p>
-          <a:p>
-            <a:pPr lvl="1"/>
-            <a:r>
-              <a:rPr lang="cs-CZ" sz="2000" dirty="0"/>
-              <a:t>ukládá souhlas hráče s telemetrií</a:t>
-            </a:r>
-          </a:p>
-          <a:p>
-            <a:r>
-              <a:rPr lang="cs-CZ" sz="2000" dirty="0" err="1"/>
-              <a:t>manifest.json</a:t>
-            </a:r>
-            <a:endParaRPr lang="cs-CZ" sz="2000" dirty="0"/>
-          </a:p>
-          <a:p>
-            <a:pPr lvl="1"/>
-            <a:r>
-              <a:rPr lang="cs-CZ" sz="2000" dirty="0"/>
-              <a:t>adresa serveru (</a:t>
-            </a:r>
-            <a:r>
-              <a:rPr lang="cs-CZ" sz="2000" dirty="0" err="1"/>
-              <a:t>telemetry_endpoint</a:t>
-            </a:r>
-            <a:r>
-              <a:rPr lang="cs-CZ" sz="2000" dirty="0"/>
-              <a:t>)</a:t>
-            </a:r>
-          </a:p>
-          <a:p>
-            <a:pPr lvl="1"/>
-            <a:r>
-              <a:rPr lang="cs-CZ" sz="2000" dirty="0"/>
-              <a:t>API klíč (</a:t>
-            </a:r>
-            <a:r>
-              <a:rPr lang="cs-CZ" sz="2000" dirty="0" err="1"/>
-              <a:t>telemetry_api_key</a:t>
-            </a:r>
-            <a:r>
-              <a:rPr lang="cs-CZ" sz="2000" dirty="0"/>
-              <a:t>)</a:t>
-            </a:r>
-          </a:p>
-          <a:p>
-            <a:pPr lvl="1"/>
-            <a:r>
-              <a:rPr lang="cs-CZ" sz="2000" dirty="0"/>
-              <a:t>verze aplikace</a:t>
-            </a:r>
-          </a:p>
-          <a:p>
-            <a:r>
-              <a:rPr lang="cs-CZ" sz="2000" b="1" dirty="0"/>
-              <a:t>Princip:</a:t>
-            </a:r>
-            <a:endParaRPr lang="cs-CZ" sz="2000" dirty="0"/>
-          </a:p>
-          <a:p>
-            <a:r>
-              <a:rPr lang="cs-CZ" sz="2000" dirty="0"/>
-              <a:t>Bez souhlasu → telemetrie je vypnutá</a:t>
-            </a:r>
-            <a:endParaRPr lang="en-AU" sz="2000" dirty="0"/>
-          </a:p>
-          <a:p>
-            <a:r>
-              <a:rPr lang="cs-CZ" sz="2000" dirty="0"/>
-              <a:t>Se souhlasem → hra začne zaznamenávat technické události</a:t>
-            </a:r>
-          </a:p>
-          <a:p>
-            <a:pPr marL="0" indent="0">
-              <a:buNone/>
-            </a:pPr>
-            <a:endParaRPr lang="cs-CZ" sz="2000" dirty="0"/>
-          </a:p>
-          <a:p>
-            <a:endParaRPr lang="cs-CZ" sz="2000" dirty="0"/>
+            <a:pPr algn="ctr"/>
+            <a:r>
+              <a:rPr lang="en-AU" sz="3200" dirty="0" err="1"/>
+              <a:t>Jde</a:t>
+            </a:r>
+            <a:r>
+              <a:rPr lang="en-AU" sz="3200" dirty="0"/>
+              <a:t> o Flask telemetry server, </a:t>
+            </a:r>
+            <a:r>
+              <a:rPr lang="en-AU" sz="3200" dirty="0" err="1"/>
+              <a:t>který</a:t>
+            </a:r>
+            <a:r>
+              <a:rPr lang="en-AU" sz="3200" dirty="0"/>
+              <a:t> </a:t>
+            </a:r>
+            <a:r>
+              <a:rPr lang="en-AU" sz="3200" dirty="0" err="1"/>
+              <a:t>přijímá</a:t>
+            </a:r>
+            <a:r>
+              <a:rPr lang="en-AU" sz="3200" dirty="0"/>
+              <a:t> </a:t>
+            </a:r>
+            <a:r>
+              <a:rPr lang="en-AU" sz="3200" dirty="0" err="1"/>
+              <a:t>dávky</a:t>
+            </a:r>
+            <a:r>
+              <a:rPr lang="en-AU" sz="3200" dirty="0"/>
+              <a:t> </a:t>
+            </a:r>
+            <a:r>
+              <a:rPr lang="en-AU" sz="3200" dirty="0" err="1"/>
+              <a:t>událostí</a:t>
+            </a:r>
+            <a:r>
+              <a:rPr lang="en-AU" sz="3200" dirty="0"/>
+              <a:t> z </a:t>
+            </a:r>
+            <a:r>
+              <a:rPr lang="en-AU" sz="3200" dirty="0" err="1"/>
+              <a:t>klienta</a:t>
+            </a:r>
+            <a:r>
+              <a:rPr lang="en-AU" sz="3200" dirty="0"/>
+              <a:t> (</a:t>
+            </a:r>
+            <a:r>
+              <a:rPr lang="en-AU" sz="3200" dirty="0" err="1"/>
+              <a:t>hry</a:t>
+            </a:r>
+            <a:r>
+              <a:rPr lang="en-AU" sz="3200" dirty="0"/>
+              <a:t>) </a:t>
+            </a:r>
+            <a:r>
+              <a:rPr lang="en-AU" sz="3200" dirty="0" err="1"/>
+              <a:t>přes</a:t>
+            </a:r>
+            <a:r>
+              <a:rPr lang="en-AU" sz="3200" dirty="0"/>
+              <a:t> HTTP API.</a:t>
+            </a:r>
+          </a:p>
+          <a:p>
+            <a:pPr algn="ctr"/>
+            <a:endParaRPr lang="en-AU" sz="3200" dirty="0"/>
+          </a:p>
+          <a:p>
+            <a:pPr algn="ctr"/>
+            <a:r>
+              <a:rPr lang="en-AU" sz="3200" dirty="0"/>
+              <a:t> Server </a:t>
+            </a:r>
+            <a:r>
+              <a:rPr lang="en-AU" sz="3200" dirty="0" err="1"/>
+              <a:t>běží</a:t>
+            </a:r>
+            <a:r>
+              <a:rPr lang="en-AU" sz="3200" dirty="0"/>
+              <a:t> </a:t>
+            </a:r>
+            <a:r>
+              <a:rPr lang="en-AU" sz="3200" dirty="0" err="1"/>
+              <a:t>na</a:t>
+            </a:r>
+            <a:r>
+              <a:rPr lang="en-AU" sz="3200" dirty="0"/>
+              <a:t> </a:t>
+            </a:r>
+            <a:r>
+              <a:rPr lang="en-AU" sz="3200" dirty="0" err="1"/>
+              <a:t>hostu</a:t>
+            </a:r>
+            <a:r>
+              <a:rPr lang="en-AU" sz="3200" dirty="0"/>
+              <a:t>/</a:t>
+            </a:r>
+            <a:r>
+              <a:rPr lang="en-AU" sz="3200" dirty="0" err="1"/>
+              <a:t>portu</a:t>
+            </a:r>
+            <a:r>
+              <a:rPr lang="en-AU" sz="3200" dirty="0"/>
+              <a:t> z </a:t>
+            </a:r>
+            <a:r>
+              <a:rPr lang="en-AU" sz="3200" dirty="0" err="1"/>
+              <a:t>proměnných</a:t>
+            </a:r>
+            <a:r>
+              <a:rPr lang="en-AU" sz="3200" dirty="0"/>
+              <a:t> </a:t>
+            </a:r>
+            <a:r>
+              <a:rPr lang="en-AU" sz="3200" dirty="0" err="1"/>
+              <a:t>prostředí</a:t>
+            </a:r>
+            <a:r>
+              <a:rPr lang="en-AU" sz="3200" dirty="0"/>
+              <a:t> (TELEMETRY_SERVER_HOST, TELEMETRY_SERVER_PORT) a </a:t>
+            </a:r>
+            <a:r>
+              <a:rPr lang="en-AU" sz="3200" dirty="0" err="1"/>
+              <a:t>ukládá</a:t>
+            </a:r>
+            <a:r>
+              <a:rPr lang="en-AU" sz="3200" dirty="0"/>
+              <a:t> data do MySQL </a:t>
+            </a:r>
+            <a:r>
+              <a:rPr lang="en-AU" sz="3200" dirty="0" err="1"/>
+              <a:t>databáze</a:t>
+            </a:r>
+            <a:r>
+              <a:rPr lang="en-AU" sz="3200" dirty="0"/>
+              <a:t> (</a:t>
+            </a:r>
+            <a:r>
+              <a:rPr lang="en-AU" sz="3200" dirty="0" err="1"/>
+              <a:t>název</a:t>
+            </a:r>
+            <a:r>
+              <a:rPr lang="en-AU" sz="3200" dirty="0"/>
+              <a:t> DB </a:t>
+            </a:r>
+            <a:r>
+              <a:rPr lang="en-AU" sz="3200" dirty="0" err="1"/>
+              <a:t>tetris_telemetry</a:t>
+            </a:r>
+            <a:r>
+              <a:rPr lang="en-AU" sz="3200" dirty="0"/>
+              <a:t>).</a:t>
+            </a:r>
+            <a:endParaRPr lang="cs-CZ" sz="3200" dirty="0"/>
           </a:p>
         </p:txBody>
       </p:sp>
     </p:spTree>
     <p:extLst>
       <p:ext uri="{BB962C8B-B14F-4D97-AF65-F5344CB8AC3E}">
-        <p14:creationId xmlns:p14="http://schemas.microsoft.com/office/powerpoint/2010/main" val="1202758362"/>
+        <p14:creationId xmlns:p14="http://schemas.microsoft.com/office/powerpoint/2010/main" val="660068429"/>
       </p:ext>
     </p:extLst>
   </p:cSld>
@@ -5050,7 +4975,7 @@
           <p:cNvPr id="2" name="Nadpis 1">
             <a:extLst>
               <a:ext uri="{FF2B5EF4-FFF2-40B4-BE49-F238E27FC236}">
-                <a16:creationId xmlns:a16="http://schemas.microsoft.com/office/drawing/2014/main" id="{B2F4C825-34A9-A91C-9B2D-9DCEABE51427}"/>
+                <a16:creationId xmlns:a16="http://schemas.microsoft.com/office/drawing/2014/main" id="{AAFF7DE8-8FD2-E246-3275-914D205932C3}"/>
               </a:ext>
             </a:extLst>
           </p:cNvPr>
@@ -5068,8 +4993,13 @@
           <a:p>
             <a:r>
               <a:rPr lang="cs-CZ" dirty="0"/>
-              <a:t>Telemetrie: tok událostí ve hře</a:t>
-            </a:r>
+              <a:t>Integrita S. </a:t>
+            </a:r>
+            <a:r>
+              <a:rPr lang="cs-CZ" dirty="0" err="1"/>
+              <a:t>Reed</a:t>
+            </a:r>
+            <a:endParaRPr lang="cs-CZ" dirty="0"/>
           </a:p>
         </p:txBody>
       </p:sp>
@@ -5078,7 +5008,7 @@
           <p:cNvPr id="3" name="Zástupný obsah 2">
             <a:extLst>
               <a:ext uri="{FF2B5EF4-FFF2-40B4-BE49-F238E27FC236}">
-                <a16:creationId xmlns:a16="http://schemas.microsoft.com/office/drawing/2014/main" id="{BE2456AA-FD83-F844-B8AE-450F18E94FDE}"/>
+                <a16:creationId xmlns:a16="http://schemas.microsoft.com/office/drawing/2014/main" id="{D517C7B2-CF6E-E448-4D5A-BEFC30FF3798}"/>
               </a:ext>
             </a:extLst>
           </p:cNvPr>
@@ -5089,73 +5019,164 @@
             <p:ph idx="1"/>
           </p:nvPr>
         </p:nvSpPr>
-        <p:spPr/>
+        <p:spPr>
+          <a:xfrm>
+            <a:off x="521208" y="1859797"/>
+            <a:ext cx="11155680" cy="4486139"/>
+          </a:xfrm>
+        </p:spPr>
         <p:txBody>
           <a:bodyPr>
-            <a:normAutofit fontScale="92500" lnSpcReduction="20000"/>
+            <a:normAutofit fontScale="92500" lnSpcReduction="10000"/>
           </a:bodyPr>
           <a:lstStyle/>
           <a:p>
             <a:r>
               <a:rPr lang="cs-CZ" b="1" dirty="0"/>
-              <a:t>Zaznamenávané okamžiky:</a:t>
+              <a:t>Co se kontroluje:</a:t>
             </a:r>
             <a:endParaRPr lang="cs-CZ" dirty="0"/>
           </a:p>
           <a:p>
-            <a:r>
-              <a:rPr lang="cs-CZ" dirty="0"/>
-              <a:t>spuštění aplikace</a:t>
-            </a:r>
-          </a:p>
-          <a:p>
-            <a:r>
-              <a:rPr lang="cs-CZ" dirty="0"/>
-              <a:t>začátek herní seance</a:t>
-            </a:r>
-          </a:p>
-          <a:p>
-            <a:r>
-              <a:rPr lang="cs-CZ" dirty="0"/>
-              <a:t>konec herní seance</a:t>
-            </a:r>
-          </a:p>
-          <a:p>
-            <a:r>
-              <a:rPr lang="cs-CZ" dirty="0"/>
-              <a:t>ukončení aplikace</a:t>
-            </a:r>
-          </a:p>
-          <a:p>
-            <a:r>
-              <a:rPr lang="cs-CZ" dirty="0"/>
-              <a:t>výjimky (chyby, pády)</a:t>
-            </a:r>
+            <a:pPr lvl="1"/>
+            <a:r>
+              <a:rPr lang="cs-CZ" sz="1800" dirty="0"/>
+              <a:t>klíčové soubory aplikace (např. main.py, Tetris.py)</a:t>
+            </a:r>
+          </a:p>
+          <a:p>
+            <a:pPr lvl="1"/>
+            <a:r>
+              <a:rPr lang="cs-CZ" sz="1800" dirty="0"/>
+              <a:t>každý soubor má uložený </a:t>
+            </a:r>
+            <a:r>
+              <a:rPr lang="cs-CZ" sz="1800" b="1" dirty="0" err="1"/>
+              <a:t>hash</a:t>
+            </a:r>
+            <a:r>
+              <a:rPr lang="cs-CZ" sz="1800" b="1" dirty="0"/>
+              <a:t> v </a:t>
+            </a:r>
+            <a:r>
+              <a:rPr lang="cs-CZ" sz="1800" b="1" dirty="0" err="1"/>
+              <a:t>manifest.json</a:t>
+            </a:r>
+            <a:endParaRPr lang="cs-CZ" sz="1800" dirty="0"/>
           </a:p>
           <a:p>
             <a:r>
               <a:rPr lang="cs-CZ" b="1" dirty="0"/>
-              <a:t>Tok:</a:t>
+              <a:t>Jak to funguje:</a:t>
             </a:r>
             <a:endParaRPr lang="cs-CZ" dirty="0"/>
           </a:p>
           <a:p>
-            <a:r>
-              <a:rPr lang="cs-CZ" dirty="0"/>
-              <a:t>hra vytvoří technickou událost</a:t>
-            </a:r>
-          </a:p>
-          <a:p>
-            <a:r>
-              <a:rPr lang="cs-CZ" dirty="0"/>
-              <a:t>událost se uloží lokálně</a:t>
-            </a:r>
-          </a:p>
-          <a:p>
-            <a:r>
-              <a:rPr lang="cs-CZ" dirty="0"/>
-              <a:t>odeslání probíhá až na pozadí</a:t>
-            </a:r>
+            <a:pPr lvl="1"/>
+            <a:r>
+              <a:rPr lang="cs-CZ" sz="1800" dirty="0"/>
+              <a:t>při spuštění se znovu spočítá </a:t>
+            </a:r>
+            <a:r>
+              <a:rPr lang="cs-CZ" sz="1800" b="1" dirty="0"/>
+              <a:t>SHA-256 </a:t>
+            </a:r>
+            <a:r>
+              <a:rPr lang="cs-CZ" sz="1800" b="1" dirty="0" err="1"/>
+              <a:t>hash</a:t>
+            </a:r>
+            <a:endParaRPr lang="cs-CZ" sz="1800" dirty="0"/>
+          </a:p>
+          <a:p>
+            <a:pPr lvl="1"/>
+            <a:r>
+              <a:rPr lang="cs-CZ" sz="1800" dirty="0" err="1"/>
+              <a:t>hash</a:t>
+            </a:r>
+            <a:r>
+              <a:rPr lang="cs-CZ" sz="1800" dirty="0"/>
+              <a:t> je kombinovaný s </a:t>
+            </a:r>
+            <a:r>
+              <a:rPr lang="cs-CZ" sz="1800" b="1" dirty="0"/>
+              <a:t>tajným klíčem</a:t>
+            </a:r>
+            <a:endParaRPr lang="cs-CZ" sz="1800" dirty="0"/>
+          </a:p>
+          <a:p>
+            <a:pPr lvl="1"/>
+            <a:r>
+              <a:rPr lang="cs-CZ" sz="1800" dirty="0"/>
+              <a:t>porovná se s hodnotou v manifestu</a:t>
+            </a:r>
+          </a:p>
+          <a:p>
+            <a:r>
+              <a:rPr lang="cs-CZ" b="1" dirty="0"/>
+              <a:t>Výjimky:</a:t>
+            </a:r>
+            <a:endParaRPr lang="cs-CZ" dirty="0"/>
+          </a:p>
+          <a:p>
+            <a:pPr lvl="1"/>
+            <a:r>
+              <a:rPr lang="cs-CZ" sz="1800" dirty="0"/>
+              <a:t>konfigurační položky (verze, telemetry </a:t>
+            </a:r>
+            <a:r>
+              <a:rPr lang="cs-CZ" sz="1800" dirty="0" err="1"/>
+              <a:t>endpoint</a:t>
+            </a:r>
+            <a:r>
+              <a:rPr lang="cs-CZ" sz="1800" dirty="0"/>
+              <a:t>, API klíč)</a:t>
+            </a:r>
+          </a:p>
+          <a:p>
+            <a:pPr lvl="1"/>
+            <a:r>
+              <a:rPr lang="cs-CZ" sz="1800" dirty="0"/>
+              <a:t>ty lze měnit bez porušení integrity</a:t>
+            </a:r>
+          </a:p>
+          <a:p>
+            <a:r>
+              <a:rPr lang="cs-CZ" b="1" dirty="0"/>
+              <a:t>Reakce na problém:</a:t>
+            </a:r>
+            <a:endParaRPr lang="cs-CZ" dirty="0"/>
+          </a:p>
+          <a:p>
+            <a:pPr lvl="1"/>
+            <a:r>
+              <a:rPr lang="cs-CZ" sz="1800" dirty="0"/>
+              <a:t>pokud </a:t>
+            </a:r>
+            <a:r>
+              <a:rPr lang="cs-CZ" sz="1800" dirty="0" err="1"/>
+              <a:t>hash</a:t>
+            </a:r>
+            <a:r>
+              <a:rPr lang="cs-CZ" sz="1800" dirty="0"/>
+              <a:t> nesouhlasí → </a:t>
+            </a:r>
+            <a:r>
+              <a:rPr lang="cs-CZ" sz="1800" b="1" dirty="0"/>
+              <a:t>aplikace se ukončí</a:t>
+            </a:r>
+            <a:endParaRPr lang="cs-CZ" sz="1800" dirty="0"/>
+          </a:p>
+          <a:p>
+            <a:pPr lvl="1"/>
+            <a:r>
+              <a:rPr lang="cs-CZ" sz="1800" dirty="0"/>
+              <a:t>chrání proti úpravám kódu a </a:t>
+            </a:r>
+            <a:r>
+              <a:rPr lang="cs-CZ" sz="1800" dirty="0" err="1"/>
+              <a:t>cheatování</a:t>
+            </a:r>
+            <a:endParaRPr lang="cs-CZ" sz="1800" dirty="0"/>
           </a:p>
           <a:p>
             <a:endParaRPr lang="cs-CZ" dirty="0"/>
@@ -5165,7 +5186,7 @@
     </p:spTree>
     <p:extLst>
       <p:ext uri="{BB962C8B-B14F-4D97-AF65-F5344CB8AC3E}">
-        <p14:creationId xmlns:p14="http://schemas.microsoft.com/office/powerpoint/2010/main" val="3083413740"/>
+        <p14:creationId xmlns:p14="http://schemas.microsoft.com/office/powerpoint/2010/main" val="4085206464"/>
       </p:ext>
     </p:extLst>
   </p:cSld>
@@ -5197,7 +5218,7 @@
           <p:cNvPr id="2" name="Nadpis 1">
             <a:extLst>
               <a:ext uri="{FF2B5EF4-FFF2-40B4-BE49-F238E27FC236}">
-                <a16:creationId xmlns:a16="http://schemas.microsoft.com/office/drawing/2014/main" id="{A66DE573-5828-FB4B-D644-23135546EF72}"/>
+                <a16:creationId xmlns:a16="http://schemas.microsoft.com/office/drawing/2014/main" id="{DEC66FA8-7006-90A7-F5D6-F057F9DE5D89}"/>
               </a:ext>
             </a:extLst>
           </p:cNvPr>
@@ -5214,17 +5235,10 @@
           <a:lstStyle/>
           <a:p>
             <a:r>
-              <a:rPr lang="cs-CZ" dirty="0"/>
-              <a:t>Telemetrie: lokální ukládání (</a:t>
-            </a:r>
-            <a:r>
-              <a:rPr lang="cs-CZ" dirty="0" err="1"/>
-              <a:t>offline</a:t>
-            </a:r>
-            <a:r>
-              <a:rPr lang="cs-CZ" dirty="0"/>
-              <a:t> režim)</a:t>
-            </a:r>
+              <a:rPr lang="en-AU" dirty="0" err="1"/>
+              <a:t>Konfigurace</a:t>
+            </a:r>
+            <a:endParaRPr lang="cs-CZ" dirty="0"/>
           </a:p>
         </p:txBody>
       </p:sp>
@@ -5233,7 +5247,7 @@
           <p:cNvPr id="3" name="Zástupný obsah 2">
             <a:extLst>
               <a:ext uri="{FF2B5EF4-FFF2-40B4-BE49-F238E27FC236}">
-                <a16:creationId xmlns:a16="http://schemas.microsoft.com/office/drawing/2014/main" id="{1E15F065-FDC9-C6AB-947F-E82FE80EDDB7}"/>
+                <a16:creationId xmlns:a16="http://schemas.microsoft.com/office/drawing/2014/main" id="{95EC231E-F74F-29AD-10F8-F928D9089644}"/>
               </a:ext>
             </a:extLst>
           </p:cNvPr>
@@ -5247,88 +5261,102 @@
         <p:spPr/>
         <p:txBody>
           <a:bodyPr>
-            <a:normAutofit/>
+            <a:normAutofit lnSpcReduction="10000"/>
           </a:bodyPr>
           <a:lstStyle/>
           <a:p>
             <a:r>
+              <a:rPr lang="cs-CZ" sz="2000" dirty="0" err="1"/>
+              <a:t>player.json</a:t>
+            </a:r>
+            <a:endParaRPr lang="cs-CZ" sz="2000" dirty="0"/>
+          </a:p>
+          <a:p>
+            <a:pPr lvl="1"/>
+            <a:r>
+              <a:rPr lang="cs-CZ" sz="2000" dirty="0"/>
+              <a:t>ukládá souhlas hráče s telemetrií</a:t>
+            </a:r>
+          </a:p>
+          <a:p>
+            <a:r>
+              <a:rPr lang="cs-CZ" sz="2000" dirty="0" err="1"/>
+              <a:t>manifest.json</a:t>
+            </a:r>
+            <a:endParaRPr lang="cs-CZ" sz="2000" dirty="0"/>
+          </a:p>
+          <a:p>
+            <a:pPr lvl="1"/>
+            <a:r>
+              <a:rPr lang="cs-CZ" sz="2000" dirty="0"/>
+              <a:t>adresa serveru (</a:t>
+            </a:r>
+            <a:r>
+              <a:rPr lang="cs-CZ" sz="2000" dirty="0" err="1"/>
+              <a:t>telemetry_endpoint</a:t>
+            </a:r>
+            <a:r>
+              <a:rPr lang="cs-CZ" sz="2000" dirty="0"/>
+              <a:t>)</a:t>
+            </a:r>
+          </a:p>
+          <a:p>
+            <a:pPr lvl="1"/>
+            <a:r>
+              <a:rPr lang="cs-CZ" sz="2000" dirty="0"/>
+              <a:t>API klíč (</a:t>
+            </a:r>
+            <a:r>
+              <a:rPr lang="cs-CZ" sz="2000" dirty="0" err="1"/>
+              <a:t>telemetry_api_key</a:t>
+            </a:r>
+            <a:r>
+              <a:rPr lang="cs-CZ" sz="2000" dirty="0"/>
+              <a:t>)</a:t>
+            </a:r>
+          </a:p>
+          <a:p>
+            <a:pPr lvl="1"/>
+            <a:r>
+              <a:rPr lang="cs-CZ" sz="2000" dirty="0"/>
+              <a:t>verze aplikace</a:t>
+            </a:r>
+          </a:p>
+          <a:p>
+            <a:r>
               <a:rPr lang="cs-CZ" sz="2000" b="1" dirty="0"/>
-              <a:t>Lokální databáze:</a:t>
+              <a:t>Princip:</a:t>
             </a:r>
             <a:endParaRPr lang="cs-CZ" sz="2000" dirty="0"/>
           </a:p>
           <a:p>
-            <a:pPr lvl="1"/>
-            <a:r>
-              <a:rPr lang="cs-CZ" sz="2000" dirty="0" err="1"/>
-              <a:t>SQLite</a:t>
-            </a:r>
             <a:r>
               <a:rPr lang="cs-CZ" sz="2000" dirty="0"/>
-              <a:t> soubor </a:t>
-            </a:r>
-            <a:r>
-              <a:rPr lang="cs-CZ" sz="2000" dirty="0" err="1"/>
-              <a:t>telemetry.db</a:t>
-            </a:r>
+              <a:t>Bez souhlasu → telemetrie je vypnutá</a:t>
+            </a:r>
+            <a:endParaRPr lang="en-AU" sz="2000" dirty="0"/>
+          </a:p>
+          <a:p>
+            <a:r>
+              <a:rPr lang="cs-CZ" sz="2000" dirty="0"/>
+              <a:t>Se souhlasem → hra začne zaznamenávat technické události</a:t>
+            </a:r>
+          </a:p>
+          <a:p>
+            <a:pPr marL="0" indent="0">
+              <a:buNone/>
+            </a:pPr>
             <a:endParaRPr lang="cs-CZ" sz="2000" dirty="0"/>
           </a:p>
           <a:p>
-            <a:r>
-              <a:rPr lang="cs-CZ" sz="2000" b="1" dirty="0"/>
-              <a:t>Co se tam ukládá:</a:t>
-            </a:r>
             <a:endParaRPr lang="cs-CZ" sz="2000" dirty="0"/>
-          </a:p>
-          <a:p>
-            <a:pPr lvl="1"/>
-            <a:r>
-              <a:rPr lang="cs-CZ" sz="2000" dirty="0"/>
-              <a:t>typ události (např. start hry, konec hry)</a:t>
-            </a:r>
-          </a:p>
-          <a:p>
-            <a:pPr lvl="1"/>
-            <a:r>
-              <a:rPr lang="cs-CZ" sz="2000" dirty="0"/>
-              <a:t>čas události</a:t>
-            </a:r>
-          </a:p>
-          <a:p>
-            <a:pPr lvl="1"/>
-            <a:r>
-              <a:rPr lang="cs-CZ" sz="2000" dirty="0"/>
-              <a:t>technický </a:t>
-            </a:r>
-            <a:r>
-              <a:rPr lang="cs-CZ" sz="2000" dirty="0" err="1"/>
-              <a:t>payload</a:t>
-            </a:r>
-            <a:r>
-              <a:rPr lang="cs-CZ" sz="2000" dirty="0"/>
-              <a:t> (skóre, délka hry…)</a:t>
-            </a:r>
-          </a:p>
-          <a:p>
-            <a:pPr lvl="1"/>
-            <a:r>
-              <a:rPr lang="cs-CZ" sz="2000" dirty="0"/>
-              <a:t>stav odeslání (odesláno / neodesláno)</a:t>
-            </a:r>
-          </a:p>
-          <a:p>
-            <a:pPr lvl="1"/>
-            <a:r>
-              <a:rPr lang="cs-CZ" sz="2000" dirty="0"/>
-              <a:t>počet pokusů o odeslání</a:t>
-            </a:r>
           </a:p>
         </p:txBody>
       </p:sp>
     </p:spTree>
     <p:extLst>
       <p:ext uri="{BB962C8B-B14F-4D97-AF65-F5344CB8AC3E}">
-        <p14:creationId xmlns:p14="http://schemas.microsoft.com/office/powerpoint/2010/main" val="2670281820"/>
+        <p14:creationId xmlns:p14="http://schemas.microsoft.com/office/powerpoint/2010/main" val="1202758362"/>
       </p:ext>
     </p:extLst>
   </p:cSld>
@@ -5360,7 +5388,7 @@
           <p:cNvPr id="2" name="Nadpis 1">
             <a:extLst>
               <a:ext uri="{FF2B5EF4-FFF2-40B4-BE49-F238E27FC236}">
-                <a16:creationId xmlns:a16="http://schemas.microsoft.com/office/drawing/2014/main" id="{DB6D87C2-F6A4-5DC2-AE3E-88D6650E429B}"/>
+                <a16:creationId xmlns:a16="http://schemas.microsoft.com/office/drawing/2014/main" id="{B2F4C825-34A9-A91C-9B2D-9DCEABE51427}"/>
               </a:ext>
             </a:extLst>
           </p:cNvPr>
@@ -5378,7 +5406,7 @@
           <a:p>
             <a:r>
               <a:rPr lang="cs-CZ" dirty="0"/>
-              <a:t>Telemetrie: odesílání dat na server</a:t>
+              <a:t>Telemetrie: tok událostí ve hře</a:t>
             </a:r>
           </a:p>
         </p:txBody>
@@ -5388,7 +5416,7 @@
           <p:cNvPr id="3" name="Zástupný obsah 2">
             <a:extLst>
               <a:ext uri="{FF2B5EF4-FFF2-40B4-BE49-F238E27FC236}">
-                <a16:creationId xmlns:a16="http://schemas.microsoft.com/office/drawing/2014/main" id="{45D6DA81-4D8B-F999-E493-6D323FA04AFF}"/>
+                <a16:creationId xmlns:a16="http://schemas.microsoft.com/office/drawing/2014/main" id="{BE2456AA-FD83-F844-B8AE-450F18E94FDE}"/>
               </a:ext>
             </a:extLst>
           </p:cNvPr>
@@ -5402,82 +5430,69 @@
         <p:spPr/>
         <p:txBody>
           <a:bodyPr>
-            <a:normAutofit/>
+            <a:normAutofit fontScale="92500" lnSpcReduction="20000"/>
           </a:bodyPr>
           <a:lstStyle/>
           <a:p>
             <a:r>
               <a:rPr lang="cs-CZ" b="1" dirty="0"/>
-              <a:t>Kdy se odesílá:</a:t>
+              <a:t>Zaznamenávané okamžiky:</a:t>
             </a:r>
             <a:endParaRPr lang="cs-CZ" dirty="0"/>
           </a:p>
           <a:p>
-            <a:pPr lvl="1"/>
-            <a:r>
-              <a:rPr lang="cs-CZ" dirty="0"/>
-              <a:t>automaticky na pozadí</a:t>
-            </a:r>
-          </a:p>
-          <a:p>
-            <a:pPr lvl="1"/>
-            <a:r>
-              <a:rPr lang="cs-CZ" dirty="0"/>
-              <a:t>po dávkách (více událostí najednou)</a:t>
+            <a:r>
+              <a:rPr lang="cs-CZ" dirty="0"/>
+              <a:t>spuštění aplikace</a:t>
+            </a:r>
+          </a:p>
+          <a:p>
+            <a:r>
+              <a:rPr lang="cs-CZ" dirty="0"/>
+              <a:t>začátek herní seance</a:t>
+            </a:r>
+          </a:p>
+          <a:p>
+            <a:r>
+              <a:rPr lang="cs-CZ" dirty="0"/>
+              <a:t>konec herní seance</a:t>
+            </a:r>
+          </a:p>
+          <a:p>
+            <a:r>
+              <a:rPr lang="cs-CZ" dirty="0"/>
+              <a:t>ukončení aplikace</a:t>
+            </a:r>
+          </a:p>
+          <a:p>
+            <a:r>
+              <a:rPr lang="cs-CZ" dirty="0"/>
+              <a:t>výjimky (chyby, pády)</a:t>
             </a:r>
           </a:p>
           <a:p>
             <a:r>
               <a:rPr lang="cs-CZ" b="1" dirty="0"/>
-              <a:t>Jak:</a:t>
+              <a:t>Tok:</a:t>
             </a:r>
             <a:endParaRPr lang="cs-CZ" dirty="0"/>
           </a:p>
           <a:p>
-            <a:pPr lvl="1"/>
-            <a:r>
-              <a:rPr lang="cs-CZ" dirty="0"/>
-              <a:t>HTTP POST na /telemetry</a:t>
-            </a:r>
-          </a:p>
-          <a:p>
-            <a:pPr lvl="1"/>
-            <a:r>
-              <a:rPr lang="cs-CZ" dirty="0"/>
-              <a:t>JSON </a:t>
-            </a:r>
-            <a:r>
-              <a:rPr lang="cs-CZ" dirty="0" err="1"/>
-              <a:t>payload</a:t>
-            </a:r>
-            <a:endParaRPr lang="cs-CZ" dirty="0"/>
-          </a:p>
-          <a:p>
-            <a:pPr lvl="1"/>
-            <a:r>
-              <a:rPr lang="cs-CZ" dirty="0"/>
-              <a:t>volitelný API klíč v hlavičce</a:t>
-            </a:r>
-          </a:p>
-          <a:p>
-            <a:r>
-              <a:rPr lang="cs-CZ" b="1" dirty="0"/>
-              <a:t>Když se to nepovede:</a:t>
-            </a:r>
-            <a:endParaRPr lang="cs-CZ" dirty="0"/>
-          </a:p>
-          <a:p>
-            <a:pPr lvl="1"/>
-            <a:r>
-              <a:rPr lang="cs-CZ" dirty="0"/>
-              <a:t>události zůstanou v DB</a:t>
-            </a:r>
-          </a:p>
-          <a:p>
-            <a:pPr lvl="1"/>
-            <a:r>
-              <a:rPr lang="cs-CZ" dirty="0"/>
-              <a:t>systém to zkusí znovu (retry + čekání)</a:t>
+            <a:r>
+              <a:rPr lang="cs-CZ" dirty="0"/>
+              <a:t>hra vytvoří technickou událost</a:t>
+            </a:r>
+          </a:p>
+          <a:p>
+            <a:r>
+              <a:rPr lang="cs-CZ" dirty="0"/>
+              <a:t>událost se uloží lokálně</a:t>
+            </a:r>
+          </a:p>
+          <a:p>
+            <a:r>
+              <a:rPr lang="cs-CZ" dirty="0"/>
+              <a:t>odeslání probíhá až na pozadí</a:t>
             </a:r>
           </a:p>
           <a:p>
@@ -5488,7 +5503,7 @@
     </p:spTree>
     <p:extLst>
       <p:ext uri="{BB962C8B-B14F-4D97-AF65-F5344CB8AC3E}">
-        <p14:creationId xmlns:p14="http://schemas.microsoft.com/office/powerpoint/2010/main" val="1852415995"/>
+        <p14:creationId xmlns:p14="http://schemas.microsoft.com/office/powerpoint/2010/main" val="3083413740"/>
       </p:ext>
     </p:extLst>
   </p:cSld>
@@ -5520,7 +5535,7 @@
           <p:cNvPr id="2" name="Nadpis 1">
             <a:extLst>
               <a:ext uri="{FF2B5EF4-FFF2-40B4-BE49-F238E27FC236}">
-                <a16:creationId xmlns:a16="http://schemas.microsoft.com/office/drawing/2014/main" id="{362F52D2-0AAC-DD72-0EA3-205963C4F879}"/>
+                <a16:creationId xmlns:a16="http://schemas.microsoft.com/office/drawing/2014/main" id="{A66DE573-5828-FB4B-D644-23135546EF72}"/>
               </a:ext>
             </a:extLst>
           </p:cNvPr>
@@ -5538,12 +5553,16 @@
           <a:p>
             <a:r>
               <a:rPr lang="cs-CZ" dirty="0"/>
-              <a:t>Telemetrie: ochrana a anonymita dat</a:t>
-            </a:r>
-            <a:br>
-              <a:rPr lang="cs-CZ" dirty="0"/>
-            </a:br>
-            <a:endParaRPr lang="cs-CZ" dirty="0"/>
+              <a:t>Telemetrie: lokální ukládání (</a:t>
+            </a:r>
+            <a:r>
+              <a:rPr lang="cs-CZ" dirty="0" err="1"/>
+              <a:t>offline</a:t>
+            </a:r>
+            <a:r>
+              <a:rPr lang="cs-CZ" dirty="0"/>
+              <a:t> režim)</a:t>
+            </a:r>
           </a:p>
         </p:txBody>
       </p:sp>
@@ -5552,7 +5571,7 @@
           <p:cNvPr id="3" name="Zástupný obsah 2">
             <a:extLst>
               <a:ext uri="{FF2B5EF4-FFF2-40B4-BE49-F238E27FC236}">
-                <a16:creationId xmlns:a16="http://schemas.microsoft.com/office/drawing/2014/main" id="{7E5A8D73-57B5-EACE-CC94-B0B9999921C4}"/>
+                <a16:creationId xmlns:a16="http://schemas.microsoft.com/office/drawing/2014/main" id="{1E15F065-FDC9-C6AB-947F-E82FE80EDDB7}"/>
               </a:ext>
             </a:extLst>
           </p:cNvPr>
@@ -5565,63 +5584,89 @@
         </p:nvSpPr>
         <p:spPr/>
         <p:txBody>
-          <a:bodyPr/>
-          <a:lstStyle/>
-          <a:p>
-            <a:pPr marL="0" indent="0">
-              <a:buNone/>
-            </a:pPr>
-            <a:r>
-              <a:rPr lang="cs-CZ" sz="3200" b="1" dirty="0"/>
-              <a:t>Čištění dat před uložením i odesláním:</a:t>
-            </a:r>
-            <a:endParaRPr lang="cs-CZ" sz="3200" dirty="0"/>
-          </a:p>
-          <a:p>
-            <a:r>
-              <a:rPr lang="cs-CZ" sz="3200" dirty="0"/>
-              <a:t>automaticky se zahazují klíče:</a:t>
-            </a:r>
+          <a:bodyPr>
+            <a:normAutofit/>
+          </a:bodyPr>
+          <a:lstStyle/>
+          <a:p>
+            <a:r>
+              <a:rPr lang="cs-CZ" sz="2000" b="1" dirty="0"/>
+              <a:t>Lokální databáze:</a:t>
+            </a:r>
+            <a:endParaRPr lang="cs-CZ" sz="2000" dirty="0"/>
           </a:p>
           <a:p>
             <a:pPr lvl="1"/>
             <a:r>
-              <a:rPr lang="cs-CZ" sz="3200" dirty="0" err="1"/>
-              <a:t>username</a:t>
-            </a:r>
-            <a:endParaRPr lang="cs-CZ" sz="3200" dirty="0"/>
+              <a:rPr lang="cs-CZ" sz="2000" dirty="0" err="1"/>
+              <a:t>SQLite</a:t>
+            </a:r>
+            <a:r>
+              <a:rPr lang="cs-CZ" sz="2000" dirty="0"/>
+              <a:t> soubor </a:t>
+            </a:r>
+            <a:r>
+              <a:rPr lang="cs-CZ" sz="2000" dirty="0" err="1"/>
+              <a:t>telemetry.db</a:t>
+            </a:r>
+            <a:endParaRPr lang="cs-CZ" sz="2000" dirty="0"/>
+          </a:p>
+          <a:p>
+            <a:r>
+              <a:rPr lang="cs-CZ" sz="2000" b="1" dirty="0"/>
+              <a:t>Co se tam ukládá:</a:t>
+            </a:r>
+            <a:endParaRPr lang="cs-CZ" sz="2000" dirty="0"/>
           </a:p>
           <a:p>
             <a:pPr lvl="1"/>
             <a:r>
-              <a:rPr lang="cs-CZ" sz="3200" dirty="0" err="1"/>
-              <a:t>password</a:t>
-            </a:r>
-            <a:endParaRPr lang="cs-CZ" sz="3200" dirty="0"/>
+              <a:rPr lang="cs-CZ" sz="2000" dirty="0"/>
+              <a:t>typ události (např. start hry, konec hry)</a:t>
+            </a:r>
           </a:p>
           <a:p>
             <a:pPr lvl="1"/>
             <a:r>
-              <a:rPr lang="cs-CZ" sz="3200" dirty="0"/>
-              <a:t>email</a:t>
+              <a:rPr lang="cs-CZ" sz="2000" dirty="0"/>
+              <a:t>čas události</a:t>
             </a:r>
           </a:p>
           <a:p>
             <a:pPr lvl="1"/>
             <a:r>
-              <a:rPr lang="cs-CZ" sz="3200" dirty="0"/>
-              <a:t>token</a:t>
-            </a:r>
-          </a:p>
-          <a:p>
-            <a:endParaRPr lang="cs-CZ" dirty="0"/>
+              <a:rPr lang="cs-CZ" sz="2000" dirty="0"/>
+              <a:t>technický </a:t>
+            </a:r>
+            <a:r>
+              <a:rPr lang="cs-CZ" sz="2000" dirty="0" err="1"/>
+              <a:t>payload</a:t>
+            </a:r>
+            <a:r>
+              <a:rPr lang="cs-CZ" sz="2000" dirty="0"/>
+              <a:t> (skóre, délka hry…)</a:t>
+            </a:r>
+          </a:p>
+          <a:p>
+            <a:pPr lvl="1"/>
+            <a:r>
+              <a:rPr lang="cs-CZ" sz="2000" dirty="0"/>
+              <a:t>stav odeslání (odesláno / neodesláno)</a:t>
+            </a:r>
+          </a:p>
+          <a:p>
+            <a:pPr lvl="1"/>
+            <a:r>
+              <a:rPr lang="cs-CZ" sz="2000" dirty="0"/>
+              <a:t>počet pokusů o odeslání</a:t>
+            </a:r>
           </a:p>
         </p:txBody>
       </p:sp>
     </p:spTree>
     <p:extLst>
       <p:ext uri="{BB962C8B-B14F-4D97-AF65-F5344CB8AC3E}">
-        <p14:creationId xmlns:p14="http://schemas.microsoft.com/office/powerpoint/2010/main" val="3954631172"/>
+        <p14:creationId xmlns:p14="http://schemas.microsoft.com/office/powerpoint/2010/main" val="2670281820"/>
       </p:ext>
     </p:extLst>
   </p:cSld>
@@ -5653,7 +5698,7 @@
           <p:cNvPr id="2" name="Nadpis 1">
             <a:extLst>
               <a:ext uri="{FF2B5EF4-FFF2-40B4-BE49-F238E27FC236}">
-                <a16:creationId xmlns:a16="http://schemas.microsoft.com/office/drawing/2014/main" id="{7DD39B95-231A-28FD-66B8-4C169C59F1CD}"/>
+                <a16:creationId xmlns:a16="http://schemas.microsoft.com/office/drawing/2014/main" id="{DB6D87C2-F6A4-5DC2-AE3E-88D6650E429B}"/>
               </a:ext>
             </a:extLst>
           </p:cNvPr>
@@ -5671,7 +5716,7 @@
           <a:p>
             <a:r>
               <a:rPr lang="cs-CZ" dirty="0"/>
-              <a:t>Telemetrie server</a:t>
+              <a:t>Telemetrie: odesílání dat na server</a:t>
             </a:r>
           </a:p>
         </p:txBody>
@@ -5681,7 +5726,7 @@
           <p:cNvPr id="3" name="Zástupný obsah 2">
             <a:extLst>
               <a:ext uri="{FF2B5EF4-FFF2-40B4-BE49-F238E27FC236}">
-                <a16:creationId xmlns:a16="http://schemas.microsoft.com/office/drawing/2014/main" id="{A0FF3B81-E082-97F5-F053-F39BE1AA82D0}"/>
+                <a16:creationId xmlns:a16="http://schemas.microsoft.com/office/drawing/2014/main" id="{45D6DA81-4D8B-F999-E493-6D323FA04AFF}"/>
               </a:ext>
             </a:extLst>
           </p:cNvPr>
@@ -5700,104 +5745,88 @@
           <a:lstStyle/>
           <a:p>
             <a:r>
-              <a:rPr lang="cs-CZ" sz="2400" dirty="0"/>
-              <a:t>hra posílá technické události na </a:t>
-            </a:r>
-            <a:r>
-              <a:rPr lang="cs-CZ" sz="2400" dirty="0" err="1"/>
-              <a:t>Flask</a:t>
-            </a:r>
-            <a:r>
-              <a:rPr lang="cs-CZ" sz="2400" dirty="0"/>
-              <a:t> telemetry server</a:t>
-            </a:r>
-            <a:endParaRPr lang="en-AU" sz="2400" dirty="0"/>
-          </a:p>
-          <a:p>
-            <a:r>
-              <a:rPr lang="cs-CZ" sz="2400" dirty="0"/>
-              <a:t>server ověří API klíč a zkontroluje data</a:t>
-            </a:r>
-            <a:endParaRPr lang="en-AU" sz="2400" dirty="0"/>
-          </a:p>
-          <a:p>
-            <a:r>
-              <a:rPr lang="cs-CZ" sz="2400" dirty="0"/>
-              <a:t>data ukládá do </a:t>
-            </a:r>
-            <a:r>
-              <a:rPr lang="cs-CZ" sz="2400" dirty="0" err="1"/>
-              <a:t>MySQL</a:t>
-            </a:r>
-            <a:r>
-              <a:rPr lang="cs-CZ" sz="2400" dirty="0"/>
-              <a:t>:</a:t>
-            </a:r>
-            <a:endParaRPr lang="en-AU" sz="2400" dirty="0"/>
+              <a:rPr lang="cs-CZ" b="1" dirty="0"/>
+              <a:t>Kdy se odesílá:</a:t>
+            </a:r>
+            <a:endParaRPr lang="cs-CZ" dirty="0"/>
           </a:p>
           <a:p>
             <a:pPr lvl="1"/>
             <a:r>
-              <a:rPr lang="cs-CZ" sz="2400" dirty="0" err="1"/>
-              <a:t>telemetry_events</a:t>
-            </a:r>
-            <a:r>
-              <a:rPr lang="cs-CZ" sz="2400" dirty="0"/>
-              <a:t> (všechny události</a:t>
-            </a:r>
-            <a:endParaRPr lang="en-AU" sz="2400" dirty="0"/>
+              <a:rPr lang="cs-CZ" dirty="0"/>
+              <a:t>automaticky na pozadí</a:t>
+            </a:r>
           </a:p>
           <a:p>
             <a:pPr lvl="1"/>
             <a:r>
-              <a:rPr lang="cs-CZ" sz="2400" dirty="0" err="1"/>
-              <a:t>telemetry_game_sessions</a:t>
-            </a:r>
-            <a:r>
-              <a:rPr lang="cs-CZ" sz="2400" dirty="0"/>
-              <a:t> (ukončené hry)</a:t>
-            </a:r>
-            <a:endParaRPr lang="en-AU" sz="2400" dirty="0"/>
-          </a:p>
-          <a:p>
-            <a:r>
-              <a:rPr lang="cs-CZ" sz="2400" dirty="0"/>
-              <a:t>při </a:t>
-            </a:r>
-            <a:r>
-              <a:rPr lang="cs-CZ" sz="2400" dirty="0" err="1"/>
-              <a:t>localhost</a:t>
-            </a:r>
-            <a:r>
-              <a:rPr lang="cs-CZ" sz="2400" dirty="0"/>
-              <a:t> si hra server sama spustí a ověří ho přes /</a:t>
-            </a:r>
-            <a:r>
-              <a:rPr lang="cs-CZ" sz="2400" dirty="0" err="1"/>
-              <a:t>health</a:t>
-            </a:r>
-            <a:endParaRPr lang="en-AU" sz="2400" dirty="0"/>
-          </a:p>
-          <a:p>
-            <a:r>
-              <a:rPr lang="cs-CZ" sz="2400" dirty="0"/>
-              <a:t>řešení funguje </a:t>
-            </a:r>
-            <a:r>
-              <a:rPr lang="cs-CZ" sz="2400" dirty="0" err="1"/>
-              <a:t>offline</a:t>
-            </a:r>
-            <a:r>
-              <a:rPr lang="cs-CZ" sz="2400" dirty="0"/>
-              <a:t> a je vhodné pro testování i prezentaci</a:t>
-            </a:r>
+              <a:rPr lang="cs-CZ" dirty="0"/>
+              <a:t>po dávkách (více událostí najednou)</a:t>
+            </a:r>
+          </a:p>
+          <a:p>
+            <a:r>
+              <a:rPr lang="cs-CZ" b="1" dirty="0"/>
+              <a:t>Jak:</a:t>
+            </a:r>
+            <a:endParaRPr lang="cs-CZ" dirty="0"/>
+          </a:p>
+          <a:p>
+            <a:pPr lvl="1"/>
+            <a:r>
+              <a:rPr lang="cs-CZ" dirty="0"/>
+              <a:t>HTTP POST na /telemetry</a:t>
+            </a:r>
+          </a:p>
+          <a:p>
+            <a:pPr lvl="1"/>
+            <a:r>
+              <a:rPr lang="cs-CZ" dirty="0"/>
+              <a:t>JSON </a:t>
+            </a:r>
+            <a:r>
+              <a:rPr lang="cs-CZ" dirty="0" err="1"/>
+              <a:t>payload</a:t>
+            </a:r>
+            <a:endParaRPr lang="cs-CZ" dirty="0"/>
+          </a:p>
+          <a:p>
+            <a:pPr lvl="1"/>
+            <a:r>
+              <a:rPr lang="cs-CZ" dirty="0"/>
+              <a:t>volitelný API klíč v hlavičce</a:t>
+            </a:r>
+          </a:p>
+          <a:p>
+            <a:r>
+              <a:rPr lang="cs-CZ" b="1" dirty="0"/>
+              <a:t>Když se to nepovede:</a:t>
+            </a:r>
+            <a:endParaRPr lang="cs-CZ" dirty="0"/>
+          </a:p>
+          <a:p>
+            <a:pPr lvl="1"/>
+            <a:r>
+              <a:rPr lang="cs-CZ" dirty="0"/>
+              <a:t>události zůstanou v DB</a:t>
+            </a:r>
+          </a:p>
+          <a:p>
+            <a:pPr lvl="1"/>
+            <a:r>
+              <a:rPr lang="cs-CZ" dirty="0"/>
+              <a:t>systém to zkusí znovu (retry + čekání)</a:t>
+            </a:r>
+          </a:p>
+          <a:p>
+            <a:endParaRPr lang="cs-CZ" dirty="0"/>
           </a:p>
         </p:txBody>
       </p:sp>
     </p:spTree>
     <p:extLst>
       <p:ext uri="{BB962C8B-B14F-4D97-AF65-F5344CB8AC3E}">
-        <p14:creationId xmlns:p14="http://schemas.microsoft.com/office/powerpoint/2010/main" val="2733064602"/>
+        <p14:creationId xmlns:p14="http://schemas.microsoft.com/office/powerpoint/2010/main" val="1852415995"/>
       </p:ext>
     </p:extLst>
   </p:cSld>
@@ -5829,7 +5858,7 @@
           <p:cNvPr id="2" name="Nadpis 1">
             <a:extLst>
               <a:ext uri="{FF2B5EF4-FFF2-40B4-BE49-F238E27FC236}">
-                <a16:creationId xmlns:a16="http://schemas.microsoft.com/office/drawing/2014/main" id="{55C676EC-2361-A718-792C-723C5C04D39D}"/>
+                <a16:creationId xmlns:a16="http://schemas.microsoft.com/office/drawing/2014/main" id="{ED07C354-8606-BB34-2048-073718D8962A}"/>
               </a:ext>
             </a:extLst>
           </p:cNvPr>
@@ -5846,8 +5875,12 @@
           <a:lstStyle/>
           <a:p>
             <a:r>
-              <a:rPr lang="cs-CZ" dirty="0"/>
-              <a:t>O projektu</a:t>
+              <a:rPr lang="cs-CZ" dirty="0" err="1"/>
+              <a:t>Kyb</a:t>
+            </a:r>
+            <a:r>
+              <a:rPr lang="cs-CZ" dirty="0"/>
+              <a:t>. Bezpečnost a hry - obecně</a:t>
             </a:r>
           </a:p>
         </p:txBody>
@@ -5857,7 +5890,7 @@
           <p:cNvPr id="3" name="Zástupný obsah 2">
             <a:extLst>
               <a:ext uri="{FF2B5EF4-FFF2-40B4-BE49-F238E27FC236}">
-                <a16:creationId xmlns:a16="http://schemas.microsoft.com/office/drawing/2014/main" id="{078126B9-FE8C-8F1F-66BE-6D95F123DA97}"/>
+                <a16:creationId xmlns:a16="http://schemas.microsoft.com/office/drawing/2014/main" id="{B61459DE-FFD9-8A6A-7097-40465AAD039C}"/>
               </a:ext>
             </a:extLst>
           </p:cNvPr>
@@ -5868,98 +5901,152 @@
             <p:ph idx="1"/>
           </p:nvPr>
         </p:nvSpPr>
-        <p:spPr/>
-        <p:txBody>
-          <a:bodyPr/>
-          <a:lstStyle/>
-          <a:p>
-            <a:r>
-              <a:rPr lang="cs-CZ" dirty="0"/>
-              <a:t>Tento projekt je </a:t>
+        <p:spPr>
+          <a:xfrm>
+            <a:off x="521208" y="2014780"/>
+            <a:ext cx="11155680" cy="4331156"/>
+          </a:xfrm>
+        </p:spPr>
+        <p:txBody>
+          <a:bodyPr>
+            <a:normAutofit/>
+          </a:bodyPr>
+          <a:lstStyle/>
+          <a:p>
+            <a:pPr marL="0" indent="0">
+              <a:buNone/>
+            </a:pPr>
+            <a:r>
+              <a:rPr lang="cs-CZ" dirty="0"/>
+              <a:t>Žádná ochrana není neprolomitelná – cílem je </a:t>
             </a:r>
             <a:r>
               <a:rPr lang="cs-CZ" b="1" dirty="0"/>
-              <a:t>počítačová hra </a:t>
+              <a:t>zvýšit cenu útoku v čase a náročnosti</a:t>
+            </a:r>
+            <a:r>
+              <a:rPr lang="cs-CZ" dirty="0"/>
+              <a:t>, ne jej zcela znemožnit.</a:t>
+            </a:r>
+          </a:p>
+          <a:p>
+            <a:pPr marL="0" indent="0">
+              <a:buNone/>
+            </a:pPr>
+            <a:br>
+              <a:rPr lang="cs-CZ" dirty="0"/>
+            </a:br>
+            <a:r>
+              <a:rPr lang="cs-CZ" dirty="0"/>
+              <a:t>Klientská ochrana (integrita, </a:t>
+            </a:r>
+            <a:r>
+              <a:rPr lang="cs-CZ" dirty="0" err="1"/>
+              <a:t>obfuskace</a:t>
+            </a:r>
+            <a:r>
+              <a:rPr lang="cs-CZ" dirty="0"/>
+              <a:t>, anti-</a:t>
+            </a:r>
+            <a:r>
+              <a:rPr lang="cs-CZ" dirty="0" err="1"/>
+              <a:t>tamper</a:t>
+            </a:r>
+            <a:r>
+              <a:rPr lang="cs-CZ" dirty="0"/>
+              <a:t>) je vždy </a:t>
+            </a:r>
+            <a:r>
+              <a:rPr lang="cs-CZ" b="1" dirty="0"/>
+              <a:t>pod kontrolou útočníka</a:t>
+            </a:r>
+            <a:r>
+              <a:rPr lang="cs-CZ" dirty="0"/>
+              <a:t>, protože běží na jeho zařízení.</a:t>
+            </a:r>
+          </a:p>
+          <a:p>
+            <a:pPr marL="0" indent="0">
+              <a:buNone/>
+            </a:pPr>
+            <a:br>
+              <a:rPr lang="cs-CZ" dirty="0"/>
+            </a:br>
+            <a:r>
+              <a:rPr lang="cs-CZ" dirty="0"/>
+              <a:t>Serverová validace a oddělení logiky jsou nejodolnější, ale zvyšují </a:t>
+            </a:r>
+            <a:r>
+              <a:rPr lang="cs-CZ" b="1" dirty="0"/>
+              <a:t>nároky na infrastrukturu</a:t>
+            </a:r>
+            <a:r>
+              <a:rPr lang="cs-CZ" dirty="0"/>
+              <a:t> a nejsou vhodné pro všechny typy her.</a:t>
+            </a:r>
+          </a:p>
+          <a:p>
+            <a:pPr marL="0" indent="0">
+              <a:buNone/>
+            </a:pPr>
+            <a:br>
+              <a:rPr lang="cs-CZ" dirty="0"/>
+            </a:br>
+            <a:r>
+              <a:rPr lang="cs-CZ" dirty="0"/>
+              <a:t>Anti-</a:t>
+            </a:r>
+            <a:r>
+              <a:rPr lang="cs-CZ" dirty="0" err="1"/>
+              <a:t>cheat</a:t>
+            </a:r>
+            <a:r>
+              <a:rPr lang="cs-CZ" dirty="0"/>
+              <a:t> a behaviorální analýza snižují podvádění, ale mohou generovat </a:t>
             </a:r>
             <a:r>
               <a:rPr lang="cs-CZ" b="1" dirty="0" err="1"/>
-              <a:t>Tetris</a:t>
-            </a:r>
-            <a:r>
-              <a:rPr lang="cs-CZ" dirty="0"/>
-              <a:t>, vytvořená v jazyce </a:t>
+              <a:t>false</a:t>
             </a:r>
             <a:r>
               <a:rPr lang="cs-CZ" b="1" dirty="0"/>
-              <a:t>Python</a:t>
-            </a:r>
-            <a:r>
-              <a:rPr lang="cs-CZ" dirty="0"/>
-              <a:t> s využitím knihovny </a:t>
+              <a:t> </a:t>
             </a:r>
             <a:r>
               <a:rPr lang="cs-CZ" b="1" dirty="0" err="1"/>
-              <a:t>Pygame</a:t>
-            </a:r>
-            <a:r>
-              <a:rPr lang="cs-CZ" dirty="0"/>
-              <a:t>.</a:t>
-            </a:r>
+              <a:t>positives</a:t>
+            </a:r>
+            <a:r>
+              <a:rPr lang="cs-CZ" dirty="0"/>
+              <a:t> a zasahovat do soukromí hráčů.</a:t>
+            </a:r>
+          </a:p>
+          <a:p>
+            <a:pPr marL="0" indent="0">
+              <a:buNone/>
+            </a:pPr>
             <a:br>
               <a:rPr lang="cs-CZ" dirty="0"/>
             </a:br>
             <a:r>
               <a:rPr lang="cs-CZ" dirty="0"/>
-              <a:t>Hlavním cílem projektu nebylo jen naprogramovat samotnou hru, ale především </a:t>
+              <a:t>Silná ochrana často zhoršuje </a:t>
             </a:r>
             <a:r>
               <a:rPr lang="cs-CZ" b="1" dirty="0"/>
-              <a:t>navrhnout její </a:t>
-            </a:r>
-            <a:r>
-              <a:rPr lang="cs-CZ" b="1"/>
-              <a:t>zabezpečení</a:t>
-            </a:r>
-            <a:r>
-              <a:rPr lang="cs-CZ"/>
-              <a:t>.</a:t>
-            </a:r>
-          </a:p>
-          <a:p>
-            <a:endParaRPr lang="cs-CZ" dirty="0"/>
-          </a:p>
-          <a:p>
-            <a:r>
-              <a:rPr lang="cs-CZ" dirty="0"/>
-              <a:t>Projekt se zaměřuje na:</a:t>
-            </a:r>
-          </a:p>
-          <a:p>
-            <a:pPr lvl="1"/>
-            <a:r>
-              <a:rPr lang="cs-CZ" dirty="0"/>
-              <a:t>řízení přístupu uživatelů (registrace a přihlášení),</a:t>
-            </a:r>
-          </a:p>
-          <a:p>
-            <a:pPr lvl="1"/>
-            <a:r>
-              <a:rPr lang="cs-CZ" dirty="0"/>
-              <a:t>oddělení herní logiky, webového serveru a databází,</a:t>
-            </a:r>
-          </a:p>
-          <a:p>
-            <a:pPr lvl="1"/>
-            <a:r>
-              <a:rPr lang="cs-CZ" dirty="0"/>
-              <a:t>ochranu zdrojového kódu a distribuované aplikace,</a:t>
-            </a:r>
-          </a:p>
-          <a:p>
-            <a:pPr lvl="1"/>
-            <a:r>
-              <a:rPr lang="cs-CZ" dirty="0"/>
-              <a:t>sběr anonymních technických dat pro analýzu chyb.</a:t>
+              <a:t>uživatelský komfort</a:t>
+            </a:r>
+            <a:r>
+              <a:rPr lang="cs-CZ" dirty="0"/>
+              <a:t> (výkon, </a:t>
+            </a:r>
+            <a:r>
+              <a:rPr lang="cs-CZ" dirty="0" err="1"/>
+              <a:t>offline</a:t>
+            </a:r>
+            <a:r>
+              <a:rPr lang="cs-CZ" dirty="0"/>
+              <a:t> režim, kompatibilita).</a:t>
             </a:r>
           </a:p>
           <a:p>
@@ -5970,7 +6057,7 @@
     </p:spTree>
     <p:extLst>
       <p:ext uri="{BB962C8B-B14F-4D97-AF65-F5344CB8AC3E}">
-        <p14:creationId xmlns:p14="http://schemas.microsoft.com/office/powerpoint/2010/main" val="9812951"/>
+        <p14:creationId xmlns:p14="http://schemas.microsoft.com/office/powerpoint/2010/main" val="1240847219"/>
       </p:ext>
     </p:extLst>
   </p:cSld>
@@ -6002,7 +6089,7 @@
           <p:cNvPr id="2" name="Nadpis 1">
             <a:extLst>
               <a:ext uri="{FF2B5EF4-FFF2-40B4-BE49-F238E27FC236}">
-                <a16:creationId xmlns:a16="http://schemas.microsoft.com/office/drawing/2014/main" id="{FCC6CDA0-3854-1A2F-5CC2-CD73DF998EEC}"/>
+                <a16:creationId xmlns:a16="http://schemas.microsoft.com/office/drawing/2014/main" id="{362F52D2-0AAC-DD72-0EA3-205963C4F879}"/>
               </a:ext>
             </a:extLst>
           </p:cNvPr>
@@ -6019,17 +6106,13 @@
           <a:lstStyle/>
           <a:p>
             <a:r>
-              <a:rPr lang="en-AU" dirty="0" err="1"/>
-              <a:t>Testov</a:t>
-            </a:r>
-            <a:r>
-              <a:rPr lang="cs-CZ" dirty="0" err="1"/>
-              <a:t>ání</a:t>
-            </a:r>
-            <a:r>
-              <a:rPr lang="cs-CZ" dirty="0"/>
-              <a:t> – J. Doležal</a:t>
-            </a:r>
+              <a:rPr lang="cs-CZ" dirty="0"/>
+              <a:t>Telemetrie: ochrana a anonymita dat</a:t>
+            </a:r>
+            <a:br>
+              <a:rPr lang="cs-CZ" dirty="0"/>
+            </a:br>
+            <a:endParaRPr lang="cs-CZ" dirty="0"/>
           </a:p>
         </p:txBody>
       </p:sp>
@@ -6038,7 +6121,7 @@
           <p:cNvPr id="3" name="Zástupný obsah 2">
             <a:extLst>
               <a:ext uri="{FF2B5EF4-FFF2-40B4-BE49-F238E27FC236}">
-                <a16:creationId xmlns:a16="http://schemas.microsoft.com/office/drawing/2014/main" id="{4E85AA26-2527-FD8E-C736-B70B95369CB0}"/>
+                <a16:creationId xmlns:a16="http://schemas.microsoft.com/office/drawing/2014/main" id="{7E5A8D73-57B5-EACE-CC94-B0B9999921C4}"/>
               </a:ext>
             </a:extLst>
           </p:cNvPr>
@@ -6049,27 +6132,65 @@
             <p:ph idx="1"/>
           </p:nvPr>
         </p:nvSpPr>
-        <p:spPr>
-          <a:xfrm>
-            <a:off x="527872" y="2532889"/>
-            <a:ext cx="11155680" cy="3767328"/>
-          </a:xfrm>
-        </p:spPr>
+        <p:spPr/>
         <p:txBody>
           <a:bodyPr/>
           <a:lstStyle/>
           <a:p>
-            <a:r>
-              <a:rPr lang="cs-CZ" dirty="0"/>
-              <a:t>???</a:t>
-            </a:r>
+            <a:pPr marL="0" indent="0">
+              <a:buNone/>
+            </a:pPr>
+            <a:r>
+              <a:rPr lang="cs-CZ" sz="3200" b="1" dirty="0"/>
+              <a:t>Čištění dat před uložením i odesláním:</a:t>
+            </a:r>
+            <a:endParaRPr lang="cs-CZ" sz="3200" dirty="0"/>
+          </a:p>
+          <a:p>
+            <a:r>
+              <a:rPr lang="cs-CZ" sz="3200" dirty="0"/>
+              <a:t>automaticky se zahazují klíče:</a:t>
+            </a:r>
+          </a:p>
+          <a:p>
+            <a:pPr lvl="1"/>
+            <a:r>
+              <a:rPr lang="cs-CZ" sz="3200" dirty="0" err="1"/>
+              <a:t>username</a:t>
+            </a:r>
+            <a:endParaRPr lang="cs-CZ" sz="3200" dirty="0"/>
+          </a:p>
+          <a:p>
+            <a:pPr lvl="1"/>
+            <a:r>
+              <a:rPr lang="cs-CZ" sz="3200" dirty="0" err="1"/>
+              <a:t>password</a:t>
+            </a:r>
+            <a:endParaRPr lang="cs-CZ" sz="3200" dirty="0"/>
+          </a:p>
+          <a:p>
+            <a:pPr lvl="1"/>
+            <a:r>
+              <a:rPr lang="cs-CZ" sz="3200" dirty="0"/>
+              <a:t>email</a:t>
+            </a:r>
+          </a:p>
+          <a:p>
+            <a:pPr lvl="1"/>
+            <a:r>
+              <a:rPr lang="cs-CZ" sz="3200" dirty="0"/>
+              <a:t>token</a:t>
+            </a:r>
+          </a:p>
+          <a:p>
+            <a:endParaRPr lang="cs-CZ" dirty="0"/>
           </a:p>
         </p:txBody>
       </p:sp>
     </p:spTree>
     <p:extLst>
       <p:ext uri="{BB962C8B-B14F-4D97-AF65-F5344CB8AC3E}">
-        <p14:creationId xmlns:p14="http://schemas.microsoft.com/office/powerpoint/2010/main" val="1387682547"/>
+        <p14:creationId xmlns:p14="http://schemas.microsoft.com/office/powerpoint/2010/main" val="3954631172"/>
       </p:ext>
     </p:extLst>
   </p:cSld>
@@ -6101,7 +6222,7 @@
           <p:cNvPr id="2" name="Nadpis 1">
             <a:extLst>
               <a:ext uri="{FF2B5EF4-FFF2-40B4-BE49-F238E27FC236}">
-                <a16:creationId xmlns:a16="http://schemas.microsoft.com/office/drawing/2014/main" id="{7626FFEA-2DF7-1362-A229-E7A3D225BAF4}"/>
+                <a16:creationId xmlns:a16="http://schemas.microsoft.com/office/drawing/2014/main" id="{7DD39B95-231A-28FD-66B8-4C169C59F1CD}"/>
               </a:ext>
             </a:extLst>
           </p:cNvPr>
@@ -6118,16 +6239,8 @@
           <a:lstStyle/>
           <a:p>
             <a:r>
-              <a:rPr lang="en-AU" dirty="0" err="1"/>
-              <a:t>Obfuskace</a:t>
-            </a:r>
-            <a:r>
-              <a:rPr lang="en-AU" dirty="0"/>
-              <a:t> a build</a:t>
-            </a:r>
-            <a:r>
-              <a:rPr lang="cs-CZ" dirty="0"/>
-              <a:t> – J. Doležal</a:t>
+              <a:rPr lang="cs-CZ" dirty="0"/>
+              <a:t>Telemetrie server</a:t>
             </a:r>
           </a:p>
         </p:txBody>
@@ -6137,7 +6250,7 @@
           <p:cNvPr id="3" name="Zástupný obsah 2">
             <a:extLst>
               <a:ext uri="{FF2B5EF4-FFF2-40B4-BE49-F238E27FC236}">
-                <a16:creationId xmlns:a16="http://schemas.microsoft.com/office/drawing/2014/main" id="{C7FAA5A2-C4FC-DD3D-11B7-46C64170BC0C}"/>
+                <a16:creationId xmlns:a16="http://schemas.microsoft.com/office/drawing/2014/main" id="{A0FF3B81-E082-97F5-F053-F39BE1AA82D0}"/>
               </a:ext>
             </a:extLst>
           </p:cNvPr>
@@ -6150,75 +6263,110 @@
         </p:nvSpPr>
         <p:spPr/>
         <p:txBody>
-          <a:bodyPr/>
-          <a:lstStyle/>
-          <a:p>
-            <a:r>
-              <a:rPr lang="cs-CZ" dirty="0"/>
-              <a:t>Nautika: </a:t>
-            </a:r>
-          </a:p>
-          <a:p>
-            <a:r>
-              <a:rPr lang="cs-CZ" dirty="0" err="1"/>
-              <a:t>Nuitka</a:t>
-            </a:r>
-            <a:r>
-              <a:rPr lang="cs-CZ" dirty="0"/>
-              <a:t> je Python kompilátor</a:t>
-            </a:r>
-          </a:p>
-          <a:p>
-            <a:r>
-              <a:rPr lang="cs-CZ" dirty="0"/>
-              <a:t>převádí Python kód → C/C++ → nativní EXE</a:t>
-            </a:r>
-          </a:p>
-          <a:p>
-            <a:r>
-              <a:rPr lang="cs-CZ" dirty="0"/>
-              <a:t>výsledkem není .</a:t>
-            </a:r>
-            <a:r>
-              <a:rPr lang="cs-CZ" dirty="0" err="1"/>
-              <a:t>py</a:t>
-            </a:r>
-            <a:r>
-              <a:rPr lang="cs-CZ" dirty="0"/>
-              <a:t>, ale </a:t>
-            </a:r>
-            <a:r>
-              <a:rPr lang="cs-CZ" dirty="0" err="1"/>
-              <a:t>binárkavýrazně</a:t>
-            </a:r>
-            <a:r>
-              <a:rPr lang="cs-CZ" dirty="0"/>
-              <a:t> ztěžuje čtení a úpravy zdrojového kódu</a:t>
-            </a:r>
-          </a:p>
-          <a:p>
-            <a:pPr marL="0" indent="0">
-              <a:buNone/>
-            </a:pPr>
-            <a:r>
-              <a:rPr lang="cs-CZ" dirty="0"/>
-              <a:t>Tento postup je vhodný právě pro distribuci hry bez </a:t>
-            </a:r>
-            <a:r>
-              <a:rPr lang="cs-CZ" dirty="0" err="1"/>
-              <a:t>zdrojáků</a:t>
-            </a:r>
-            <a:endParaRPr lang="cs-CZ" dirty="0"/>
-          </a:p>
-          <a:p>
-            <a:endParaRPr lang="cs-CZ" dirty="0"/>
+          <a:bodyPr>
+            <a:normAutofit/>
+          </a:bodyPr>
+          <a:lstStyle/>
+          <a:p>
+            <a:r>
+              <a:rPr lang="cs-CZ" sz="2400" dirty="0"/>
+              <a:t>hra posílá technické události na </a:t>
+            </a:r>
+            <a:r>
+              <a:rPr lang="cs-CZ" sz="2400" dirty="0" err="1"/>
+              <a:t>Flask</a:t>
+            </a:r>
+            <a:r>
+              <a:rPr lang="cs-CZ" sz="2400" dirty="0"/>
+              <a:t> telemetry server</a:t>
+            </a:r>
+            <a:endParaRPr lang="en-AU" sz="2400" dirty="0"/>
+          </a:p>
+          <a:p>
+            <a:r>
+              <a:rPr lang="cs-CZ" sz="2400" dirty="0"/>
+              <a:t>server ověří API klíč a zkontroluje data</a:t>
+            </a:r>
+            <a:endParaRPr lang="en-AU" sz="2400" dirty="0"/>
+          </a:p>
+          <a:p>
+            <a:r>
+              <a:rPr lang="cs-CZ" sz="2400" dirty="0"/>
+              <a:t>data ukládá do </a:t>
+            </a:r>
+            <a:r>
+              <a:rPr lang="cs-CZ" sz="2400" dirty="0" err="1"/>
+              <a:t>MySQL</a:t>
+            </a:r>
+            <a:r>
+              <a:rPr lang="cs-CZ" sz="2400" dirty="0"/>
+              <a:t>:</a:t>
+            </a:r>
+            <a:endParaRPr lang="en-AU" sz="2400" dirty="0"/>
+          </a:p>
+          <a:p>
+            <a:pPr lvl="1"/>
+            <a:r>
+              <a:rPr lang="cs-CZ" sz="2400" dirty="0" err="1"/>
+              <a:t>telemetry_events</a:t>
+            </a:r>
+            <a:r>
+              <a:rPr lang="cs-CZ" sz="2400" dirty="0"/>
+              <a:t> (všechny události</a:t>
+            </a:r>
+            <a:endParaRPr lang="en-AU" sz="2400" dirty="0"/>
+          </a:p>
+          <a:p>
+            <a:pPr lvl="1"/>
+            <a:r>
+              <a:rPr lang="cs-CZ" sz="2400" dirty="0" err="1"/>
+              <a:t>telemetry_game_sessions</a:t>
+            </a:r>
+            <a:r>
+              <a:rPr lang="cs-CZ" sz="2400" dirty="0"/>
+              <a:t> (ukončené hry)</a:t>
+            </a:r>
+            <a:endParaRPr lang="en-AU" sz="2400" dirty="0"/>
+          </a:p>
+          <a:p>
+            <a:r>
+              <a:rPr lang="cs-CZ" sz="2400" dirty="0"/>
+              <a:t>při </a:t>
+            </a:r>
+            <a:r>
+              <a:rPr lang="cs-CZ" sz="2400" dirty="0" err="1"/>
+              <a:t>localhost</a:t>
+            </a:r>
+            <a:r>
+              <a:rPr lang="cs-CZ" sz="2400" dirty="0"/>
+              <a:t> si hra server sama spustí a ověří ho přes /</a:t>
+            </a:r>
+            <a:r>
+              <a:rPr lang="cs-CZ" sz="2400" dirty="0" err="1"/>
+              <a:t>health</a:t>
+            </a:r>
+            <a:endParaRPr lang="en-AU" sz="2400" dirty="0"/>
+          </a:p>
+          <a:p>
+            <a:r>
+              <a:rPr lang="cs-CZ" sz="2400" dirty="0"/>
+              <a:t>řešení funguje </a:t>
+            </a:r>
+            <a:r>
+              <a:rPr lang="cs-CZ" sz="2400" dirty="0" err="1"/>
+              <a:t>offline</a:t>
+            </a:r>
+            <a:r>
+              <a:rPr lang="cs-CZ" sz="2400" dirty="0"/>
+              <a:t> a je vhodné pro testování i prezentaci</a:t>
+            </a:r>
           </a:p>
         </p:txBody>
       </p:sp>
     </p:spTree>
     <p:extLst>
       <p:ext uri="{BB962C8B-B14F-4D97-AF65-F5344CB8AC3E}">
-        <p14:creationId xmlns:p14="http://schemas.microsoft.com/office/powerpoint/2010/main" val="2328181874"/>
+        <p14:creationId xmlns:p14="http://schemas.microsoft.com/office/powerpoint/2010/main" val="2733064602"/>
       </p:ext>
     </p:extLst>
   </p:cSld>
@@ -6250,7 +6398,7 @@
           <p:cNvPr id="2" name="Nadpis 1">
             <a:extLst>
               <a:ext uri="{FF2B5EF4-FFF2-40B4-BE49-F238E27FC236}">
-                <a16:creationId xmlns:a16="http://schemas.microsoft.com/office/drawing/2014/main" id="{664262DB-3E1E-268B-534F-CAFCF6B09572}"/>
+                <a16:creationId xmlns:a16="http://schemas.microsoft.com/office/drawing/2014/main" id="{FCC6CDA0-3854-1A2F-5CC2-CD73DF998EEC}"/>
               </a:ext>
             </a:extLst>
           </p:cNvPr>
@@ -6267,14 +6415,17 @@
           <a:lstStyle/>
           <a:p>
             <a:r>
-              <a:rPr lang="cs-CZ" dirty="0"/>
-              <a:t>Nautika: </a:t>
-            </a:r>
-            <a:r>
-              <a:rPr lang="pl-PL" dirty="0"/>
-              <a:t>Co přináší Nuitka v projektu</a:t>
-            </a:r>
-            <a:endParaRPr lang="cs-CZ" dirty="0"/>
+              <a:rPr lang="en-AU" dirty="0" err="1"/>
+              <a:t>Testov</a:t>
+            </a:r>
+            <a:r>
+              <a:rPr lang="cs-CZ" dirty="0" err="1"/>
+              <a:t>ání</a:t>
+            </a:r>
+            <a:r>
+              <a:rPr lang="cs-CZ" dirty="0"/>
+              <a:t> – J. Doležal</a:t>
+            </a:r>
           </a:p>
         </p:txBody>
       </p:sp>
@@ -6283,7 +6434,7 @@
           <p:cNvPr id="3" name="Zástupný obsah 2">
             <a:extLst>
               <a:ext uri="{FF2B5EF4-FFF2-40B4-BE49-F238E27FC236}">
-                <a16:creationId xmlns:a16="http://schemas.microsoft.com/office/drawing/2014/main" id="{2B0110F0-180D-374A-F09D-8A6F0E3D92CD}"/>
+                <a16:creationId xmlns:a16="http://schemas.microsoft.com/office/drawing/2014/main" id="{4E85AA26-2527-FD8E-C736-B70B95369CB0}"/>
               </a:ext>
             </a:extLst>
           </p:cNvPr>
@@ -6294,34 +6445,22 @@
             <p:ph idx="1"/>
           </p:nvPr>
         </p:nvSpPr>
-        <p:spPr/>
-        <p:txBody>
-          <a:bodyPr>
-            <a:normAutofit/>
-          </a:bodyPr>
-          <a:lstStyle/>
-          <a:p>
-            <a:r>
-              <a:rPr lang="cs-CZ" sz="3200" dirty="0"/>
-              <a:t>hra se spouští přes main.exe</a:t>
-            </a:r>
-          </a:p>
-          <a:p>
-            <a:r>
-              <a:rPr lang="cs-CZ" sz="3200" dirty="0"/>
-              <a:t>Python runtime + knihovny jsou přibalené</a:t>
-            </a:r>
-          </a:p>
-          <a:p>
-            <a:r>
-              <a:rPr lang="cs-CZ" sz="3200" dirty="0"/>
-              <a:t>aplikace je portable (bez instalace)</a:t>
-            </a:r>
-          </a:p>
-          <a:p>
-            <a:r>
-              <a:rPr lang="cs-CZ" sz="3200" dirty="0"/>
-              <a:t>zdrojový kód není přímo čitelný</a:t>
+        <p:spPr>
+          <a:xfrm>
+            <a:off x="527872" y="2532889"/>
+            <a:ext cx="11155680" cy="3767328"/>
+          </a:xfrm>
+        </p:spPr>
+        <p:txBody>
+          <a:bodyPr/>
+          <a:lstStyle/>
+          <a:p>
+            <a:pPr marL="0" indent="0">
+              <a:buNone/>
+            </a:pPr>
+            <a:r>
+              <a:rPr lang="cs-CZ" dirty="0"/>
+              <a:t>Hra byla otestována zejména funkčně.</a:t>
             </a:r>
           </a:p>
         </p:txBody>
@@ -6329,7 +6468,7 @@
     </p:spTree>
     <p:extLst>
       <p:ext uri="{BB962C8B-B14F-4D97-AF65-F5344CB8AC3E}">
-        <p14:creationId xmlns:p14="http://schemas.microsoft.com/office/powerpoint/2010/main" val="1732896231"/>
+        <p14:creationId xmlns:p14="http://schemas.microsoft.com/office/powerpoint/2010/main" val="1387682547"/>
       </p:ext>
     </p:extLst>
   </p:cSld>
@@ -6361,7 +6500,7 @@
           <p:cNvPr id="2" name="Nadpis 1">
             <a:extLst>
               <a:ext uri="{FF2B5EF4-FFF2-40B4-BE49-F238E27FC236}">
-                <a16:creationId xmlns:a16="http://schemas.microsoft.com/office/drawing/2014/main" id="{E1CDF52C-7A6F-F921-34D6-9C10A7C30A52}"/>
+                <a16:creationId xmlns:a16="http://schemas.microsoft.com/office/drawing/2014/main" id="{7626FFEA-2DF7-1362-A229-E7A3D225BAF4}"/>
               </a:ext>
             </a:extLst>
           </p:cNvPr>
@@ -6378,125 +6517,107 @@
           <a:lstStyle/>
           <a:p>
             <a:r>
-              <a:rPr lang="cs-CZ" dirty="0" err="1"/>
-              <a:t>Standalone</a:t>
-            </a:r>
-            <a:r>
-              <a:rPr lang="cs-CZ" dirty="0"/>
-              <a:t> build (</a:t>
-            </a:r>
+              <a:rPr lang="en-AU" dirty="0" err="1"/>
+              <a:t>Obfuskace</a:t>
+            </a:r>
+            <a:r>
+              <a:rPr lang="en-AU" dirty="0"/>
+              <a:t> a build</a:t>
+            </a:r>
+            <a:r>
+              <a:rPr lang="cs-CZ" dirty="0"/>
+              <a:t> – J. Doležal</a:t>
+            </a:r>
+          </a:p>
+        </p:txBody>
+      </p:sp>
+      <p:sp>
+        <p:nvSpPr>
+          <p:cNvPr id="3" name="Zástupný obsah 2">
+            <a:extLst>
+              <a:ext uri="{FF2B5EF4-FFF2-40B4-BE49-F238E27FC236}">
+                <a16:creationId xmlns:a16="http://schemas.microsoft.com/office/drawing/2014/main" id="{C7FAA5A2-C4FC-DD3D-11B7-46C64170BC0C}"/>
+              </a:ext>
+            </a:extLst>
+          </p:cNvPr>
+          <p:cNvSpPr>
+            <a:spLocks noGrp="1"/>
+          </p:cNvSpPr>
+          <p:nvPr>
+            <p:ph idx="1"/>
+          </p:nvPr>
+        </p:nvSpPr>
+        <p:spPr/>
+        <p:txBody>
+          <a:bodyPr/>
+          <a:lstStyle/>
+          <a:p>
+            <a:r>
+              <a:rPr lang="cs-CZ" dirty="0"/>
+              <a:t>Nautika: </a:t>
+            </a:r>
+          </a:p>
+          <a:p>
             <a:r>
               <a:rPr lang="cs-CZ" dirty="0" err="1"/>
               <a:t>Nuitka</a:t>
             </a:r>
             <a:r>
               <a:rPr lang="cs-CZ" dirty="0"/>
-              <a:t>)</a:t>
-            </a:r>
-          </a:p>
-        </p:txBody>
-      </p:sp>
-      <p:sp>
-        <p:nvSpPr>
-          <p:cNvPr id="3" name="Zástupný obsah 2">
-            <a:extLst>
-              <a:ext uri="{FF2B5EF4-FFF2-40B4-BE49-F238E27FC236}">
-                <a16:creationId xmlns:a16="http://schemas.microsoft.com/office/drawing/2014/main" id="{1AE2D07A-F434-D766-AB4D-B260976A0D67}"/>
-              </a:ext>
-            </a:extLst>
-          </p:cNvPr>
-          <p:cNvSpPr>
-            <a:spLocks noGrp="1"/>
-          </p:cNvSpPr>
-          <p:nvPr>
-            <p:ph idx="1"/>
-          </p:nvPr>
-        </p:nvSpPr>
-        <p:spPr>
-          <a:xfrm>
-            <a:off x="521208" y="2441448"/>
-            <a:ext cx="11155680" cy="3904488"/>
-          </a:xfrm>
-        </p:spPr>
-        <p:txBody>
-          <a:bodyPr>
-            <a:noAutofit/>
-          </a:bodyPr>
-          <a:lstStyle/>
-          <a:p>
-            <a:r>
-              <a:rPr lang="cs-CZ" sz="2000" dirty="0"/>
-              <a:t>použit režim </a:t>
-            </a:r>
-            <a:r>
-              <a:rPr lang="cs-CZ" sz="2000" dirty="0" err="1"/>
-              <a:t>standalone</a:t>
-            </a:r>
-            <a:endParaRPr lang="cs-CZ" sz="2000" dirty="0"/>
-          </a:p>
-          <a:p>
-            <a:r>
-              <a:rPr lang="cs-CZ" sz="2000" dirty="0"/>
-              <a:t>vytvoří se složka s EXE a závislostmi</a:t>
-            </a:r>
-          </a:p>
-          <a:p>
-            <a:r>
-              <a:rPr lang="cs-CZ" sz="2000" dirty="0"/>
-              <a:t>součástí balíčku:</a:t>
-            </a:r>
-          </a:p>
-          <a:p>
-            <a:pPr lvl="1"/>
-            <a:r>
-              <a:rPr lang="cs-CZ" sz="2000" dirty="0" err="1"/>
-              <a:t>Pygame</a:t>
-            </a:r>
-            <a:endParaRPr lang="cs-CZ" sz="2000" dirty="0"/>
-          </a:p>
-          <a:p>
-            <a:pPr lvl="1"/>
-            <a:r>
-              <a:rPr lang="cs-CZ" sz="2000" dirty="0" err="1"/>
-              <a:t>Flask</a:t>
-            </a:r>
-            <a:endParaRPr lang="cs-CZ" sz="2000" dirty="0"/>
-          </a:p>
-          <a:p>
-            <a:pPr lvl="1"/>
-            <a:r>
-              <a:rPr lang="cs-CZ" sz="2000" dirty="0"/>
-              <a:t>Fonty</a:t>
-            </a:r>
-          </a:p>
-          <a:p>
-            <a:pPr lvl="1"/>
-            <a:r>
-              <a:rPr lang="cs-CZ" sz="2000" dirty="0" err="1"/>
-              <a:t>manifest.json</a:t>
-            </a:r>
-            <a:endParaRPr lang="cs-CZ" sz="2000" dirty="0"/>
-          </a:p>
-          <a:p>
-            <a:pPr lvl="1"/>
-            <a:r>
-              <a:rPr lang="cs-CZ" sz="2000" dirty="0" err="1"/>
-              <a:t>telemetry.db</a:t>
-            </a:r>
-            <a:endParaRPr lang="cs-CZ" sz="2000" dirty="0"/>
-          </a:p>
-          <a:p>
-            <a:r>
-              <a:rPr lang="cs-CZ" sz="2000" dirty="0"/>
-              <a:t>nejstabilnější varianta pro běh hry</a:t>
-            </a:r>
+              <a:t> je Python kompilátor</a:t>
+            </a:r>
+          </a:p>
+          <a:p>
+            <a:r>
+              <a:rPr lang="cs-CZ" dirty="0"/>
+              <a:t>převádí Python kód → C/C++ → nativní EXE</a:t>
+            </a:r>
+          </a:p>
+          <a:p>
+            <a:r>
+              <a:rPr lang="cs-CZ" dirty="0"/>
+              <a:t>výsledkem není .</a:t>
+            </a:r>
+            <a:r>
+              <a:rPr lang="cs-CZ" dirty="0" err="1"/>
+              <a:t>py</a:t>
+            </a:r>
+            <a:r>
+              <a:rPr lang="cs-CZ" dirty="0"/>
+              <a:t>, ale </a:t>
+            </a:r>
+            <a:r>
+              <a:rPr lang="cs-CZ" dirty="0" err="1"/>
+              <a:t>binárkavýrazně</a:t>
+            </a:r>
+            <a:r>
+              <a:rPr lang="cs-CZ" dirty="0"/>
+              <a:t> ztěžuje čtení a úpravy zdrojového kódu</a:t>
+            </a:r>
+          </a:p>
+          <a:p>
+            <a:pPr marL="0" indent="0">
+              <a:buNone/>
+            </a:pPr>
+            <a:r>
+              <a:rPr lang="cs-CZ" dirty="0"/>
+              <a:t>Tento postup je vhodný právě pro distribuci hry bez </a:t>
+            </a:r>
+            <a:r>
+              <a:rPr lang="cs-CZ" dirty="0" err="1"/>
+              <a:t>zdrojáků</a:t>
+            </a:r>
+            <a:endParaRPr lang="cs-CZ" dirty="0"/>
+          </a:p>
+          <a:p>
+            <a:endParaRPr lang="cs-CZ" dirty="0"/>
           </a:p>
         </p:txBody>
       </p:sp>
     </p:spTree>
     <p:extLst>
       <p:ext uri="{BB962C8B-B14F-4D97-AF65-F5344CB8AC3E}">
-        <p14:creationId xmlns:p14="http://schemas.microsoft.com/office/powerpoint/2010/main" val="2555447352"/>
+        <p14:creationId xmlns:p14="http://schemas.microsoft.com/office/powerpoint/2010/main" val="2328181874"/>
       </p:ext>
     </p:extLst>
   </p:cSld>
@@ -6528,7 +6649,7 @@
           <p:cNvPr id="2" name="Nadpis 1">
             <a:extLst>
               <a:ext uri="{FF2B5EF4-FFF2-40B4-BE49-F238E27FC236}">
-                <a16:creationId xmlns:a16="http://schemas.microsoft.com/office/drawing/2014/main" id="{E088CD8E-54D1-5023-4880-CFE1DB3ECA67}"/>
+                <a16:creationId xmlns:a16="http://schemas.microsoft.com/office/drawing/2014/main" id="{664262DB-3E1E-268B-534F-CAFCF6B09572}"/>
               </a:ext>
             </a:extLst>
           </p:cNvPr>
@@ -6545,21 +6666,14 @@
           <a:lstStyle/>
           <a:p>
             <a:r>
-              <a:rPr lang="cs-CZ" dirty="0" err="1"/>
-              <a:t>PyArmor</a:t>
-            </a:r>
-            <a:r>
-              <a:rPr lang="cs-CZ" dirty="0"/>
-              <a:t>: </a:t>
-            </a:r>
-            <a:r>
-              <a:rPr lang="cs-CZ" dirty="0" err="1"/>
-              <a:t>obfuskace</a:t>
-            </a:r>
-            <a:r>
-              <a:rPr lang="cs-CZ" dirty="0"/>
-              <a:t> kódu</a:t>
-            </a:r>
+              <a:rPr lang="cs-CZ" dirty="0"/>
+              <a:t>Nautika: </a:t>
+            </a:r>
+            <a:r>
+              <a:rPr lang="pl-PL" dirty="0"/>
+              <a:t>Co přináší Nuitka v projektu</a:t>
+            </a:r>
+            <a:endParaRPr lang="cs-CZ" dirty="0"/>
           </a:p>
         </p:txBody>
       </p:sp>
@@ -6568,7 +6682,7 @@
           <p:cNvPr id="3" name="Zástupný obsah 2">
             <a:extLst>
               <a:ext uri="{FF2B5EF4-FFF2-40B4-BE49-F238E27FC236}">
-                <a16:creationId xmlns:a16="http://schemas.microsoft.com/office/drawing/2014/main" id="{34371EAC-C1C5-8668-59C9-EF8DC1286716}"/>
+                <a16:creationId xmlns:a16="http://schemas.microsoft.com/office/drawing/2014/main" id="{2B0110F0-180D-374A-F09D-8A6F0E3D92CD}"/>
               </a:ext>
             </a:extLst>
           </p:cNvPr>
@@ -6587,69 +6701,26 @@
           <a:lstStyle/>
           <a:p>
             <a:r>
-              <a:rPr lang="cs-CZ" sz="2400" dirty="0" err="1"/>
-              <a:t>PyArmor</a:t>
-            </a:r>
-            <a:r>
-              <a:rPr lang="cs-CZ" sz="2400" dirty="0"/>
-              <a:t> slouží k </a:t>
-            </a:r>
-            <a:r>
-              <a:rPr lang="cs-CZ" sz="2400" dirty="0" err="1"/>
-              <a:t>obfuskaci</a:t>
-            </a:r>
-            <a:r>
-              <a:rPr lang="cs-CZ" sz="2400" dirty="0"/>
-              <a:t> Python kódu</a:t>
-            </a:r>
-          </a:p>
-          <a:p>
-            <a:r>
-              <a:rPr lang="cs-CZ" sz="2400" dirty="0"/>
-              <a:t>zvyšuje nečitelnost zdrojových souborů</a:t>
-            </a:r>
-          </a:p>
-          <a:p>
-            <a:r>
-              <a:rPr lang="cs-CZ" sz="2400" dirty="0"/>
-              <a:t>kód je spouštěn přes runtime </a:t>
-            </a:r>
-            <a:r>
-              <a:rPr lang="cs-CZ" sz="2400" dirty="0" err="1"/>
-              <a:t>loader</a:t>
-            </a:r>
-            <a:endParaRPr lang="cs-CZ" sz="2400" dirty="0"/>
-          </a:p>
-          <a:p>
-            <a:r>
-              <a:rPr lang="cs-CZ" sz="2400" dirty="0"/>
-              <a:t>ztěžuje:</a:t>
-            </a:r>
-          </a:p>
-          <a:p>
-            <a:pPr lvl="1"/>
-            <a:r>
-              <a:rPr lang="cs-CZ" sz="2400" dirty="0"/>
-              <a:t>Analýzu</a:t>
-            </a:r>
-          </a:p>
-          <a:p>
-            <a:pPr lvl="1"/>
-            <a:r>
-              <a:rPr lang="cs-CZ" sz="2400" dirty="0"/>
-              <a:t>reverzní </a:t>
-            </a:r>
-            <a:r>
-              <a:rPr lang="cs-CZ" sz="2400" dirty="0" err="1"/>
-              <a:t>inženýrstv</a:t>
-            </a:r>
-            <a:endParaRPr lang="cs-CZ" sz="2400" dirty="0"/>
-          </a:p>
-          <a:p>
-            <a:pPr lvl="1"/>
-            <a:r>
-              <a:rPr lang="cs-CZ" sz="2400" dirty="0"/>
-              <a:t>úpravy logiky hry</a:t>
+              <a:rPr lang="cs-CZ" sz="3200" dirty="0"/>
+              <a:t>hra se spouští přes main.exe</a:t>
+            </a:r>
+          </a:p>
+          <a:p>
+            <a:r>
+              <a:rPr lang="cs-CZ" sz="3200" dirty="0"/>
+              <a:t>Python runtime + knihovny jsou přibalené</a:t>
+            </a:r>
+          </a:p>
+          <a:p>
+            <a:r>
+              <a:rPr lang="cs-CZ" sz="3200" dirty="0"/>
+              <a:t>aplikace je portable (bez instalace)</a:t>
+            </a:r>
+          </a:p>
+          <a:p>
+            <a:r>
+              <a:rPr lang="cs-CZ" sz="3200" dirty="0"/>
+              <a:t>zdrojový kód není přímo čitelný</a:t>
             </a:r>
           </a:p>
         </p:txBody>
@@ -6657,7 +6728,7 @@
     </p:spTree>
     <p:extLst>
       <p:ext uri="{BB962C8B-B14F-4D97-AF65-F5344CB8AC3E}">
-        <p14:creationId xmlns:p14="http://schemas.microsoft.com/office/powerpoint/2010/main" val="980271574"/>
+        <p14:creationId xmlns:p14="http://schemas.microsoft.com/office/powerpoint/2010/main" val="1732896231"/>
       </p:ext>
     </p:extLst>
   </p:cSld>
@@ -6689,6 +6760,334 @@
           <p:cNvPr id="2" name="Nadpis 1">
             <a:extLst>
               <a:ext uri="{FF2B5EF4-FFF2-40B4-BE49-F238E27FC236}">
+                <a16:creationId xmlns:a16="http://schemas.microsoft.com/office/drawing/2014/main" id="{E1CDF52C-7A6F-F921-34D6-9C10A7C30A52}"/>
+              </a:ext>
+            </a:extLst>
+          </p:cNvPr>
+          <p:cNvSpPr>
+            <a:spLocks noGrp="1"/>
+          </p:cNvSpPr>
+          <p:nvPr>
+            <p:ph type="title"/>
+          </p:nvPr>
+        </p:nvSpPr>
+        <p:spPr/>
+        <p:txBody>
+          <a:bodyPr/>
+          <a:lstStyle/>
+          <a:p>
+            <a:r>
+              <a:rPr lang="cs-CZ" dirty="0" err="1"/>
+              <a:t>Standalone</a:t>
+            </a:r>
+            <a:r>
+              <a:rPr lang="cs-CZ" dirty="0"/>
+              <a:t> build (</a:t>
+            </a:r>
+            <a:r>
+              <a:rPr lang="cs-CZ" dirty="0" err="1"/>
+              <a:t>Nuitka</a:t>
+            </a:r>
+            <a:r>
+              <a:rPr lang="cs-CZ" dirty="0"/>
+              <a:t>)</a:t>
+            </a:r>
+          </a:p>
+        </p:txBody>
+      </p:sp>
+      <p:sp>
+        <p:nvSpPr>
+          <p:cNvPr id="3" name="Zástupný obsah 2">
+            <a:extLst>
+              <a:ext uri="{FF2B5EF4-FFF2-40B4-BE49-F238E27FC236}">
+                <a16:creationId xmlns:a16="http://schemas.microsoft.com/office/drawing/2014/main" id="{1AE2D07A-F434-D766-AB4D-B260976A0D67}"/>
+              </a:ext>
+            </a:extLst>
+          </p:cNvPr>
+          <p:cNvSpPr>
+            <a:spLocks noGrp="1"/>
+          </p:cNvSpPr>
+          <p:nvPr>
+            <p:ph idx="1"/>
+          </p:nvPr>
+        </p:nvSpPr>
+        <p:spPr>
+          <a:xfrm>
+            <a:off x="521208" y="2441448"/>
+            <a:ext cx="11155680" cy="3904488"/>
+          </a:xfrm>
+        </p:spPr>
+        <p:txBody>
+          <a:bodyPr>
+            <a:noAutofit/>
+          </a:bodyPr>
+          <a:lstStyle/>
+          <a:p>
+            <a:r>
+              <a:rPr lang="cs-CZ" sz="2000" dirty="0"/>
+              <a:t>použit režim </a:t>
+            </a:r>
+            <a:r>
+              <a:rPr lang="cs-CZ" sz="2000" dirty="0" err="1"/>
+              <a:t>standalone</a:t>
+            </a:r>
+            <a:endParaRPr lang="cs-CZ" sz="2000" dirty="0"/>
+          </a:p>
+          <a:p>
+            <a:r>
+              <a:rPr lang="cs-CZ" sz="2000" dirty="0"/>
+              <a:t>vytvoří se složka s EXE a závislostmi</a:t>
+            </a:r>
+          </a:p>
+          <a:p>
+            <a:r>
+              <a:rPr lang="cs-CZ" sz="2000" dirty="0"/>
+              <a:t>součástí balíčku:</a:t>
+            </a:r>
+          </a:p>
+          <a:p>
+            <a:pPr lvl="1"/>
+            <a:r>
+              <a:rPr lang="cs-CZ" sz="2000" dirty="0" err="1"/>
+              <a:t>Pygame</a:t>
+            </a:r>
+            <a:endParaRPr lang="cs-CZ" sz="2000" dirty="0"/>
+          </a:p>
+          <a:p>
+            <a:pPr lvl="1"/>
+            <a:r>
+              <a:rPr lang="cs-CZ" sz="2000" dirty="0" err="1"/>
+              <a:t>Flask</a:t>
+            </a:r>
+            <a:endParaRPr lang="cs-CZ" sz="2000" dirty="0"/>
+          </a:p>
+          <a:p>
+            <a:pPr lvl="1"/>
+            <a:r>
+              <a:rPr lang="cs-CZ" sz="2000" dirty="0"/>
+              <a:t>Fonty</a:t>
+            </a:r>
+          </a:p>
+          <a:p>
+            <a:pPr lvl="1"/>
+            <a:r>
+              <a:rPr lang="cs-CZ" sz="2000" dirty="0" err="1"/>
+              <a:t>manifest.json</a:t>
+            </a:r>
+            <a:endParaRPr lang="cs-CZ" sz="2000" dirty="0"/>
+          </a:p>
+          <a:p>
+            <a:pPr lvl="1"/>
+            <a:r>
+              <a:rPr lang="cs-CZ" sz="2000" dirty="0" err="1"/>
+              <a:t>telemetry.db</a:t>
+            </a:r>
+            <a:endParaRPr lang="cs-CZ" sz="2000" dirty="0"/>
+          </a:p>
+          <a:p>
+            <a:r>
+              <a:rPr lang="cs-CZ" sz="2000" dirty="0"/>
+              <a:t>nejstabilnější varianta pro běh hry</a:t>
+            </a:r>
+          </a:p>
+        </p:txBody>
+      </p:sp>
+    </p:spTree>
+    <p:extLst>
+      <p:ext uri="{BB962C8B-B14F-4D97-AF65-F5344CB8AC3E}">
+        <p14:creationId xmlns:p14="http://schemas.microsoft.com/office/powerpoint/2010/main" val="2555447352"/>
+      </p:ext>
+    </p:extLst>
+  </p:cSld>
+  <p:clrMapOvr>
+    <a:masterClrMapping/>
+  </p:clrMapOvr>
+</p:sld>
+</file>
+
+<file path=ppt/slides/slide26.xml><?xml version="1.0" encoding="utf-8"?>
+<p:sld xmlns:a="http://schemas.openxmlformats.org/drawingml/2006/main" xmlns:r="http://schemas.openxmlformats.org/officeDocument/2006/relationships" xmlns:p="http://schemas.openxmlformats.org/presentationml/2006/main">
+  <p:cSld>
+    <p:spTree>
+      <p:nvGrpSpPr>
+        <p:cNvPr id="1" name=""/>
+        <p:cNvGrpSpPr/>
+        <p:nvPr/>
+      </p:nvGrpSpPr>
+      <p:grpSpPr>
+        <a:xfrm>
+          <a:off x="0" y="0"/>
+          <a:ext cx="0" cy="0"/>
+          <a:chOff x="0" y="0"/>
+          <a:chExt cx="0" cy="0"/>
+        </a:xfrm>
+      </p:grpSpPr>
+      <p:sp>
+        <p:nvSpPr>
+          <p:cNvPr id="2" name="Nadpis 1">
+            <a:extLst>
+              <a:ext uri="{FF2B5EF4-FFF2-40B4-BE49-F238E27FC236}">
+                <a16:creationId xmlns:a16="http://schemas.microsoft.com/office/drawing/2014/main" id="{E088CD8E-54D1-5023-4880-CFE1DB3ECA67}"/>
+              </a:ext>
+            </a:extLst>
+          </p:cNvPr>
+          <p:cNvSpPr>
+            <a:spLocks noGrp="1"/>
+          </p:cNvSpPr>
+          <p:nvPr>
+            <p:ph type="title"/>
+          </p:nvPr>
+        </p:nvSpPr>
+        <p:spPr/>
+        <p:txBody>
+          <a:bodyPr/>
+          <a:lstStyle/>
+          <a:p>
+            <a:r>
+              <a:rPr lang="cs-CZ" dirty="0" err="1"/>
+              <a:t>PyArmor</a:t>
+            </a:r>
+            <a:r>
+              <a:rPr lang="cs-CZ" dirty="0"/>
+              <a:t>: </a:t>
+            </a:r>
+            <a:r>
+              <a:rPr lang="cs-CZ" dirty="0" err="1"/>
+              <a:t>obfuskace</a:t>
+            </a:r>
+            <a:r>
+              <a:rPr lang="cs-CZ" dirty="0"/>
+              <a:t> kódu</a:t>
+            </a:r>
+          </a:p>
+        </p:txBody>
+      </p:sp>
+      <p:sp>
+        <p:nvSpPr>
+          <p:cNvPr id="3" name="Zástupný obsah 2">
+            <a:extLst>
+              <a:ext uri="{FF2B5EF4-FFF2-40B4-BE49-F238E27FC236}">
+                <a16:creationId xmlns:a16="http://schemas.microsoft.com/office/drawing/2014/main" id="{34371EAC-C1C5-8668-59C9-EF8DC1286716}"/>
+              </a:ext>
+            </a:extLst>
+          </p:cNvPr>
+          <p:cNvSpPr>
+            <a:spLocks noGrp="1"/>
+          </p:cNvSpPr>
+          <p:nvPr>
+            <p:ph idx="1"/>
+          </p:nvPr>
+        </p:nvSpPr>
+        <p:spPr/>
+        <p:txBody>
+          <a:bodyPr>
+            <a:normAutofit/>
+          </a:bodyPr>
+          <a:lstStyle/>
+          <a:p>
+            <a:r>
+              <a:rPr lang="cs-CZ" sz="2400" dirty="0" err="1"/>
+              <a:t>PyArmor</a:t>
+            </a:r>
+            <a:r>
+              <a:rPr lang="cs-CZ" sz="2400" dirty="0"/>
+              <a:t> slouží k </a:t>
+            </a:r>
+            <a:r>
+              <a:rPr lang="cs-CZ" sz="2400" dirty="0" err="1"/>
+              <a:t>obfuskaci</a:t>
+            </a:r>
+            <a:r>
+              <a:rPr lang="cs-CZ" sz="2400" dirty="0"/>
+              <a:t> Python kódu</a:t>
+            </a:r>
+          </a:p>
+          <a:p>
+            <a:r>
+              <a:rPr lang="cs-CZ" sz="2400" dirty="0"/>
+              <a:t>zvyšuje nečitelnost zdrojových souborů</a:t>
+            </a:r>
+          </a:p>
+          <a:p>
+            <a:r>
+              <a:rPr lang="cs-CZ" sz="2400" dirty="0"/>
+              <a:t>kód je spouštěn přes runtime </a:t>
+            </a:r>
+            <a:r>
+              <a:rPr lang="cs-CZ" sz="2400" dirty="0" err="1"/>
+              <a:t>loader</a:t>
+            </a:r>
+            <a:endParaRPr lang="cs-CZ" sz="2400" dirty="0"/>
+          </a:p>
+          <a:p>
+            <a:r>
+              <a:rPr lang="cs-CZ" sz="2400" dirty="0"/>
+              <a:t>ztěžuje:</a:t>
+            </a:r>
+          </a:p>
+          <a:p>
+            <a:pPr lvl="1"/>
+            <a:r>
+              <a:rPr lang="cs-CZ" sz="2400" dirty="0"/>
+              <a:t>Analýzu</a:t>
+            </a:r>
+          </a:p>
+          <a:p>
+            <a:pPr lvl="1"/>
+            <a:r>
+              <a:rPr lang="cs-CZ" sz="2400" dirty="0"/>
+              <a:t>reverzní </a:t>
+            </a:r>
+            <a:r>
+              <a:rPr lang="cs-CZ" sz="2400" dirty="0" err="1"/>
+              <a:t>inženýrstv</a:t>
+            </a:r>
+            <a:endParaRPr lang="cs-CZ" sz="2400" dirty="0"/>
+          </a:p>
+          <a:p>
+            <a:pPr lvl="1"/>
+            <a:r>
+              <a:rPr lang="cs-CZ" sz="2400" dirty="0"/>
+              <a:t>úpravy logiky hry</a:t>
+            </a:r>
+          </a:p>
+        </p:txBody>
+      </p:sp>
+    </p:spTree>
+    <p:extLst>
+      <p:ext uri="{BB962C8B-B14F-4D97-AF65-F5344CB8AC3E}">
+        <p14:creationId xmlns:p14="http://schemas.microsoft.com/office/powerpoint/2010/main" val="980271574"/>
+      </p:ext>
+    </p:extLst>
+  </p:cSld>
+  <p:clrMapOvr>
+    <a:masterClrMapping/>
+  </p:clrMapOvr>
+</p:sld>
+</file>
+
+<file path=ppt/slides/slide27.xml><?xml version="1.0" encoding="utf-8"?>
+<p:sld xmlns:a="http://schemas.openxmlformats.org/drawingml/2006/main" xmlns:r="http://schemas.openxmlformats.org/officeDocument/2006/relationships" xmlns:p="http://schemas.openxmlformats.org/presentationml/2006/main">
+  <p:cSld>
+    <p:spTree>
+      <p:nvGrpSpPr>
+        <p:cNvPr id="1" name=""/>
+        <p:cNvGrpSpPr/>
+        <p:nvPr/>
+      </p:nvGrpSpPr>
+      <p:grpSpPr>
+        <a:xfrm>
+          <a:off x="0" y="0"/>
+          <a:ext cx="0" cy="0"/>
+          <a:chOff x="0" y="0"/>
+          <a:chExt cx="0" cy="0"/>
+        </a:xfrm>
+      </p:grpSpPr>
+      <p:sp>
+        <p:nvSpPr>
+          <p:cNvPr id="2" name="Nadpis 1">
+            <a:extLst>
+              <a:ext uri="{FF2B5EF4-FFF2-40B4-BE49-F238E27FC236}">
                 <a16:creationId xmlns:a16="http://schemas.microsoft.com/office/drawing/2014/main" id="{CAB53042-0E96-8679-AF5A-4C8D76EF6BE1}"/>
               </a:ext>
             </a:extLst>
@@ -6794,6 +7193,358 @@
   <p:cSld>
     <p:spTree>
       <p:nvGrpSpPr>
+        <p:cNvPr id="1" name="">
+          <a:extLst>
+            <a:ext uri="{FF2B5EF4-FFF2-40B4-BE49-F238E27FC236}">
+              <a16:creationId xmlns:a16="http://schemas.microsoft.com/office/drawing/2014/main" id="{B7DDAFC4-72DC-684A-1588-F0E9CBF75B0F}"/>
+            </a:ext>
+          </a:extLst>
+        </p:cNvPr>
+        <p:cNvGrpSpPr/>
+        <p:nvPr/>
+      </p:nvGrpSpPr>
+      <p:grpSpPr>
+        <a:xfrm>
+          <a:off x="0" y="0"/>
+          <a:ext cx="0" cy="0"/>
+          <a:chOff x="0" y="0"/>
+          <a:chExt cx="0" cy="0"/>
+        </a:xfrm>
+      </p:grpSpPr>
+      <p:sp>
+        <p:nvSpPr>
+          <p:cNvPr id="2" name="Nadpis 1">
+            <a:extLst>
+              <a:ext uri="{FF2B5EF4-FFF2-40B4-BE49-F238E27FC236}">
+                <a16:creationId xmlns:a16="http://schemas.microsoft.com/office/drawing/2014/main" id="{CA15BA65-88D9-53DF-2D46-99170937DDF7}"/>
+              </a:ext>
+            </a:extLst>
+          </p:cNvPr>
+          <p:cNvSpPr>
+            <a:spLocks noGrp="1"/>
+          </p:cNvSpPr>
+          <p:nvPr>
+            <p:ph type="title"/>
+          </p:nvPr>
+        </p:nvSpPr>
+        <p:spPr/>
+        <p:txBody>
+          <a:bodyPr>
+            <a:normAutofit/>
+          </a:bodyPr>
+          <a:lstStyle/>
+          <a:p>
+            <a:r>
+              <a:rPr lang="cs-CZ" sz="3600" dirty="0" err="1"/>
+              <a:t>Kyb</a:t>
+            </a:r>
+            <a:r>
+              <a:rPr lang="cs-CZ" sz="3600" dirty="0"/>
+              <a:t>. Bezpečnost hry – obecně 2</a:t>
+            </a:r>
+          </a:p>
+        </p:txBody>
+      </p:sp>
+      <p:sp>
+        <p:nvSpPr>
+          <p:cNvPr id="3" name="Zástupný obsah 2">
+            <a:extLst>
+              <a:ext uri="{FF2B5EF4-FFF2-40B4-BE49-F238E27FC236}">
+                <a16:creationId xmlns:a16="http://schemas.microsoft.com/office/drawing/2014/main" id="{423F53AB-DAA1-574B-5535-3AF189489C31}"/>
+              </a:ext>
+            </a:extLst>
+          </p:cNvPr>
+          <p:cNvSpPr>
+            <a:spLocks noGrp="1"/>
+          </p:cNvSpPr>
+          <p:nvPr>
+            <p:ph idx="1"/>
+          </p:nvPr>
+        </p:nvSpPr>
+        <p:spPr>
+          <a:xfrm>
+            <a:off x="521208" y="1906292"/>
+            <a:ext cx="11155680" cy="4439644"/>
+          </a:xfrm>
+        </p:spPr>
+        <p:txBody>
+          <a:bodyPr>
+            <a:normAutofit/>
+          </a:bodyPr>
+          <a:lstStyle/>
+          <a:p>
+            <a:pPr marL="0" indent="0">
+              <a:buNone/>
+            </a:pPr>
+            <a:r>
+              <a:rPr lang="cs-CZ" sz="2400" dirty="0"/>
+              <a:t>Obrana reaguje na známé techniky, útok hledá </a:t>
+            </a:r>
+            <a:r>
+              <a:rPr lang="cs-CZ" sz="2400" b="1" dirty="0"/>
+              <a:t>jedinou slabinu</a:t>
+            </a:r>
+            <a:r>
+              <a:rPr lang="cs-CZ" sz="2400" dirty="0"/>
+              <a:t>.</a:t>
+            </a:r>
+          </a:p>
+          <a:p>
+            <a:pPr marL="0" indent="0">
+              <a:buNone/>
+            </a:pPr>
+            <a:br>
+              <a:rPr lang="cs-CZ" sz="2400" dirty="0"/>
+            </a:br>
+            <a:r>
+              <a:rPr lang="cs-CZ" sz="2400" dirty="0"/>
+              <a:t>Statické ochrany (klíče, kontroly </a:t>
+            </a:r>
+            <a:r>
+              <a:rPr lang="cs-CZ" sz="2400" dirty="0" err="1"/>
+              <a:t>hashů</a:t>
+            </a:r>
+            <a:r>
+              <a:rPr lang="cs-CZ" sz="2400" dirty="0"/>
+              <a:t>, DRM) jsou náchylné k analýze a emulaci.</a:t>
+            </a:r>
+            <a:br>
+              <a:rPr lang="cs-CZ" sz="2400" dirty="0"/>
+            </a:br>
+            <a:br>
+              <a:rPr lang="cs-CZ" sz="2400" dirty="0"/>
+            </a:br>
+            <a:r>
+              <a:rPr lang="cs-CZ" sz="2400" dirty="0" err="1"/>
+              <a:t>Crack</a:t>
+            </a:r>
+            <a:r>
+              <a:rPr lang="cs-CZ" sz="2400" dirty="0"/>
+              <a:t> často nevzniká „rozbitím všeho“, ale </a:t>
+            </a:r>
+            <a:r>
+              <a:rPr lang="cs-CZ" sz="2400" b="1" dirty="0"/>
+              <a:t>obejitím rozhodovacího bodu</a:t>
+            </a:r>
+            <a:r>
+              <a:rPr lang="cs-CZ" sz="2400" dirty="0"/>
+              <a:t> (podmínka, kontrola, návratová hodnota).</a:t>
+            </a:r>
+          </a:p>
+          <a:p>
+            <a:pPr marL="0" indent="0">
+              <a:buNone/>
+            </a:pPr>
+            <a:br>
+              <a:rPr lang="cs-CZ" sz="2400" dirty="0"/>
+            </a:br>
+            <a:r>
+              <a:rPr lang="cs-CZ" sz="2400" dirty="0"/>
+              <a:t>Efektivní ochrana je </a:t>
+            </a:r>
+            <a:r>
+              <a:rPr lang="cs-CZ" sz="2400" b="1" dirty="0"/>
+              <a:t>kombinace více vrstev</a:t>
+            </a:r>
+            <a:r>
+              <a:rPr lang="cs-CZ" sz="2400" dirty="0"/>
+              <a:t>, nikoli jedna technologie.</a:t>
+            </a:r>
+            <a:endParaRPr lang="cs-CZ" sz="2400" b="1" dirty="0"/>
+          </a:p>
+        </p:txBody>
+      </p:sp>
+    </p:spTree>
+    <p:extLst>
+      <p:ext uri="{BB962C8B-B14F-4D97-AF65-F5344CB8AC3E}">
+        <p14:creationId xmlns:p14="http://schemas.microsoft.com/office/powerpoint/2010/main" val="3773865998"/>
+      </p:ext>
+    </p:extLst>
+  </p:cSld>
+  <p:clrMapOvr>
+    <a:masterClrMapping/>
+  </p:clrMapOvr>
+</p:sld>
+</file>
+
+<file path=ppt/slides/slide4.xml><?xml version="1.0" encoding="utf-8"?>
+<p:sld xmlns:a="http://schemas.openxmlformats.org/drawingml/2006/main" xmlns:r="http://schemas.openxmlformats.org/officeDocument/2006/relationships" xmlns:p="http://schemas.openxmlformats.org/presentationml/2006/main">
+  <p:cSld>
+    <p:spTree>
+      <p:nvGrpSpPr>
+        <p:cNvPr id="1" name=""/>
+        <p:cNvGrpSpPr/>
+        <p:nvPr/>
+      </p:nvGrpSpPr>
+      <p:grpSpPr>
+        <a:xfrm>
+          <a:off x="0" y="0"/>
+          <a:ext cx="0" cy="0"/>
+          <a:chOff x="0" y="0"/>
+          <a:chExt cx="0" cy="0"/>
+        </a:xfrm>
+      </p:grpSpPr>
+      <p:sp>
+        <p:nvSpPr>
+          <p:cNvPr id="2" name="Nadpis 1">
+            <a:extLst>
+              <a:ext uri="{FF2B5EF4-FFF2-40B4-BE49-F238E27FC236}">
+                <a16:creationId xmlns:a16="http://schemas.microsoft.com/office/drawing/2014/main" id="{55C676EC-2361-A718-792C-723C5C04D39D}"/>
+              </a:ext>
+            </a:extLst>
+          </p:cNvPr>
+          <p:cNvSpPr>
+            <a:spLocks noGrp="1"/>
+          </p:cNvSpPr>
+          <p:nvPr>
+            <p:ph type="title"/>
+          </p:nvPr>
+        </p:nvSpPr>
+        <p:spPr/>
+        <p:txBody>
+          <a:bodyPr/>
+          <a:lstStyle/>
+          <a:p>
+            <a:r>
+              <a:rPr lang="cs-CZ" dirty="0"/>
+              <a:t>O projektu</a:t>
+            </a:r>
+          </a:p>
+        </p:txBody>
+      </p:sp>
+      <p:sp>
+        <p:nvSpPr>
+          <p:cNvPr id="3" name="Zástupný obsah 2">
+            <a:extLst>
+              <a:ext uri="{FF2B5EF4-FFF2-40B4-BE49-F238E27FC236}">
+                <a16:creationId xmlns:a16="http://schemas.microsoft.com/office/drawing/2014/main" id="{078126B9-FE8C-8F1F-66BE-6D95F123DA97}"/>
+              </a:ext>
+            </a:extLst>
+          </p:cNvPr>
+          <p:cNvSpPr>
+            <a:spLocks noGrp="1"/>
+          </p:cNvSpPr>
+          <p:nvPr>
+            <p:ph idx="1"/>
+          </p:nvPr>
+        </p:nvSpPr>
+        <p:spPr/>
+        <p:txBody>
+          <a:bodyPr/>
+          <a:lstStyle/>
+          <a:p>
+            <a:r>
+              <a:rPr lang="cs-CZ" dirty="0"/>
+              <a:t>Tento projekt je </a:t>
+            </a:r>
+            <a:r>
+              <a:rPr lang="cs-CZ" b="1" dirty="0"/>
+              <a:t>počítačová hra </a:t>
+            </a:r>
+            <a:r>
+              <a:rPr lang="cs-CZ" b="1" dirty="0" err="1"/>
+              <a:t>Tetris</a:t>
+            </a:r>
+            <a:r>
+              <a:rPr lang="cs-CZ" dirty="0"/>
+              <a:t>, vytvořená v jazyce </a:t>
+            </a:r>
+            <a:r>
+              <a:rPr lang="cs-CZ" b="1" dirty="0"/>
+              <a:t>Python</a:t>
+            </a:r>
+            <a:r>
+              <a:rPr lang="cs-CZ" dirty="0"/>
+              <a:t> s využitím knihovny </a:t>
+            </a:r>
+            <a:r>
+              <a:rPr lang="cs-CZ" b="1" dirty="0" err="1"/>
+              <a:t>Pygame</a:t>
+            </a:r>
+            <a:r>
+              <a:rPr lang="cs-CZ" dirty="0"/>
+              <a:t>.</a:t>
+            </a:r>
+            <a:br>
+              <a:rPr lang="cs-CZ" dirty="0"/>
+            </a:br>
+            <a:r>
+              <a:rPr lang="cs-CZ" dirty="0"/>
+              <a:t>Hlavním cílem projektu nebylo jen naprogramovat samotnou hru, ale především </a:t>
+            </a:r>
+            <a:r>
+              <a:rPr lang="cs-CZ" b="1" dirty="0"/>
+              <a:t>navrhnout její </a:t>
+            </a:r>
+            <a:r>
+              <a:rPr lang="cs-CZ" b="1"/>
+              <a:t>zabezpečení</a:t>
+            </a:r>
+            <a:r>
+              <a:rPr lang="cs-CZ"/>
+              <a:t>.</a:t>
+            </a:r>
+          </a:p>
+          <a:p>
+            <a:endParaRPr lang="cs-CZ" dirty="0"/>
+          </a:p>
+          <a:p>
+            <a:r>
+              <a:rPr lang="cs-CZ" dirty="0"/>
+              <a:t>Projekt se zaměřuje na:</a:t>
+            </a:r>
+          </a:p>
+          <a:p>
+            <a:pPr lvl="1"/>
+            <a:r>
+              <a:rPr lang="cs-CZ" dirty="0"/>
+              <a:t>řízení přístupu uživatelů (registrace a přihlášení),</a:t>
+            </a:r>
+          </a:p>
+          <a:p>
+            <a:pPr lvl="1"/>
+            <a:r>
+              <a:rPr lang="cs-CZ" dirty="0"/>
+              <a:t>oddělení herní logiky, webového serveru a databází,</a:t>
+            </a:r>
+          </a:p>
+          <a:p>
+            <a:pPr lvl="1"/>
+            <a:r>
+              <a:rPr lang="cs-CZ" dirty="0"/>
+              <a:t>ochranu zdrojového kódu a distribuované aplikace,</a:t>
+            </a:r>
+          </a:p>
+          <a:p>
+            <a:pPr lvl="1"/>
+            <a:r>
+              <a:rPr lang="cs-CZ" dirty="0"/>
+              <a:t>sběr anonymních technických dat pro analýzu chyb.</a:t>
+            </a:r>
+          </a:p>
+          <a:p>
+            <a:endParaRPr lang="cs-CZ" dirty="0"/>
+          </a:p>
+        </p:txBody>
+      </p:sp>
+    </p:spTree>
+    <p:extLst>
+      <p:ext uri="{BB962C8B-B14F-4D97-AF65-F5344CB8AC3E}">
+        <p14:creationId xmlns:p14="http://schemas.microsoft.com/office/powerpoint/2010/main" val="9812951"/>
+      </p:ext>
+    </p:extLst>
+  </p:cSld>
+  <p:clrMapOvr>
+    <a:masterClrMapping/>
+  </p:clrMapOvr>
+</p:sld>
+</file>
+
+<file path=ppt/slides/slide5.xml><?xml version="1.0" encoding="utf-8"?>
+<p:sld xmlns:a="http://schemas.openxmlformats.org/drawingml/2006/main" xmlns:r="http://schemas.openxmlformats.org/officeDocument/2006/relationships" xmlns:p="http://schemas.openxmlformats.org/presentationml/2006/main">
+  <p:cSld>
+    <p:spTree>
+      <p:nvGrpSpPr>
         <p:cNvPr id="1" name=""/>
         <p:cNvGrpSpPr/>
         <p:nvPr/>
@@ -6906,7 +7657,7 @@
 </p:sld>
 </file>
 
-<file path=ppt/slides/slide4.xml><?xml version="1.0" encoding="utf-8"?>
+<file path=ppt/slides/slide6.xml><?xml version="1.0" encoding="utf-8"?>
 <p:sld xmlns:a="http://schemas.openxmlformats.org/drawingml/2006/main" xmlns:r="http://schemas.openxmlformats.org/officeDocument/2006/relationships" xmlns:p="http://schemas.openxmlformats.org/presentationml/2006/main">
   <p:cSld>
     <p:spTree>
@@ -6994,372 +7745,6 @@
 </p:sld>
 </file>
 
-<file path=ppt/slides/slide5.xml><?xml version="1.0" encoding="utf-8"?>
-<p:sld xmlns:a="http://schemas.openxmlformats.org/drawingml/2006/main" xmlns:r="http://schemas.openxmlformats.org/officeDocument/2006/relationships" xmlns:p="http://schemas.openxmlformats.org/presentationml/2006/main">
-  <p:cSld>
-    <p:spTree>
-      <p:nvGrpSpPr>
-        <p:cNvPr id="1" name=""/>
-        <p:cNvGrpSpPr/>
-        <p:nvPr/>
-      </p:nvGrpSpPr>
-      <p:grpSpPr>
-        <a:xfrm>
-          <a:off x="0" y="0"/>
-          <a:ext cx="0" cy="0"/>
-          <a:chOff x="0" y="0"/>
-          <a:chExt cx="0" cy="0"/>
-        </a:xfrm>
-      </p:grpSpPr>
-      <p:sp>
-        <p:nvSpPr>
-          <p:cNvPr id="2" name="Nadpis 1">
-            <a:extLst>
-              <a:ext uri="{FF2B5EF4-FFF2-40B4-BE49-F238E27FC236}">
-                <a16:creationId xmlns:a16="http://schemas.microsoft.com/office/drawing/2014/main" id="{291F31DE-96F8-53C5-7D5E-93B439908487}"/>
-              </a:ext>
-            </a:extLst>
-          </p:cNvPr>
-          <p:cNvSpPr>
-            <a:spLocks noGrp="1"/>
-          </p:cNvSpPr>
-          <p:nvPr>
-            <p:ph type="title"/>
-          </p:nvPr>
-        </p:nvSpPr>
-        <p:spPr/>
-        <p:txBody>
-          <a:bodyPr/>
-          <a:lstStyle/>
-          <a:p>
-            <a:r>
-              <a:rPr lang="cs-CZ" dirty="0"/>
-              <a:t>Správa uživatelů – D. Zedníčková</a:t>
-            </a:r>
-          </a:p>
-        </p:txBody>
-      </p:sp>
-      <p:sp>
-        <p:nvSpPr>
-          <p:cNvPr id="3" name="Zástupný obsah 2">
-            <a:extLst>
-              <a:ext uri="{FF2B5EF4-FFF2-40B4-BE49-F238E27FC236}">
-                <a16:creationId xmlns:a16="http://schemas.microsoft.com/office/drawing/2014/main" id="{E29B264C-3813-1070-B007-35E3867A1C85}"/>
-              </a:ext>
-            </a:extLst>
-          </p:cNvPr>
-          <p:cNvSpPr>
-            <a:spLocks noGrp="1"/>
-          </p:cNvSpPr>
-          <p:nvPr>
-            <p:ph idx="1"/>
-          </p:nvPr>
-        </p:nvSpPr>
-        <p:spPr/>
-        <p:txBody>
-          <a:bodyPr>
-            <a:noAutofit/>
-          </a:bodyPr>
-          <a:lstStyle/>
-          <a:p>
-            <a:r>
-              <a:rPr lang="cs-CZ" sz="2800" dirty="0"/>
-              <a:t>Hra nejde spustit bez přihlášení / </a:t>
-            </a:r>
-            <a:r>
-              <a:rPr lang="cs-CZ" sz="2800" dirty="0" err="1"/>
-              <a:t>registrace.Autentizace</a:t>
-            </a:r>
-            <a:r>
-              <a:rPr lang="cs-CZ" sz="2800" dirty="0"/>
-              <a:t> je oddělená od herní logiky:</a:t>
-            </a:r>
-          </a:p>
-          <a:p>
-            <a:pPr marL="0" indent="0">
-              <a:buNone/>
-            </a:pPr>
-            <a:endParaRPr lang="cs-CZ" sz="2800" dirty="0"/>
-          </a:p>
-          <a:p>
-            <a:pPr marL="0" indent="0" algn="ctr">
-              <a:buNone/>
-            </a:pPr>
-            <a:r>
-              <a:rPr lang="cs-CZ" sz="2800" b="1" dirty="0" err="1"/>
-              <a:t>Tetris</a:t>
-            </a:r>
-            <a:r>
-              <a:rPr lang="cs-CZ" sz="2800" b="1" dirty="0"/>
-              <a:t> (</a:t>
-            </a:r>
-            <a:r>
-              <a:rPr lang="cs-CZ" sz="2800" b="1" dirty="0" err="1"/>
-              <a:t>Pygame</a:t>
-            </a:r>
-            <a:r>
-              <a:rPr lang="cs-CZ" sz="2800" b="1" dirty="0"/>
-              <a:t>) ↔ Webový server (</a:t>
-            </a:r>
-            <a:r>
-              <a:rPr lang="cs-CZ" sz="2800" b="1" dirty="0" err="1"/>
-              <a:t>Flask</a:t>
-            </a:r>
-            <a:r>
-              <a:rPr lang="cs-CZ" sz="2800" b="1" dirty="0"/>
-              <a:t>) ↔ DB uživatelů (</a:t>
-            </a:r>
-            <a:r>
-              <a:rPr lang="cs-CZ" sz="2800" b="1" dirty="0" err="1"/>
-              <a:t>SQLite</a:t>
-            </a:r>
-            <a:r>
-              <a:rPr lang="cs-CZ" sz="2800" b="1" dirty="0"/>
-              <a:t>)</a:t>
-            </a:r>
-          </a:p>
-          <a:p>
-            <a:r>
-              <a:rPr lang="cs-CZ" sz="2800" dirty="0"/>
-              <a:t>Uživatelská identita (ID) slouží jako vazba na data (např. </a:t>
-            </a:r>
-            <a:r>
-              <a:rPr lang="cs-CZ" sz="2800" dirty="0" err="1"/>
-              <a:t>highscore</a:t>
-            </a:r>
-            <a:r>
-              <a:rPr lang="cs-CZ" sz="2800" dirty="0"/>
-              <a:t>), ale hra nepracuje s hesly ani databází přímo.</a:t>
-            </a:r>
-          </a:p>
-        </p:txBody>
-      </p:sp>
-    </p:spTree>
-    <p:extLst>
-      <p:ext uri="{BB962C8B-B14F-4D97-AF65-F5344CB8AC3E}">
-        <p14:creationId xmlns:p14="http://schemas.microsoft.com/office/powerpoint/2010/main" val="3911011551"/>
-      </p:ext>
-    </p:extLst>
-  </p:cSld>
-  <p:clrMapOvr>
-    <a:masterClrMapping/>
-  </p:clrMapOvr>
-</p:sld>
-</file>
-
-<file path=ppt/slides/slide6.xml><?xml version="1.0" encoding="utf-8"?>
-<p:sld xmlns:a="http://schemas.openxmlformats.org/drawingml/2006/main" xmlns:r="http://schemas.openxmlformats.org/officeDocument/2006/relationships" xmlns:p="http://schemas.openxmlformats.org/presentationml/2006/main">
-  <p:cSld>
-    <p:spTree>
-      <p:nvGrpSpPr>
-        <p:cNvPr id="1" name=""/>
-        <p:cNvGrpSpPr/>
-        <p:nvPr/>
-      </p:nvGrpSpPr>
-      <p:grpSpPr>
-        <a:xfrm>
-          <a:off x="0" y="0"/>
-          <a:ext cx="0" cy="0"/>
-          <a:chOff x="0" y="0"/>
-          <a:chExt cx="0" cy="0"/>
-        </a:xfrm>
-      </p:grpSpPr>
-      <p:sp>
-        <p:nvSpPr>
-          <p:cNvPr id="2" name="Nadpis 1">
-            <a:extLst>
-              <a:ext uri="{FF2B5EF4-FFF2-40B4-BE49-F238E27FC236}">
-                <a16:creationId xmlns:a16="http://schemas.microsoft.com/office/drawing/2014/main" id="{1DAE8EEF-A8E3-7715-AFB6-95DC0A8C1C09}"/>
-              </a:ext>
-            </a:extLst>
-          </p:cNvPr>
-          <p:cNvSpPr>
-            <a:spLocks noGrp="1"/>
-          </p:cNvSpPr>
-          <p:nvPr>
-            <p:ph type="title"/>
-          </p:nvPr>
-        </p:nvSpPr>
-        <p:spPr/>
-        <p:txBody>
-          <a:bodyPr/>
-          <a:lstStyle/>
-          <a:p>
-            <a:r>
-              <a:rPr lang="cs-CZ" dirty="0"/>
-              <a:t>Architektura (oddělení částí)</a:t>
-            </a:r>
-          </a:p>
-        </p:txBody>
-      </p:sp>
-      <p:sp>
-        <p:nvSpPr>
-          <p:cNvPr id="3" name="Zástupný obsah 2">
-            <a:extLst>
-              <a:ext uri="{FF2B5EF4-FFF2-40B4-BE49-F238E27FC236}">
-                <a16:creationId xmlns:a16="http://schemas.microsoft.com/office/drawing/2014/main" id="{BC2CC5E6-6241-7CB7-60C1-9B319AB7DCEE}"/>
-              </a:ext>
-            </a:extLst>
-          </p:cNvPr>
-          <p:cNvSpPr>
-            <a:spLocks noGrp="1"/>
-          </p:cNvSpPr>
-          <p:nvPr>
-            <p:ph idx="1"/>
-          </p:nvPr>
-        </p:nvSpPr>
-        <p:spPr/>
-        <p:txBody>
-          <a:bodyPr>
-            <a:normAutofit lnSpcReduction="10000"/>
-          </a:bodyPr>
-          <a:lstStyle/>
-          <a:p>
-            <a:r>
-              <a:rPr lang="cs-CZ" dirty="0"/>
-              <a:t>Herní klient (</a:t>
-            </a:r>
-            <a:r>
-              <a:rPr lang="cs-CZ" dirty="0" err="1"/>
-              <a:t>Pygame</a:t>
-            </a:r>
-            <a:r>
-              <a:rPr lang="cs-CZ" dirty="0"/>
-              <a:t>)</a:t>
-            </a:r>
-          </a:p>
-          <a:p>
-            <a:pPr lvl="1"/>
-            <a:r>
-              <a:rPr lang="cs-CZ" dirty="0"/>
-              <a:t>vykresluje login </a:t>
-            </a:r>
-            <a:r>
-              <a:rPr lang="cs-CZ" dirty="0" err="1"/>
-              <a:t>gate</a:t>
-            </a:r>
-            <a:r>
-              <a:rPr lang="cs-CZ" dirty="0"/>
-              <a:t> obrazovku</a:t>
-            </a:r>
-          </a:p>
-          <a:p>
-            <a:pPr lvl="1"/>
-            <a:r>
-              <a:rPr lang="cs-CZ" dirty="0"/>
-              <a:t>čeká na signál “uživatel je </a:t>
-            </a:r>
-            <a:r>
-              <a:rPr lang="cs-CZ" dirty="0" err="1"/>
-              <a:t>přihláše</a:t>
-            </a:r>
-            <a:endParaRPr lang="cs-CZ" dirty="0"/>
-          </a:p>
-          <a:p>
-            <a:r>
-              <a:rPr lang="cs-CZ" dirty="0"/>
-              <a:t>”Web server (</a:t>
-            </a:r>
-            <a:r>
-              <a:rPr lang="cs-CZ" dirty="0" err="1"/>
-              <a:t>Flask</a:t>
-            </a:r>
-            <a:r>
-              <a:rPr lang="cs-CZ" dirty="0"/>
-              <a:t>) – lokální</a:t>
-            </a:r>
-          </a:p>
-          <a:p>
-            <a:pPr lvl="1"/>
-            <a:r>
-              <a:rPr lang="cs-CZ" dirty="0"/>
-              <a:t>poskytuje stránky /setup, /login, /play</a:t>
-            </a:r>
-          </a:p>
-          <a:p>
-            <a:pPr lvl="1"/>
-            <a:r>
-              <a:rPr lang="cs-CZ" dirty="0"/>
-              <a:t>řeší validaci, </a:t>
-            </a:r>
-            <a:r>
-              <a:rPr lang="cs-CZ" dirty="0" err="1"/>
-              <a:t>hashování</a:t>
-            </a:r>
-            <a:r>
-              <a:rPr lang="cs-CZ" dirty="0"/>
-              <a:t> hesel, práci s DB</a:t>
-            </a:r>
-          </a:p>
-          <a:p>
-            <a:r>
-              <a:rPr lang="cs-CZ" dirty="0"/>
-              <a:t>Databáze uživatelů (</a:t>
-            </a:r>
-            <a:r>
-              <a:rPr lang="cs-CZ" dirty="0" err="1"/>
-              <a:t>SQLite</a:t>
-            </a:r>
-            <a:r>
-              <a:rPr lang="cs-CZ" dirty="0"/>
-              <a:t>)</a:t>
-            </a:r>
-          </a:p>
-          <a:p>
-            <a:pPr lvl="1"/>
-            <a:r>
-              <a:rPr lang="cs-CZ" dirty="0"/>
-              <a:t>ukládá účty a bezpečnostní údaje</a:t>
-            </a:r>
-          </a:p>
-          <a:p>
-            <a:r>
-              <a:rPr lang="cs-CZ" dirty="0"/>
-              <a:t>Telemetrie </a:t>
-            </a:r>
-          </a:p>
-          <a:p>
-            <a:pPr lvl="1"/>
-            <a:r>
-              <a:rPr lang="cs-CZ" dirty="0"/>
-              <a:t>samostatná DB (</a:t>
-            </a:r>
-            <a:r>
-              <a:rPr lang="cs-CZ" dirty="0" err="1"/>
-              <a:t>telemetry.db</a:t>
-            </a:r>
-            <a:r>
-              <a:rPr lang="cs-CZ" dirty="0"/>
-              <a:t>) + samostatný </a:t>
-            </a:r>
-            <a:r>
-              <a:rPr lang="cs-CZ" dirty="0" err="1"/>
-              <a:t>endpoint</a:t>
-            </a:r>
-            <a:endParaRPr lang="cs-CZ" dirty="0"/>
-          </a:p>
-          <a:p>
-            <a:pPr lvl="1"/>
-            <a:r>
-              <a:rPr lang="cs-CZ" dirty="0"/>
-              <a:t>respektuje souhlas uživatele</a:t>
-            </a:r>
-          </a:p>
-        </p:txBody>
-      </p:sp>
-    </p:spTree>
-    <p:extLst>
-      <p:ext uri="{BB962C8B-B14F-4D97-AF65-F5344CB8AC3E}">
-        <p14:creationId xmlns:p14="http://schemas.microsoft.com/office/powerpoint/2010/main" val="3171767657"/>
-      </p:ext>
-    </p:extLst>
-  </p:cSld>
-  <p:clrMapOvr>
-    <a:masterClrMapping/>
-  </p:clrMapOvr>
-</p:sld>
-</file>
-
 <file path=ppt/slides/slide7.xml><?xml version="1.0" encoding="utf-8"?>
 <p:sld xmlns:a="http://schemas.openxmlformats.org/drawingml/2006/main" xmlns:r="http://schemas.openxmlformats.org/officeDocument/2006/relationships" xmlns:p="http://schemas.openxmlformats.org/presentationml/2006/main">
   <p:cSld>
@@ -7382,7 +7767,7 @@
           <p:cNvPr id="2" name="Nadpis 1">
             <a:extLst>
               <a:ext uri="{FF2B5EF4-FFF2-40B4-BE49-F238E27FC236}">
-                <a16:creationId xmlns:a16="http://schemas.microsoft.com/office/drawing/2014/main" id="{6A2983B4-5AAC-ED9F-2459-B882F454A705}"/>
+                <a16:creationId xmlns:a16="http://schemas.microsoft.com/office/drawing/2014/main" id="{291F31DE-96F8-53C5-7D5E-93B439908487}"/>
               </a:ext>
             </a:extLst>
           </p:cNvPr>
@@ -7400,15 +7785,7 @@
           <a:p>
             <a:r>
               <a:rPr lang="cs-CZ" dirty="0"/>
-              <a:t>Login </a:t>
-            </a:r>
-            <a:r>
-              <a:rPr lang="cs-CZ" dirty="0" err="1"/>
-              <a:t>gate</a:t>
-            </a:r>
-            <a:r>
-              <a:rPr lang="cs-CZ" dirty="0"/>
-              <a:t>: hra bez přihlášení neběží</a:t>
+              <a:t>Správa uživatelů – D. Zedníčková</a:t>
             </a:r>
           </a:p>
         </p:txBody>
@@ -7418,7 +7795,7 @@
           <p:cNvPr id="3" name="Zástupný obsah 2">
             <a:extLst>
               <a:ext uri="{FF2B5EF4-FFF2-40B4-BE49-F238E27FC236}">
-                <a16:creationId xmlns:a16="http://schemas.microsoft.com/office/drawing/2014/main" id="{1B841A40-8715-3941-EAB4-9E8D06B2DA63}"/>
+                <a16:creationId xmlns:a16="http://schemas.microsoft.com/office/drawing/2014/main" id="{E29B264C-3813-1070-B007-35E3867A1C85}"/>
               </a:ext>
             </a:extLst>
           </p:cNvPr>
@@ -7432,54 +7809,78 @@
         <p:spPr/>
         <p:txBody>
           <a:bodyPr>
-            <a:normAutofit/>
+            <a:noAutofit/>
           </a:bodyPr>
           <a:lstStyle/>
           <a:p>
             <a:r>
               <a:rPr lang="cs-CZ" sz="2800" dirty="0"/>
-              <a:t>Po startu se spustí lokální login server a otevře prohlížeč.</a:t>
-            </a:r>
-          </a:p>
-          <a:p>
+              <a:t>Hra nejde spustit bez přihlášení / </a:t>
+            </a:r>
             <a:r>
               <a:rPr lang="cs-CZ" sz="2800" dirty="0" err="1"/>
+              <a:t>registrace.Autentizace</a:t>
+            </a:r>
+            <a:r>
+              <a:rPr lang="cs-CZ" sz="2800" dirty="0"/>
+              <a:t> je oddělená od herní logiky:</a:t>
+            </a:r>
+          </a:p>
+          <a:p>
+            <a:pPr marL="0" indent="0">
+              <a:buNone/>
+            </a:pPr>
+            <a:endParaRPr lang="cs-CZ" sz="2800" dirty="0"/>
+          </a:p>
+          <a:p>
+            <a:pPr marL="0" indent="0" algn="ctr">
+              <a:buNone/>
+            </a:pPr>
+            <a:r>
+              <a:rPr lang="cs-CZ" sz="2800" b="1" dirty="0" err="1"/>
+              <a:t>Tetris</a:t>
+            </a:r>
+            <a:r>
+              <a:rPr lang="cs-CZ" sz="2800" b="1" dirty="0"/>
+              <a:t> (</a:t>
+            </a:r>
+            <a:r>
+              <a:rPr lang="cs-CZ" sz="2800" b="1" dirty="0" err="1"/>
               <a:t>Pygame</a:t>
             </a:r>
             <a:r>
+              <a:rPr lang="cs-CZ" sz="2800" b="1" dirty="0"/>
+              <a:t>) ↔ Webový server (</a:t>
+            </a:r>
+            <a:r>
+              <a:rPr lang="cs-CZ" sz="2800" b="1" dirty="0" err="1"/>
+              <a:t>Flask</a:t>
+            </a:r>
+            <a:r>
+              <a:rPr lang="cs-CZ" sz="2800" b="1" dirty="0"/>
+              <a:t>) ↔ DB uživatelů (</a:t>
+            </a:r>
+            <a:r>
+              <a:rPr lang="cs-CZ" sz="2800" b="1" dirty="0" err="1"/>
+              <a:t>SQLite</a:t>
+            </a:r>
+            <a:r>
+              <a:rPr lang="cs-CZ" sz="2800" b="1" dirty="0"/>
+              <a:t>)</a:t>
+            </a:r>
+          </a:p>
+          <a:p>
+            <a:r>
               <a:rPr lang="cs-CZ" sz="2800" dirty="0"/>
-              <a:t> zobrazuje “Čekám na přihlášení” a nepustí uživatele dál.</a:t>
-            </a:r>
-          </a:p>
-          <a:p>
+              <a:t>Uživatelská identita (ID) slouží jako vazba na data (např. </a:t>
+            </a:r>
+            <a:r>
+              <a:rPr lang="cs-CZ" sz="2800" dirty="0" err="1"/>
+              <a:t>highscore</a:t>
+            </a:r>
             <a:r>
               <a:rPr lang="cs-CZ" sz="2800" dirty="0"/>
-              <a:t>Hra pokračuje až ve chvíli, kdy web server nastaví interní signalizaci:</a:t>
-            </a:r>
-          </a:p>
-          <a:p>
-            <a:pPr lvl="1"/>
-            <a:r>
-              <a:rPr lang="cs-CZ" sz="2800" dirty="0" err="1"/>
-              <a:t>AUTH_EVENT.set</a:t>
-            </a:r>
-            <a:r>
-              <a:rPr lang="cs-CZ" sz="2800" dirty="0"/>
-              <a:t>() po kliknutí na „Chci hrát“ (POST /play)</a:t>
-            </a:r>
-          </a:p>
-          <a:p>
-            <a:r>
-              <a:rPr lang="cs-CZ" sz="2800" dirty="0"/>
-              <a:t>Bez tohoto kroku se </a:t>
-            </a:r>
-            <a:r>
-              <a:rPr lang="cs-CZ" sz="2800" dirty="0" err="1"/>
-              <a:t>main</a:t>
-            </a:r>
-            <a:r>
-              <a:rPr lang="cs-CZ" sz="2800" dirty="0"/>
-              <a:t> menu ani hra vůbec nespustí.</a:t>
+              <a:t>), ale hra nepracuje s hesly ani databází přímo.</a:t>
             </a:r>
           </a:p>
         </p:txBody>
@@ -7487,7 +7888,7 @@
     </p:spTree>
     <p:extLst>
       <p:ext uri="{BB962C8B-B14F-4D97-AF65-F5344CB8AC3E}">
-        <p14:creationId xmlns:p14="http://schemas.microsoft.com/office/powerpoint/2010/main" val="1522954641"/>
+        <p14:creationId xmlns:p14="http://schemas.microsoft.com/office/powerpoint/2010/main" val="3911011551"/>
       </p:ext>
     </p:extLst>
   </p:cSld>
@@ -7519,7 +7920,7 @@
           <p:cNvPr id="2" name="Nadpis 1">
             <a:extLst>
               <a:ext uri="{FF2B5EF4-FFF2-40B4-BE49-F238E27FC236}">
-                <a16:creationId xmlns:a16="http://schemas.microsoft.com/office/drawing/2014/main" id="{120C38B5-3E8B-FAF7-6BC4-F0FF6CBF9C62}"/>
+                <a16:creationId xmlns:a16="http://schemas.microsoft.com/office/drawing/2014/main" id="{1DAE8EEF-A8E3-7715-AFB6-95DC0A8C1C09}"/>
               </a:ext>
             </a:extLst>
           </p:cNvPr>
@@ -7537,85 +7938,162 @@
           <a:p>
             <a:r>
               <a:rPr lang="cs-CZ" dirty="0"/>
-              <a:t>Webový server: </a:t>
+              <a:t>Architektura (oddělení částí)</a:t>
+            </a:r>
+          </a:p>
+        </p:txBody>
+      </p:sp>
+      <p:sp>
+        <p:nvSpPr>
+          <p:cNvPr id="3" name="Zástupný obsah 2">
+            <a:extLst>
+              <a:ext uri="{FF2B5EF4-FFF2-40B4-BE49-F238E27FC236}">
+                <a16:creationId xmlns:a16="http://schemas.microsoft.com/office/drawing/2014/main" id="{BC2CC5E6-6241-7CB7-60C1-9B319AB7DCEE}"/>
+              </a:ext>
+            </a:extLst>
+          </p:cNvPr>
+          <p:cNvSpPr>
+            <a:spLocks noGrp="1"/>
+          </p:cNvSpPr>
+          <p:nvPr>
+            <p:ph idx="1"/>
+          </p:nvPr>
+        </p:nvSpPr>
+        <p:spPr/>
+        <p:txBody>
+          <a:bodyPr>
+            <a:normAutofit lnSpcReduction="10000"/>
+          </a:bodyPr>
+          <a:lstStyle/>
+          <a:p>
+            <a:r>
+              <a:rPr lang="cs-CZ" dirty="0"/>
+              <a:t>Herní klient (</a:t>
             </a:r>
             <a:r>
               <a:rPr lang="cs-CZ" dirty="0" err="1"/>
-              <a:t>endpoints</a:t>
-            </a:r>
-            <a:r>
-              <a:rPr lang="cs-CZ" dirty="0"/>
-              <a:t> a tok přihlášení</a:t>
-            </a:r>
-          </a:p>
-        </p:txBody>
-      </p:sp>
-      <p:sp>
-        <p:nvSpPr>
-          <p:cNvPr id="3" name="Zástupný obsah 2">
-            <a:extLst>
-              <a:ext uri="{FF2B5EF4-FFF2-40B4-BE49-F238E27FC236}">
-                <a16:creationId xmlns:a16="http://schemas.microsoft.com/office/drawing/2014/main" id="{7C140E51-C4FF-6BBB-BAC0-C68D60F34526}"/>
-              </a:ext>
-            </a:extLst>
-          </p:cNvPr>
-          <p:cNvSpPr>
-            <a:spLocks noGrp="1"/>
-          </p:cNvSpPr>
-          <p:nvPr>
-            <p:ph idx="1"/>
-          </p:nvPr>
-        </p:nvSpPr>
-        <p:spPr/>
-        <p:txBody>
-          <a:bodyPr>
-            <a:noAutofit/>
-          </a:bodyPr>
-          <a:lstStyle/>
-          <a:p>
-            <a:r>
-              <a:rPr lang="cs-CZ" sz="2800" dirty="0"/>
-              <a:t>/setup</a:t>
+              <a:t>Pygame</a:t>
+            </a:r>
+            <a:r>
+              <a:rPr lang="cs-CZ" dirty="0"/>
+              <a:t>)</a:t>
             </a:r>
           </a:p>
           <a:p>
             <a:pPr lvl="1"/>
             <a:r>
-              <a:rPr lang="cs-CZ" sz="2800" dirty="0"/>
-              <a:t>registrace prvního uživatele (pokud DB je prázdná)</a:t>
-            </a:r>
-          </a:p>
-          <a:p>
-            <a:r>
-              <a:rPr lang="cs-CZ" sz="2800" dirty="0"/>
-              <a:t>/login</a:t>
+              <a:rPr lang="cs-CZ" dirty="0"/>
+              <a:t>vykresluje login </a:t>
+            </a:r>
+            <a:r>
+              <a:rPr lang="cs-CZ" dirty="0" err="1"/>
+              <a:t>gate</a:t>
+            </a:r>
+            <a:r>
+              <a:rPr lang="cs-CZ" dirty="0"/>
+              <a:t> obrazovku</a:t>
             </a:r>
           </a:p>
           <a:p>
             <a:pPr lvl="1"/>
             <a:r>
-              <a:rPr lang="cs-CZ" sz="2800" dirty="0"/>
-              <a:t>přihlášení uživatele podle údajů v DB</a:t>
-            </a:r>
-          </a:p>
-          <a:p>
-            <a:r>
-              <a:rPr lang="cs-CZ" sz="2800" dirty="0"/>
-              <a:t>/play</a:t>
+              <a:rPr lang="cs-CZ" dirty="0"/>
+              <a:t>čeká na signál “uživatel je </a:t>
+            </a:r>
+            <a:r>
+              <a:rPr lang="cs-CZ" dirty="0" err="1"/>
+              <a:t>přihláše</a:t>
+            </a:r>
+            <a:endParaRPr lang="cs-CZ" dirty="0"/>
+          </a:p>
+          <a:p>
+            <a:r>
+              <a:rPr lang="cs-CZ" dirty="0"/>
+              <a:t>”Web server (</a:t>
+            </a:r>
+            <a:r>
+              <a:rPr lang="cs-CZ" dirty="0" err="1"/>
+              <a:t>Flask</a:t>
+            </a:r>
+            <a:r>
+              <a:rPr lang="cs-CZ" dirty="0"/>
+              <a:t>) – lokální</a:t>
             </a:r>
           </a:p>
           <a:p>
             <a:pPr lvl="1"/>
             <a:r>
-              <a:rPr lang="cs-CZ" sz="2800" dirty="0"/>
-              <a:t>potvrdí dokončení přihlášení a vrátí uživatele do hry</a:t>
+              <a:rPr lang="cs-CZ" dirty="0"/>
+              <a:t>poskytuje stránky /setup, /login, /play</a:t>
             </a:r>
           </a:p>
           <a:p>
             <a:pPr lvl="1"/>
             <a:r>
-              <a:rPr lang="cs-CZ" sz="2800" dirty="0"/>
-              <a:t>nastaví signalizaci pro klienta (AUTH_EVENT)</a:t>
+              <a:rPr lang="cs-CZ" dirty="0"/>
+              <a:t>řeší validaci, </a:t>
+            </a:r>
+            <a:r>
+              <a:rPr lang="cs-CZ" dirty="0" err="1"/>
+              <a:t>hashování</a:t>
+            </a:r>
+            <a:r>
+              <a:rPr lang="cs-CZ" dirty="0"/>
+              <a:t> hesel, práci s DB</a:t>
+            </a:r>
+          </a:p>
+          <a:p>
+            <a:r>
+              <a:rPr lang="cs-CZ" dirty="0"/>
+              <a:t>Databáze uživatelů (</a:t>
+            </a:r>
+            <a:r>
+              <a:rPr lang="cs-CZ" dirty="0" err="1"/>
+              <a:t>SQLite</a:t>
+            </a:r>
+            <a:r>
+              <a:rPr lang="cs-CZ" dirty="0"/>
+              <a:t>)</a:t>
+            </a:r>
+          </a:p>
+          <a:p>
+            <a:pPr lvl="1"/>
+            <a:r>
+              <a:rPr lang="cs-CZ" dirty="0"/>
+              <a:t>ukládá účty a bezpečnostní údaje</a:t>
+            </a:r>
+          </a:p>
+          <a:p>
+            <a:r>
+              <a:rPr lang="cs-CZ" dirty="0"/>
+              <a:t>Telemetrie </a:t>
+            </a:r>
+          </a:p>
+          <a:p>
+            <a:pPr lvl="1"/>
+            <a:r>
+              <a:rPr lang="cs-CZ" dirty="0"/>
+              <a:t>samostatná DB (</a:t>
+            </a:r>
+            <a:r>
+              <a:rPr lang="cs-CZ" dirty="0" err="1"/>
+              <a:t>telemetry.db</a:t>
+            </a:r>
+            <a:r>
+              <a:rPr lang="cs-CZ" dirty="0"/>
+              <a:t>) + samostatný </a:t>
+            </a:r>
+            <a:r>
+              <a:rPr lang="cs-CZ" dirty="0" err="1"/>
+              <a:t>endpoint</a:t>
+            </a:r>
+            <a:endParaRPr lang="cs-CZ" dirty="0"/>
+          </a:p>
+          <a:p>
+            <a:pPr lvl="1"/>
+            <a:r>
+              <a:rPr lang="cs-CZ" dirty="0"/>
+              <a:t>respektuje souhlas uživatele</a:t>
             </a:r>
           </a:p>
         </p:txBody>
@@ -7623,7 +8101,7 @@
     </p:spTree>
     <p:extLst>
       <p:ext uri="{BB962C8B-B14F-4D97-AF65-F5344CB8AC3E}">
-        <p14:creationId xmlns:p14="http://schemas.microsoft.com/office/powerpoint/2010/main" val="2380029461"/>
+        <p14:creationId xmlns:p14="http://schemas.microsoft.com/office/powerpoint/2010/main" val="3171767657"/>
       </p:ext>
     </p:extLst>
   </p:cSld>
@@ -7655,7 +8133,7 @@
           <p:cNvPr id="2" name="Nadpis 1">
             <a:extLst>
               <a:ext uri="{FF2B5EF4-FFF2-40B4-BE49-F238E27FC236}">
-                <a16:creationId xmlns:a16="http://schemas.microsoft.com/office/drawing/2014/main" id="{5EAE59AA-6E38-0FAB-A299-C67F295DF66E}"/>
+                <a16:creationId xmlns:a16="http://schemas.microsoft.com/office/drawing/2014/main" id="{6A2983B4-5AAC-ED9F-2459-B882F454A705}"/>
               </a:ext>
             </a:extLst>
           </p:cNvPr>
@@ -7673,7 +8151,15 @@
           <a:p>
             <a:r>
               <a:rPr lang="cs-CZ" dirty="0"/>
-              <a:t>Databáze účtů: typ a umístění</a:t>
+              <a:t>Login </a:t>
+            </a:r>
+            <a:r>
+              <a:rPr lang="cs-CZ" dirty="0" err="1"/>
+              <a:t>gate</a:t>
+            </a:r>
+            <a:r>
+              <a:rPr lang="cs-CZ" dirty="0"/>
+              <a:t>: hra bez přihlášení neběží</a:t>
             </a:r>
           </a:p>
         </p:txBody>
@@ -7683,7 +8169,7 @@
           <p:cNvPr id="3" name="Zástupný obsah 2">
             <a:extLst>
               <a:ext uri="{FF2B5EF4-FFF2-40B4-BE49-F238E27FC236}">
-                <a16:creationId xmlns:a16="http://schemas.microsoft.com/office/drawing/2014/main" id="{F05B33BF-7F29-1E75-386E-91DBC27EAAB0}"/>
+                <a16:creationId xmlns:a16="http://schemas.microsoft.com/office/drawing/2014/main" id="{1B841A40-8715-3941-EAB4-9E8D06B2DA63}"/>
               </a:ext>
             </a:extLst>
           </p:cNvPr>
@@ -7696,126 +8182,55 @@
         </p:nvSpPr>
         <p:spPr/>
         <p:txBody>
-          <a:bodyPr/>
-          <a:lstStyle/>
-          <a:p>
-            <a:r>
-              <a:rPr lang="cs-CZ" dirty="0"/>
-              <a:t>Použitá DB: </a:t>
-            </a:r>
-            <a:r>
-              <a:rPr lang="cs-CZ" b="1" dirty="0" err="1"/>
-              <a:t>SQLite</a:t>
-            </a:r>
-            <a:r>
-              <a:rPr lang="cs-CZ" dirty="0"/>
-              <a:t> (lokální soubor).</a:t>
-            </a:r>
-          </a:p>
-          <a:p>
-            <a:r>
-              <a:rPr lang="cs-CZ" dirty="0"/>
-              <a:t>Cesta DB: </a:t>
-            </a:r>
-            <a:r>
-              <a:rPr lang="cs-CZ" dirty="0" err="1"/>
-              <a:t>tetris_users</a:t>
-            </a:r>
-            <a:r>
-              <a:rPr lang="cs-CZ" dirty="0"/>
-              <a:t> (soubor v adresáři projektu).</a:t>
-            </a:r>
-          </a:p>
-          <a:p>
-            <a:r>
-              <a:rPr lang="cs-CZ" dirty="0"/>
-              <a:t>Tabulka: </a:t>
-            </a:r>
-            <a:r>
-              <a:rPr lang="cs-CZ" dirty="0" err="1"/>
-              <a:t>users</a:t>
-            </a:r>
-            <a:endParaRPr lang="cs-CZ" dirty="0"/>
+          <a:bodyPr>
+            <a:normAutofit/>
+          </a:bodyPr>
+          <a:lstStyle/>
+          <a:p>
+            <a:r>
+              <a:rPr lang="cs-CZ" sz="2800" dirty="0"/>
+              <a:t>Po startu se spustí lokální login server a otevře prohlížeč.</a:t>
+            </a:r>
+          </a:p>
+          <a:p>
+            <a:r>
+              <a:rPr lang="cs-CZ" sz="2800" dirty="0" err="1"/>
+              <a:t>Pygame</a:t>
+            </a:r>
+            <a:r>
+              <a:rPr lang="cs-CZ" sz="2800" dirty="0"/>
+              <a:t> zobrazuje “Čekám na přihlášení” a nepustí uživatele dál.</a:t>
+            </a:r>
+          </a:p>
+          <a:p>
+            <a:r>
+              <a:rPr lang="cs-CZ" sz="2800" dirty="0"/>
+              <a:t>Hra pokračuje až ve chvíli, kdy web server nastaví interní signalizaci:</a:t>
+            </a:r>
           </a:p>
           <a:p>
             <a:pPr lvl="1"/>
             <a:r>
-              <a:rPr lang="cs-CZ" dirty="0"/>
-              <a:t>id (PRIMARY KEY, </a:t>
-            </a:r>
-            <a:r>
-              <a:rPr lang="cs-CZ" dirty="0" err="1"/>
-              <a:t>autoincrement</a:t>
-            </a:r>
-            <a:r>
-              <a:rPr lang="cs-CZ" dirty="0"/>
-              <a:t>)</a:t>
-            </a:r>
-          </a:p>
-          <a:p>
-            <a:pPr lvl="1"/>
-            <a:r>
-              <a:rPr lang="cs-CZ" dirty="0" err="1"/>
-              <a:t>username</a:t>
-            </a:r>
-            <a:r>
-              <a:rPr lang="cs-CZ" dirty="0"/>
-              <a:t> (unikátní)</a:t>
-            </a:r>
-          </a:p>
-          <a:p>
-            <a:pPr lvl="1"/>
-            <a:r>
-              <a:rPr lang="cs-CZ" dirty="0" err="1"/>
-              <a:t>pwd_hash</a:t>
-            </a:r>
-            <a:r>
-              <a:rPr lang="cs-CZ" dirty="0"/>
-              <a:t> (PBKDF2 </a:t>
-            </a:r>
-            <a:r>
-              <a:rPr lang="cs-CZ" dirty="0" err="1"/>
-              <a:t>hash</a:t>
-            </a:r>
-            <a:r>
-              <a:rPr lang="cs-CZ" dirty="0"/>
-              <a:t>)</a:t>
-            </a:r>
-          </a:p>
-          <a:p>
-            <a:pPr lvl="1"/>
-            <a:r>
-              <a:rPr lang="cs-CZ" dirty="0"/>
-              <a:t>salt (náhodná sůl)</a:t>
-            </a:r>
-          </a:p>
-          <a:p>
-            <a:pPr lvl="1"/>
-            <a:r>
-              <a:rPr lang="cs-CZ" dirty="0" err="1"/>
-              <a:t>highscore</a:t>
-            </a:r>
-            <a:r>
-              <a:rPr lang="cs-CZ" dirty="0"/>
-              <a:t> (přidáno přes ALTER, pokud chybí)</a:t>
-            </a:r>
-          </a:p>
-          <a:p>
-            <a:r>
-              <a:rPr lang="cs-CZ" dirty="0"/>
-              <a:t>Důležité: herní klient </a:t>
-            </a:r>
-            <a:r>
-              <a:rPr lang="cs-CZ" b="1" dirty="0"/>
-              <a:t>nečte hesla ani </a:t>
-            </a:r>
-            <a:r>
-              <a:rPr lang="cs-CZ" b="1" dirty="0" err="1"/>
-              <a:t>hash</a:t>
-            </a:r>
-            <a:r>
-              <a:rPr lang="cs-CZ" dirty="0"/>
-              <a:t> — vše řeší server.</a:t>
+              <a:rPr lang="cs-CZ" sz="2800" dirty="0" err="1"/>
+              <a:t>AUTH_EVENT.set</a:t>
+            </a:r>
+            <a:r>
+              <a:rPr lang="cs-CZ" sz="2800" dirty="0"/>
+              <a:t>() po kliknutí na „Chci hrát“ (POST /play)</a:t>
+            </a:r>
+          </a:p>
+          <a:p>
+            <a:r>
+              <a:rPr lang="cs-CZ" sz="2800" dirty="0"/>
+              <a:t>Bez tohoto kroku se </a:t>
+            </a:r>
+            <a:r>
+              <a:rPr lang="cs-CZ" sz="2800" dirty="0" err="1"/>
+              <a:t>main</a:t>
+            </a:r>
+            <a:r>
+              <a:rPr lang="cs-CZ" sz="2800" dirty="0"/>
+              <a:t> menu ani hra vůbec nespustí.</a:t>
             </a:r>
           </a:p>
         </p:txBody>
@@ -7823,7 +8238,7 @@
     </p:spTree>
     <p:extLst>
       <p:ext uri="{BB962C8B-B14F-4D97-AF65-F5344CB8AC3E}">
-        <p14:creationId xmlns:p14="http://schemas.microsoft.com/office/powerpoint/2010/main" val="469801323"/>
+        <p14:creationId xmlns:p14="http://schemas.microsoft.com/office/powerpoint/2010/main" val="1522954641"/>
       </p:ext>
     </p:extLst>
   </p:cSld>

--- a/Tetris hra - zabezpečení.pptx
+++ b/Tetris hra - zabezpečení.pptx
@@ -16,22 +16,24 @@
     <p:sldId id="261" r:id="rId10"/>
     <p:sldId id="262" r:id="rId11"/>
     <p:sldId id="263" r:id="rId12"/>
-    <p:sldId id="264" r:id="rId13"/>
-    <p:sldId id="265" r:id="rId14"/>
-    <p:sldId id="266" r:id="rId15"/>
-    <p:sldId id="275" r:id="rId16"/>
-    <p:sldId id="267" r:id="rId17"/>
-    <p:sldId id="268" r:id="rId18"/>
-    <p:sldId id="269" r:id="rId19"/>
-    <p:sldId id="270" r:id="rId20"/>
-    <p:sldId id="271" r:id="rId21"/>
-    <p:sldId id="272" r:id="rId22"/>
-    <p:sldId id="274" r:id="rId23"/>
-    <p:sldId id="273" r:id="rId24"/>
-    <p:sldId id="276" r:id="rId25"/>
-    <p:sldId id="277" r:id="rId26"/>
-    <p:sldId id="278" r:id="rId27"/>
-    <p:sldId id="279" r:id="rId28"/>
+    <p:sldId id="283" r:id="rId13"/>
+    <p:sldId id="264" r:id="rId14"/>
+    <p:sldId id="265" r:id="rId15"/>
+    <p:sldId id="266" r:id="rId16"/>
+    <p:sldId id="275" r:id="rId17"/>
+    <p:sldId id="267" r:id="rId18"/>
+    <p:sldId id="268" r:id="rId19"/>
+    <p:sldId id="269" r:id="rId20"/>
+    <p:sldId id="270" r:id="rId21"/>
+    <p:sldId id="271" r:id="rId22"/>
+    <p:sldId id="272" r:id="rId23"/>
+    <p:sldId id="284" r:id="rId24"/>
+    <p:sldId id="274" r:id="rId25"/>
+    <p:sldId id="273" r:id="rId26"/>
+    <p:sldId id="276" r:id="rId27"/>
+    <p:sldId id="277" r:id="rId28"/>
+    <p:sldId id="278" r:id="rId29"/>
+    <p:sldId id="279" r:id="rId30"/>
   </p:sldIdLst>
   <p:sldSz cx="12192000" cy="6858000"/>
   <p:notesSz cx="6858000" cy="9144000"/>
@@ -4407,155 +4409,40 @@
           <a:chExt cx="0" cy="0"/>
         </a:xfrm>
       </p:grpSpPr>
-      <p:sp>
-        <p:nvSpPr>
-          <p:cNvPr id="2" name="Nadpis 1">
-            <a:extLst>
-              <a:ext uri="{FF2B5EF4-FFF2-40B4-BE49-F238E27FC236}">
-                <a16:creationId xmlns:a16="http://schemas.microsoft.com/office/drawing/2014/main" id="{653AEC8B-F78A-7026-4763-A9B712E58DE3}"/>
-              </a:ext>
-            </a:extLst>
-          </p:cNvPr>
-          <p:cNvSpPr>
-            <a:spLocks noGrp="1"/>
-          </p:cNvSpPr>
-          <p:nvPr>
-            <p:ph type="title"/>
-          </p:nvPr>
-        </p:nvSpPr>
-        <p:spPr/>
-        <p:txBody>
-          <a:bodyPr/>
-          <a:lstStyle/>
-          <a:p>
-            <a:r>
-              <a:rPr lang="cs-CZ" dirty="0"/>
-              <a:t>Session / autentizační stav</a:t>
-            </a:r>
-          </a:p>
-        </p:txBody>
-      </p:sp>
-      <p:sp>
-        <p:nvSpPr>
-          <p:cNvPr id="3" name="Zástupný obsah 2">
-            <a:extLst>
-              <a:ext uri="{FF2B5EF4-FFF2-40B4-BE49-F238E27FC236}">
-                <a16:creationId xmlns:a16="http://schemas.microsoft.com/office/drawing/2014/main" id="{F5D01C5D-F7F7-0F9F-F834-1FF9A7973833}"/>
-              </a:ext>
-            </a:extLst>
-          </p:cNvPr>
-          <p:cNvSpPr>
-            <a:spLocks noGrp="1"/>
-          </p:cNvSpPr>
-          <p:nvPr>
-            <p:ph idx="1"/>
-          </p:nvPr>
-        </p:nvSpPr>
-        <p:spPr/>
-        <p:txBody>
-          <a:bodyPr>
-            <a:noAutofit/>
-          </a:bodyPr>
-          <a:lstStyle/>
-          <a:p>
-            <a:r>
-              <a:rPr lang="cs-CZ" sz="2400" dirty="0"/>
-              <a:t>Po úspěšném loginu server generuje AUTH_TOKEN.</a:t>
-            </a:r>
-          </a:p>
-          <a:p>
-            <a:r>
-              <a:rPr lang="cs-CZ" sz="2400" dirty="0"/>
-              <a:t>Token je uložen do </a:t>
-            </a:r>
-            <a:r>
-              <a:rPr lang="cs-CZ" sz="2400" dirty="0" err="1"/>
-              <a:t>cookie</a:t>
-            </a:r>
-            <a:r>
-              <a:rPr lang="cs-CZ" sz="2400" dirty="0"/>
-              <a:t>:</a:t>
-            </a:r>
-          </a:p>
-          <a:p>
-            <a:pPr lvl="1"/>
-            <a:r>
-              <a:rPr lang="cs-CZ" sz="2400" dirty="0" err="1"/>
-              <a:t>httponly</a:t>
-            </a:r>
-            <a:r>
-              <a:rPr lang="cs-CZ" sz="2400" dirty="0"/>
-              <a:t>=</a:t>
-            </a:r>
-            <a:r>
-              <a:rPr lang="cs-CZ" sz="2400" dirty="0" err="1"/>
-              <a:t>True</a:t>
-            </a:r>
-            <a:r>
-              <a:rPr lang="cs-CZ" sz="2400" dirty="0"/>
-              <a:t> (JS se k němu nedostane)</a:t>
-            </a:r>
-          </a:p>
-          <a:p>
-            <a:pPr lvl="1"/>
-            <a:r>
-              <a:rPr lang="cs-CZ" sz="2400" dirty="0" err="1"/>
-              <a:t>samesite</a:t>
-            </a:r>
-            <a:r>
-              <a:rPr lang="cs-CZ" sz="2400" dirty="0"/>
-              <a:t>="</a:t>
-            </a:r>
-            <a:r>
-              <a:rPr lang="cs-CZ" sz="2400" dirty="0" err="1"/>
-              <a:t>Lax</a:t>
-            </a:r>
-            <a:r>
-              <a:rPr lang="cs-CZ" sz="2400" dirty="0"/>
-              <a:t>" (omezení CSRF v běžných </a:t>
-            </a:r>
-            <a:r>
-              <a:rPr lang="cs-CZ" sz="2400" dirty="0" err="1"/>
-              <a:t>scénáříc</a:t>
-            </a:r>
-            <a:r>
-              <a:rPr lang="cs-CZ" sz="2400" dirty="0"/>
-              <a:t>)</a:t>
-            </a:r>
-          </a:p>
-          <a:p>
-            <a:r>
-              <a:rPr lang="cs-CZ" sz="2400" dirty="0"/>
-              <a:t>Herní klient ale reálně “odemyká” hru signálem:</a:t>
-            </a:r>
-          </a:p>
-          <a:p>
-            <a:pPr lvl="1"/>
-            <a:r>
-              <a:rPr lang="cs-CZ" sz="2400" dirty="0"/>
-              <a:t>AUTH_EVENT (interní synchronizace procesu)</a:t>
-            </a:r>
-          </a:p>
-          <a:p>
-            <a:r>
-              <a:rPr lang="cs-CZ" sz="2400" dirty="0"/>
-              <a:t>CURRENT_USER drží informace o uživateli (např. id, </a:t>
-            </a:r>
-            <a:r>
-              <a:rPr lang="cs-CZ" sz="2400" dirty="0" err="1"/>
-              <a:t>username</a:t>
-            </a:r>
-            <a:r>
-              <a:rPr lang="cs-CZ" sz="2400" dirty="0"/>
-              <a:t>) pro UI a ukládání skóre.</a:t>
-            </a:r>
-          </a:p>
-        </p:txBody>
-      </p:sp>
+      <p:pic>
+        <p:nvPicPr>
+          <p:cNvPr id="5" name="Obrázek 4" descr="Obsah obrázku text, snímek obrazovky, software, displej&#10;&#10;Obsah generovaný pomocí AI může být nesprávný.">
+            <a:extLst>
+              <a:ext uri="{FF2B5EF4-FFF2-40B4-BE49-F238E27FC236}">
+                <a16:creationId xmlns:a16="http://schemas.microsoft.com/office/drawing/2014/main" id="{E9D9CDB9-4E4A-451A-AFA8-4EC48F65819B}"/>
+              </a:ext>
+            </a:extLst>
+          </p:cNvPr>
+          <p:cNvPicPr>
+            <a:picLocks noChangeAspect="1"/>
+          </p:cNvPicPr>
+          <p:nvPr/>
+        </p:nvPicPr>
+        <p:blipFill>
+          <a:blip r:embed="rId2"/>
+          <a:stretch>
+            <a:fillRect/>
+          </a:stretch>
+        </p:blipFill>
+        <p:spPr>
+          <a:xfrm>
+            <a:off x="2128388" y="1025748"/>
+            <a:ext cx="7935224" cy="5442904"/>
+          </a:xfrm>
+          <a:prstGeom prst="rect">
+            <a:avLst/>
+          </a:prstGeom>
+        </p:spPr>
+      </p:pic>
     </p:spTree>
     <p:extLst>
       <p:ext uri="{BB962C8B-B14F-4D97-AF65-F5344CB8AC3E}">
-        <p14:creationId xmlns:p14="http://schemas.microsoft.com/office/powerpoint/2010/main" val="1598728091"/>
+        <p14:creationId xmlns:p14="http://schemas.microsoft.com/office/powerpoint/2010/main" val="2438010014"/>
       </p:ext>
     </p:extLst>
   </p:cSld>
@@ -4587,7 +4474,7 @@
           <p:cNvPr id="2" name="Nadpis 1">
             <a:extLst>
               <a:ext uri="{FF2B5EF4-FFF2-40B4-BE49-F238E27FC236}">
-                <a16:creationId xmlns:a16="http://schemas.microsoft.com/office/drawing/2014/main" id="{968F74B8-56D3-E6C9-030E-05420D152D2A}"/>
+                <a16:creationId xmlns:a16="http://schemas.microsoft.com/office/drawing/2014/main" id="{653AEC8B-F78A-7026-4763-A9B712E58DE3}"/>
               </a:ext>
             </a:extLst>
           </p:cNvPr>
@@ -4605,7 +4492,7 @@
           <a:p>
             <a:r>
               <a:rPr lang="cs-CZ" dirty="0"/>
-              <a:t>Proč je to „zabezpečené“ (shrnutí přínosů)</a:t>
+              <a:t>Session / autentizační stav</a:t>
             </a:r>
           </a:p>
         </p:txBody>
@@ -4615,7 +4502,7 @@
           <p:cNvPr id="3" name="Zástupný obsah 2">
             <a:extLst>
               <a:ext uri="{FF2B5EF4-FFF2-40B4-BE49-F238E27FC236}">
-                <a16:creationId xmlns:a16="http://schemas.microsoft.com/office/drawing/2014/main" id="{43A3A778-79AE-74CE-0E48-74E033DE279C}"/>
+                <a16:creationId xmlns:a16="http://schemas.microsoft.com/office/drawing/2014/main" id="{F5D01C5D-F7F7-0F9F-F834-1FF9A7973833}"/>
               </a:ext>
             </a:extLst>
           </p:cNvPr>
@@ -4628,64 +4515,101 @@
         </p:nvSpPr>
         <p:spPr/>
         <p:txBody>
-          <a:bodyPr/>
-          <a:lstStyle/>
-          <a:p>
-            <a:r>
-              <a:rPr lang="cs-CZ" dirty="0"/>
-              <a:t>Hra je chráněná přístupem: bez registrace/přihlášení se nedá hrát.</a:t>
-            </a:r>
-          </a:p>
-          <a:p>
-            <a:r>
-              <a:rPr lang="cs-CZ" dirty="0"/>
-              <a:t>Hesla jsou bezpečně </a:t>
-            </a:r>
-            <a:r>
-              <a:rPr lang="cs-CZ" dirty="0" err="1"/>
-              <a:t>uložená:salted</a:t>
-            </a:r>
-            <a:r>
-              <a:rPr lang="cs-CZ" dirty="0"/>
-              <a:t> PBKDF2 (200k iterací)</a:t>
-            </a:r>
-            <a:r>
-              <a:rPr lang="cs-CZ" dirty="0" err="1"/>
-              <a:t>constant-time</a:t>
-            </a:r>
-            <a:r>
-              <a:rPr lang="cs-CZ" dirty="0"/>
-              <a:t> porovnání</a:t>
-            </a:r>
-          </a:p>
-          <a:p>
-            <a:r>
-              <a:rPr lang="cs-CZ" dirty="0"/>
-              <a:t>Web server je oddělený </a:t>
-            </a:r>
-            <a:r>
-              <a:rPr lang="cs-CZ" dirty="0" err="1"/>
-              <a:t>modul:herní</a:t>
-            </a:r>
-            <a:r>
-              <a:rPr lang="cs-CZ" dirty="0"/>
-              <a:t> klient nemusí znát DB strukturu ani hesla</a:t>
-            </a:r>
-          </a:p>
-          <a:p>
-            <a:r>
-              <a:rPr lang="cs-CZ" dirty="0"/>
-              <a:t>Data jsou oddělená podle účelu:</a:t>
-            </a:r>
-          </a:p>
-          <a:p>
-            <a:endParaRPr lang="cs-CZ" dirty="0"/>
-          </a:p>
-          <a:p>
-            <a:pPr algn="ctr"/>
-            <a:r>
-              <a:rPr lang="cs-CZ" sz="3600" dirty="0"/>
-              <a:t>login DB ≠ telemetrie DB ≠ herní logika</a:t>
+          <a:bodyPr>
+            <a:noAutofit/>
+          </a:bodyPr>
+          <a:lstStyle/>
+          <a:p>
+            <a:r>
+              <a:rPr lang="cs-CZ" sz="2400" dirty="0"/>
+              <a:t>Po úspěšném loginu server generuje AUTH_TOKEN.</a:t>
+            </a:r>
+          </a:p>
+          <a:p>
+            <a:r>
+              <a:rPr lang="cs-CZ" sz="2400" dirty="0"/>
+              <a:t>Token je uložen do </a:t>
+            </a:r>
+            <a:r>
+              <a:rPr lang="cs-CZ" sz="2400" dirty="0" err="1"/>
+              <a:t>cookie</a:t>
+            </a:r>
+            <a:r>
+              <a:rPr lang="cs-CZ" sz="2400" dirty="0"/>
+              <a:t>:</a:t>
+            </a:r>
+          </a:p>
+          <a:p>
+            <a:pPr lvl="1"/>
+            <a:r>
+              <a:rPr lang="cs-CZ" sz="2400" dirty="0" err="1"/>
+              <a:t>httponly</a:t>
+            </a:r>
+            <a:r>
+              <a:rPr lang="cs-CZ" sz="2400" dirty="0"/>
+              <a:t>=</a:t>
+            </a:r>
+            <a:r>
+              <a:rPr lang="cs-CZ" sz="2400" dirty="0" err="1"/>
+              <a:t>True</a:t>
+            </a:r>
+            <a:r>
+              <a:rPr lang="cs-CZ" sz="2400" dirty="0"/>
+              <a:t> (JS se k němu nedostane)</a:t>
+            </a:r>
+          </a:p>
+          <a:p>
+            <a:pPr lvl="1"/>
+            <a:r>
+              <a:rPr lang="cs-CZ" sz="2400" dirty="0" err="1"/>
+              <a:t>samesite</a:t>
+            </a:r>
+            <a:r>
+              <a:rPr lang="cs-CZ" sz="2400" dirty="0"/>
+              <a:t>="</a:t>
+            </a:r>
+            <a:r>
+              <a:rPr lang="cs-CZ" sz="2400" dirty="0" err="1"/>
+              <a:t>Lax</a:t>
+            </a:r>
+            <a:r>
+              <a:rPr lang="cs-CZ" sz="2400" dirty="0"/>
+              <a:t>" (omezení CSRF v běžných </a:t>
+            </a:r>
+            <a:r>
+              <a:rPr lang="cs-CZ" sz="2400" dirty="0" err="1"/>
+              <a:t>scénáříc</a:t>
+            </a:r>
+            <a:r>
+              <a:rPr lang="cs-CZ" sz="2400" dirty="0"/>
+              <a:t>)</a:t>
+            </a:r>
+          </a:p>
+          <a:p>
+            <a:r>
+              <a:rPr lang="cs-CZ" sz="2400" dirty="0"/>
+              <a:t>Herní klient ale reálně “odemyká” hru signálem:</a:t>
+            </a:r>
+          </a:p>
+          <a:p>
+            <a:pPr lvl="1"/>
+            <a:r>
+              <a:rPr lang="cs-CZ" sz="2400" dirty="0"/>
+              <a:t>AUTH_EVENT (interní synchronizace procesu)</a:t>
+            </a:r>
+          </a:p>
+          <a:p>
+            <a:r>
+              <a:rPr lang="cs-CZ" sz="2400" dirty="0"/>
+              <a:t>CURRENT_USER drží informace o uživateli (např. id, </a:t>
+            </a:r>
+            <a:r>
+              <a:rPr lang="cs-CZ" sz="2400" dirty="0" err="1"/>
+              <a:t>username</a:t>
+            </a:r>
+            <a:r>
+              <a:rPr lang="cs-CZ" sz="2400" dirty="0"/>
+              <a:t>) pro UI a ukládání skóre.</a:t>
             </a:r>
           </a:p>
         </p:txBody>
@@ -4693,7 +4617,7 @@
     </p:spTree>
     <p:extLst>
       <p:ext uri="{BB962C8B-B14F-4D97-AF65-F5344CB8AC3E}">
-        <p14:creationId xmlns:p14="http://schemas.microsoft.com/office/powerpoint/2010/main" val="2809746986"/>
+        <p14:creationId xmlns:p14="http://schemas.microsoft.com/office/powerpoint/2010/main" val="1598728091"/>
       </p:ext>
     </p:extLst>
   </p:cSld>
@@ -4725,7 +4649,7 @@
           <p:cNvPr id="2" name="Nadpis 1">
             <a:extLst>
               <a:ext uri="{FF2B5EF4-FFF2-40B4-BE49-F238E27FC236}">
-                <a16:creationId xmlns:a16="http://schemas.microsoft.com/office/drawing/2014/main" id="{10A77A0B-763F-A9FB-E245-67AD9556A9C9}"/>
+                <a16:creationId xmlns:a16="http://schemas.microsoft.com/office/drawing/2014/main" id="{968F74B8-56D3-E6C9-030E-05420D152D2A}"/>
               </a:ext>
             </a:extLst>
           </p:cNvPr>
@@ -4742,208 +4666,96 @@
           <a:lstStyle/>
           <a:p>
             <a:r>
-              <a:rPr lang="en-AU" dirty="0"/>
-              <a:t>TELEMETRIE</a:t>
-            </a:r>
-            <a:r>
-              <a:rPr lang="cs-CZ" dirty="0"/>
-              <a:t> – S. </a:t>
+              <a:rPr lang="cs-CZ" dirty="0"/>
+              <a:t>Proč je to „zabezpečené“ (shrnutí přínosů)</a:t>
+            </a:r>
+          </a:p>
+        </p:txBody>
+      </p:sp>
+      <p:sp>
+        <p:nvSpPr>
+          <p:cNvPr id="3" name="Zástupný obsah 2">
+            <a:extLst>
+              <a:ext uri="{FF2B5EF4-FFF2-40B4-BE49-F238E27FC236}">
+                <a16:creationId xmlns:a16="http://schemas.microsoft.com/office/drawing/2014/main" id="{43A3A778-79AE-74CE-0E48-74E033DE279C}"/>
+              </a:ext>
+            </a:extLst>
+          </p:cNvPr>
+          <p:cNvSpPr>
+            <a:spLocks noGrp="1"/>
+          </p:cNvSpPr>
+          <p:nvPr>
+            <p:ph idx="1"/>
+          </p:nvPr>
+        </p:nvSpPr>
+        <p:spPr/>
+        <p:txBody>
+          <a:bodyPr/>
+          <a:lstStyle/>
+          <a:p>
+            <a:r>
+              <a:rPr lang="cs-CZ" dirty="0"/>
+              <a:t>Hra je chráněná přístupem: bez registrace/přihlášení se nedá hrát.</a:t>
+            </a:r>
+          </a:p>
+          <a:p>
+            <a:r>
+              <a:rPr lang="cs-CZ" dirty="0"/>
+              <a:t>Hesla jsou bezpečně </a:t>
             </a:r>
             <a:r>
               <a:rPr lang="cs-CZ" dirty="0" err="1"/>
-              <a:t>Reed</a:t>
-            </a:r>
+              <a:t>uložená:salted</a:t>
+            </a:r>
+            <a:r>
+              <a:rPr lang="cs-CZ" dirty="0"/>
+              <a:t> PBKDF2 (200k iterací)</a:t>
+            </a:r>
+            <a:r>
+              <a:rPr lang="cs-CZ" dirty="0" err="1"/>
+              <a:t>constant-time</a:t>
+            </a:r>
+            <a:r>
+              <a:rPr lang="cs-CZ" dirty="0"/>
+              <a:t> porovnání</a:t>
+            </a:r>
+          </a:p>
+          <a:p>
+            <a:r>
+              <a:rPr lang="cs-CZ" dirty="0"/>
+              <a:t>Web server je oddělený </a:t>
+            </a:r>
+            <a:r>
+              <a:rPr lang="cs-CZ" dirty="0" err="1"/>
+              <a:t>modul:herní</a:t>
+            </a:r>
+            <a:r>
+              <a:rPr lang="cs-CZ" dirty="0"/>
+              <a:t> klient nemusí znát DB strukturu ani hesla</a:t>
+            </a:r>
+          </a:p>
+          <a:p>
+            <a:r>
+              <a:rPr lang="cs-CZ" dirty="0"/>
+              <a:t>Data jsou oddělená podle účelu:</a:t>
+            </a:r>
+          </a:p>
+          <a:p>
             <a:endParaRPr lang="cs-CZ" dirty="0"/>
           </a:p>
-        </p:txBody>
-      </p:sp>
-      <p:sp>
-        <p:nvSpPr>
-          <p:cNvPr id="3" name="Zástupný obsah 2">
-            <a:extLst>
-              <a:ext uri="{FF2B5EF4-FFF2-40B4-BE49-F238E27FC236}">
-                <a16:creationId xmlns:a16="http://schemas.microsoft.com/office/drawing/2014/main" id="{D3107EA1-1E63-A76D-1397-A73D84B99D72}"/>
-              </a:ext>
-            </a:extLst>
-          </p:cNvPr>
-          <p:cNvSpPr>
-            <a:spLocks noGrp="1"/>
-          </p:cNvSpPr>
-          <p:nvPr>
-            <p:ph idx="1"/>
-          </p:nvPr>
-        </p:nvSpPr>
-        <p:spPr/>
-        <p:txBody>
-          <a:bodyPr>
-            <a:normAutofit/>
-          </a:bodyPr>
-          <a:lstStyle/>
           <a:p>
             <a:pPr algn="ctr"/>
             <a:r>
-              <a:rPr lang="en-AU" sz="3200" dirty="0" err="1"/>
-              <a:t>Jde</a:t>
-            </a:r>
-            <a:r>
-              <a:rPr lang="en-AU" sz="3200" dirty="0"/>
-              <a:t> o Flask telemetry server, </a:t>
-            </a:r>
-            <a:r>
-              <a:rPr lang="en-AU" sz="3200" dirty="0" err="1"/>
-              <a:t>který</a:t>
-            </a:r>
-            <a:r>
-              <a:rPr lang="en-AU" sz="3200" dirty="0"/>
-              <a:t> </a:t>
-            </a:r>
-            <a:r>
-              <a:rPr lang="en-AU" sz="3200" dirty="0" err="1"/>
-              <a:t>přijímá</a:t>
-            </a:r>
-            <a:r>
-              <a:rPr lang="en-AU" sz="3200" dirty="0"/>
-              <a:t> </a:t>
-            </a:r>
-            <a:r>
-              <a:rPr lang="en-AU" sz="3200" dirty="0" err="1"/>
-              <a:t>dávky</a:t>
-            </a:r>
-            <a:r>
-              <a:rPr lang="en-AU" sz="3200" dirty="0"/>
-              <a:t> </a:t>
-            </a:r>
-            <a:r>
-              <a:rPr lang="en-AU" sz="3200" dirty="0" err="1"/>
-              <a:t>událostí</a:t>
-            </a:r>
-            <a:r>
-              <a:rPr lang="en-AU" sz="3200" dirty="0"/>
-              <a:t> z </a:t>
-            </a:r>
-            <a:r>
-              <a:rPr lang="en-AU" sz="3200" dirty="0" err="1"/>
-              <a:t>klienta</a:t>
-            </a:r>
-            <a:r>
-              <a:rPr lang="en-AU" sz="3200" dirty="0"/>
-              <a:t> (</a:t>
-            </a:r>
-            <a:r>
-              <a:rPr lang="en-AU" sz="3200" dirty="0" err="1"/>
-              <a:t>hry</a:t>
-            </a:r>
-            <a:r>
-              <a:rPr lang="en-AU" sz="3200" dirty="0"/>
-              <a:t>) </a:t>
-            </a:r>
-            <a:r>
-              <a:rPr lang="en-AU" sz="3200" dirty="0" err="1"/>
-              <a:t>přes</a:t>
-            </a:r>
-            <a:r>
-              <a:rPr lang="en-AU" sz="3200" dirty="0"/>
-              <a:t> HTTP API.</a:t>
-            </a:r>
-          </a:p>
-          <a:p>
-            <a:pPr algn="ctr"/>
-            <a:endParaRPr lang="en-AU" sz="3200" dirty="0"/>
-          </a:p>
-          <a:p>
-            <a:pPr algn="ctr"/>
-            <a:r>
-              <a:rPr lang="en-AU" sz="3200" dirty="0"/>
-              <a:t> Server </a:t>
-            </a:r>
-            <a:r>
-              <a:rPr lang="en-AU" sz="3200" dirty="0" err="1"/>
-              <a:t>běží</a:t>
-            </a:r>
-            <a:r>
-              <a:rPr lang="en-AU" sz="3200" dirty="0"/>
-              <a:t> </a:t>
-            </a:r>
-            <a:r>
-              <a:rPr lang="en-AU" sz="3200" dirty="0" err="1"/>
-              <a:t>na</a:t>
-            </a:r>
-            <a:r>
-              <a:rPr lang="en-AU" sz="3200" dirty="0"/>
-              <a:t> </a:t>
-            </a:r>
-            <a:r>
-              <a:rPr lang="en-AU" sz="3200" dirty="0" err="1"/>
-              <a:t>hostu</a:t>
-            </a:r>
-            <a:r>
-              <a:rPr lang="en-AU" sz="3200" dirty="0"/>
-              <a:t>/</a:t>
-            </a:r>
-            <a:r>
-              <a:rPr lang="en-AU" sz="3200" dirty="0" err="1"/>
-              <a:t>portu</a:t>
-            </a:r>
-            <a:r>
-              <a:rPr lang="en-AU" sz="3200" dirty="0"/>
-              <a:t> z </a:t>
-            </a:r>
-            <a:r>
-              <a:rPr lang="en-AU" sz="3200" dirty="0" err="1"/>
-              <a:t>proměnných</a:t>
-            </a:r>
-            <a:r>
-              <a:rPr lang="en-AU" sz="3200" dirty="0"/>
-              <a:t> </a:t>
-            </a:r>
-            <a:r>
-              <a:rPr lang="en-AU" sz="3200" dirty="0" err="1"/>
-              <a:t>prostředí</a:t>
-            </a:r>
-            <a:r>
-              <a:rPr lang="en-AU" sz="3200" dirty="0"/>
-              <a:t> (TELEMETRY_SERVER_HOST, TELEMETRY_SERVER_PORT) a </a:t>
-            </a:r>
-            <a:r>
-              <a:rPr lang="en-AU" sz="3200" dirty="0" err="1"/>
-              <a:t>ukládá</a:t>
-            </a:r>
-            <a:r>
-              <a:rPr lang="en-AU" sz="3200" dirty="0"/>
-              <a:t> data do MySQL </a:t>
-            </a:r>
-            <a:r>
-              <a:rPr lang="en-AU" sz="3200" dirty="0" err="1"/>
-              <a:t>databáze</a:t>
-            </a:r>
-            <a:r>
-              <a:rPr lang="en-AU" sz="3200" dirty="0"/>
-              <a:t> (</a:t>
-            </a:r>
-            <a:r>
-              <a:rPr lang="en-AU" sz="3200" dirty="0" err="1"/>
-              <a:t>název</a:t>
-            </a:r>
-            <a:r>
-              <a:rPr lang="en-AU" sz="3200" dirty="0"/>
-              <a:t> DB </a:t>
-            </a:r>
-            <a:r>
-              <a:rPr lang="en-AU" sz="3200" dirty="0" err="1"/>
-              <a:t>tetris_telemetry</a:t>
-            </a:r>
-            <a:r>
-              <a:rPr lang="en-AU" sz="3200" dirty="0"/>
-              <a:t>).</a:t>
-            </a:r>
-            <a:endParaRPr lang="cs-CZ" sz="3200" dirty="0"/>
+              <a:rPr lang="cs-CZ" sz="3600" dirty="0"/>
+              <a:t>login DB ≠ telemetrie DB ≠ herní logika</a:t>
+            </a:r>
           </a:p>
         </p:txBody>
       </p:sp>
     </p:spTree>
     <p:extLst>
       <p:ext uri="{BB962C8B-B14F-4D97-AF65-F5344CB8AC3E}">
-        <p14:creationId xmlns:p14="http://schemas.microsoft.com/office/powerpoint/2010/main" val="660068429"/>
+        <p14:creationId xmlns:p14="http://schemas.microsoft.com/office/powerpoint/2010/main" val="2809746986"/>
       </p:ext>
     </p:extLst>
   </p:cSld>
@@ -4975,7 +4787,7 @@
           <p:cNvPr id="2" name="Nadpis 1">
             <a:extLst>
               <a:ext uri="{FF2B5EF4-FFF2-40B4-BE49-F238E27FC236}">
-                <a16:creationId xmlns:a16="http://schemas.microsoft.com/office/drawing/2014/main" id="{AAFF7DE8-8FD2-E246-3275-914D205932C3}"/>
+                <a16:creationId xmlns:a16="http://schemas.microsoft.com/office/drawing/2014/main" id="{10A77A0B-763F-A9FB-E245-67AD9556A9C9}"/>
               </a:ext>
             </a:extLst>
           </p:cNvPr>
@@ -4992,8 +4804,12 @@
           <a:lstStyle/>
           <a:p>
             <a:r>
-              <a:rPr lang="cs-CZ" dirty="0"/>
-              <a:t>Integrita S. </a:t>
+              <a:rPr lang="en-AU" dirty="0"/>
+              <a:t>TELEMETRIE</a:t>
+            </a:r>
+            <a:r>
+              <a:rPr lang="cs-CZ" dirty="0"/>
+              <a:t> – S. </a:t>
             </a:r>
             <a:r>
               <a:rPr lang="cs-CZ" dirty="0" err="1"/>
@@ -5008,7 +4824,7 @@
           <p:cNvPr id="3" name="Zástupný obsah 2">
             <a:extLst>
               <a:ext uri="{FF2B5EF4-FFF2-40B4-BE49-F238E27FC236}">
-                <a16:creationId xmlns:a16="http://schemas.microsoft.com/office/drawing/2014/main" id="{D517C7B2-CF6E-E448-4D5A-BEFC30FF3798}"/>
+                <a16:creationId xmlns:a16="http://schemas.microsoft.com/office/drawing/2014/main" id="{D3107EA1-1E63-A76D-1397-A73D84B99D72}"/>
               </a:ext>
             </a:extLst>
           </p:cNvPr>
@@ -5019,174 +4835,177 @@
             <p:ph idx="1"/>
           </p:nvPr>
         </p:nvSpPr>
-        <p:spPr>
-          <a:xfrm>
-            <a:off x="521208" y="1859797"/>
-            <a:ext cx="11155680" cy="4486139"/>
-          </a:xfrm>
-        </p:spPr>
+        <p:spPr/>
         <p:txBody>
           <a:bodyPr>
-            <a:normAutofit fontScale="92500" lnSpcReduction="10000"/>
+            <a:normAutofit/>
           </a:bodyPr>
           <a:lstStyle/>
           <a:p>
-            <a:r>
-              <a:rPr lang="cs-CZ" b="1" dirty="0"/>
-              <a:t>Co se kontroluje:</a:t>
-            </a:r>
-            <a:endParaRPr lang="cs-CZ" dirty="0"/>
-          </a:p>
-          <a:p>
-            <a:pPr lvl="1"/>
-            <a:r>
-              <a:rPr lang="cs-CZ" sz="1800" dirty="0"/>
-              <a:t>klíčové soubory aplikace (např. main.py, Tetris.py)</a:t>
-            </a:r>
-          </a:p>
-          <a:p>
-            <a:pPr lvl="1"/>
-            <a:r>
-              <a:rPr lang="cs-CZ" sz="1800" dirty="0"/>
-              <a:t>každý soubor má uložený </a:t>
-            </a:r>
-            <a:r>
-              <a:rPr lang="cs-CZ" sz="1800" b="1" dirty="0" err="1"/>
-              <a:t>hash</a:t>
-            </a:r>
-            <a:r>
-              <a:rPr lang="cs-CZ" sz="1800" b="1" dirty="0"/>
-              <a:t> v </a:t>
-            </a:r>
-            <a:r>
-              <a:rPr lang="cs-CZ" sz="1800" b="1" dirty="0" err="1"/>
-              <a:t>manifest.json</a:t>
-            </a:r>
-            <a:endParaRPr lang="cs-CZ" sz="1800" dirty="0"/>
-          </a:p>
-          <a:p>
-            <a:r>
-              <a:rPr lang="cs-CZ" b="1" dirty="0"/>
-              <a:t>Jak to funguje:</a:t>
-            </a:r>
-            <a:endParaRPr lang="cs-CZ" dirty="0"/>
-          </a:p>
-          <a:p>
-            <a:pPr lvl="1"/>
-            <a:r>
-              <a:rPr lang="cs-CZ" sz="1800" dirty="0"/>
-              <a:t>při spuštění se znovu spočítá </a:t>
-            </a:r>
-            <a:r>
-              <a:rPr lang="cs-CZ" sz="1800" b="1" dirty="0"/>
-              <a:t>SHA-256 </a:t>
-            </a:r>
-            <a:r>
-              <a:rPr lang="cs-CZ" sz="1800" b="1" dirty="0" err="1"/>
-              <a:t>hash</a:t>
-            </a:r>
-            <a:endParaRPr lang="cs-CZ" sz="1800" dirty="0"/>
-          </a:p>
-          <a:p>
-            <a:pPr lvl="1"/>
-            <a:r>
-              <a:rPr lang="cs-CZ" sz="1800" dirty="0" err="1"/>
-              <a:t>hash</a:t>
-            </a:r>
-            <a:r>
-              <a:rPr lang="cs-CZ" sz="1800" dirty="0"/>
-              <a:t> je kombinovaný s </a:t>
-            </a:r>
-            <a:r>
-              <a:rPr lang="cs-CZ" sz="1800" b="1" dirty="0"/>
-              <a:t>tajným klíčem</a:t>
-            </a:r>
-            <a:endParaRPr lang="cs-CZ" sz="1800" dirty="0"/>
-          </a:p>
-          <a:p>
-            <a:pPr lvl="1"/>
-            <a:r>
-              <a:rPr lang="cs-CZ" sz="1800" dirty="0"/>
-              <a:t>porovná se s hodnotou v manifestu</a:t>
-            </a:r>
-          </a:p>
-          <a:p>
-            <a:r>
-              <a:rPr lang="cs-CZ" b="1" dirty="0"/>
-              <a:t>Výjimky:</a:t>
-            </a:r>
-            <a:endParaRPr lang="cs-CZ" dirty="0"/>
-          </a:p>
-          <a:p>
-            <a:pPr lvl="1"/>
-            <a:r>
-              <a:rPr lang="cs-CZ" sz="1800" dirty="0"/>
-              <a:t>konfigurační položky (verze, telemetry </a:t>
-            </a:r>
-            <a:r>
-              <a:rPr lang="cs-CZ" sz="1800" dirty="0" err="1"/>
-              <a:t>endpoint</a:t>
-            </a:r>
-            <a:r>
-              <a:rPr lang="cs-CZ" sz="1800" dirty="0"/>
-              <a:t>, API klíč)</a:t>
-            </a:r>
-          </a:p>
-          <a:p>
-            <a:pPr lvl="1"/>
-            <a:r>
-              <a:rPr lang="cs-CZ" sz="1800" dirty="0"/>
-              <a:t>ty lze měnit bez porušení integrity</a:t>
-            </a:r>
-          </a:p>
-          <a:p>
-            <a:r>
-              <a:rPr lang="cs-CZ" b="1" dirty="0"/>
-              <a:t>Reakce na problém:</a:t>
-            </a:r>
-            <a:endParaRPr lang="cs-CZ" dirty="0"/>
-          </a:p>
-          <a:p>
-            <a:pPr lvl="1"/>
-            <a:r>
-              <a:rPr lang="cs-CZ" sz="1800" dirty="0"/>
-              <a:t>pokud </a:t>
-            </a:r>
-            <a:r>
-              <a:rPr lang="cs-CZ" sz="1800" dirty="0" err="1"/>
-              <a:t>hash</a:t>
-            </a:r>
-            <a:r>
-              <a:rPr lang="cs-CZ" sz="1800" dirty="0"/>
-              <a:t> nesouhlasí → </a:t>
-            </a:r>
-            <a:r>
-              <a:rPr lang="cs-CZ" sz="1800" b="1" dirty="0"/>
-              <a:t>aplikace se ukončí</a:t>
-            </a:r>
-            <a:endParaRPr lang="cs-CZ" sz="1800" dirty="0"/>
-          </a:p>
-          <a:p>
-            <a:pPr lvl="1"/>
-            <a:r>
-              <a:rPr lang="cs-CZ" sz="1800" dirty="0"/>
-              <a:t>chrání proti úpravám kódu a </a:t>
-            </a:r>
-            <a:r>
-              <a:rPr lang="cs-CZ" sz="1800" dirty="0" err="1"/>
-              <a:t>cheatování</a:t>
-            </a:r>
-            <a:endParaRPr lang="cs-CZ" sz="1800" dirty="0"/>
-          </a:p>
-          <a:p>
-            <a:endParaRPr lang="cs-CZ" dirty="0"/>
+            <a:pPr algn="ctr"/>
+            <a:r>
+              <a:rPr lang="en-AU" sz="3200" dirty="0" err="1"/>
+              <a:t>Jde</a:t>
+            </a:r>
+            <a:r>
+              <a:rPr lang="en-AU" sz="3200" dirty="0"/>
+              <a:t> o Flask telemetry server, </a:t>
+            </a:r>
+            <a:r>
+              <a:rPr lang="en-AU" sz="3200" dirty="0" err="1"/>
+              <a:t>který</a:t>
+            </a:r>
+            <a:r>
+              <a:rPr lang="en-AU" sz="3200" dirty="0"/>
+              <a:t> </a:t>
+            </a:r>
+            <a:r>
+              <a:rPr lang="en-AU" sz="3200" dirty="0" err="1"/>
+              <a:t>přijímá</a:t>
+            </a:r>
+            <a:r>
+              <a:rPr lang="en-AU" sz="3200" dirty="0"/>
+              <a:t> </a:t>
+            </a:r>
+            <a:r>
+              <a:rPr lang="en-AU" sz="3200" dirty="0" err="1"/>
+              <a:t>dávky</a:t>
+            </a:r>
+            <a:r>
+              <a:rPr lang="en-AU" sz="3200" dirty="0"/>
+              <a:t> </a:t>
+            </a:r>
+            <a:r>
+              <a:rPr lang="en-AU" sz="3200" dirty="0" err="1"/>
+              <a:t>událostí</a:t>
+            </a:r>
+            <a:r>
+              <a:rPr lang="en-AU" sz="3200" dirty="0"/>
+              <a:t> z </a:t>
+            </a:r>
+            <a:r>
+              <a:rPr lang="en-AU" sz="3200" dirty="0" err="1"/>
+              <a:t>klienta</a:t>
+            </a:r>
+            <a:r>
+              <a:rPr lang="en-AU" sz="3200" dirty="0"/>
+              <a:t> (</a:t>
+            </a:r>
+            <a:r>
+              <a:rPr lang="en-AU" sz="3200" dirty="0" err="1"/>
+              <a:t>hry</a:t>
+            </a:r>
+            <a:r>
+              <a:rPr lang="en-AU" sz="3200" dirty="0"/>
+              <a:t>) </a:t>
+            </a:r>
+            <a:r>
+              <a:rPr lang="en-AU" sz="3200" dirty="0" err="1"/>
+              <a:t>přes</a:t>
+            </a:r>
+            <a:r>
+              <a:rPr lang="en-AU" sz="3200" dirty="0"/>
+              <a:t> HTTP API.</a:t>
+            </a:r>
+          </a:p>
+          <a:p>
+            <a:pPr algn="ctr"/>
+            <a:endParaRPr lang="en-AU" sz="3200" dirty="0"/>
+          </a:p>
+          <a:p>
+            <a:pPr algn="ctr"/>
+            <a:r>
+              <a:rPr lang="en-AU" sz="3200" dirty="0"/>
+              <a:t> Server </a:t>
+            </a:r>
+            <a:r>
+              <a:rPr lang="en-AU" sz="3200" dirty="0" err="1"/>
+              <a:t>běží</a:t>
+            </a:r>
+            <a:r>
+              <a:rPr lang="en-AU" sz="3200" dirty="0"/>
+              <a:t> </a:t>
+            </a:r>
+            <a:r>
+              <a:rPr lang="en-AU" sz="3200" dirty="0" err="1"/>
+              <a:t>na</a:t>
+            </a:r>
+            <a:r>
+              <a:rPr lang="en-AU" sz="3200" dirty="0"/>
+              <a:t> </a:t>
+            </a:r>
+            <a:r>
+              <a:rPr lang="en-AU" sz="3200" dirty="0" err="1"/>
+              <a:t>hostu</a:t>
+            </a:r>
+            <a:r>
+              <a:rPr lang="en-AU" sz="3200" dirty="0"/>
+              <a:t>/</a:t>
+            </a:r>
+            <a:r>
+              <a:rPr lang="en-AU" sz="3200" dirty="0" err="1"/>
+              <a:t>portu</a:t>
+            </a:r>
+            <a:r>
+              <a:rPr lang="en-AU" sz="3200" dirty="0"/>
+              <a:t> z </a:t>
+            </a:r>
+            <a:r>
+              <a:rPr lang="en-AU" sz="3200" dirty="0" err="1"/>
+              <a:t>proměnných</a:t>
+            </a:r>
+            <a:r>
+              <a:rPr lang="en-AU" sz="3200" dirty="0"/>
+              <a:t> </a:t>
+            </a:r>
+            <a:r>
+              <a:rPr lang="en-AU" sz="3200" dirty="0" err="1"/>
+              <a:t>prostředí</a:t>
+            </a:r>
+            <a:r>
+              <a:rPr lang="en-AU" sz="3200" dirty="0"/>
+              <a:t> (TELEMETRY_SERVER_HOST, TELEMETRY_SERVER_PORT) a </a:t>
+            </a:r>
+            <a:r>
+              <a:rPr lang="en-AU" sz="3200" dirty="0" err="1"/>
+              <a:t>ukládá</a:t>
+            </a:r>
+            <a:r>
+              <a:rPr lang="en-AU" sz="3200" dirty="0"/>
+              <a:t> data do MySQL </a:t>
+            </a:r>
+            <a:r>
+              <a:rPr lang="en-AU" sz="3200" dirty="0" err="1"/>
+              <a:t>databáze</a:t>
+            </a:r>
+            <a:r>
+              <a:rPr lang="en-AU" sz="3200" dirty="0"/>
+              <a:t> (</a:t>
+            </a:r>
+            <a:r>
+              <a:rPr lang="en-AU" sz="3200" dirty="0" err="1"/>
+              <a:t>název</a:t>
+            </a:r>
+            <a:r>
+              <a:rPr lang="en-AU" sz="3200" dirty="0"/>
+              <a:t> DB </a:t>
+            </a:r>
+            <a:r>
+              <a:rPr lang="en-AU" sz="3200" dirty="0" err="1"/>
+              <a:t>tetris_telemetry</a:t>
+            </a:r>
+            <a:r>
+              <a:rPr lang="en-AU" sz="3200" dirty="0"/>
+              <a:t>).</a:t>
+            </a:r>
+            <a:endParaRPr lang="cs-CZ" sz="3200" dirty="0"/>
           </a:p>
         </p:txBody>
       </p:sp>
     </p:spTree>
     <p:extLst>
       <p:ext uri="{BB962C8B-B14F-4D97-AF65-F5344CB8AC3E}">
-        <p14:creationId xmlns:p14="http://schemas.microsoft.com/office/powerpoint/2010/main" val="4085206464"/>
+        <p14:creationId xmlns:p14="http://schemas.microsoft.com/office/powerpoint/2010/main" val="660068429"/>
       </p:ext>
     </p:extLst>
   </p:cSld>
@@ -5218,7 +5037,7 @@
           <p:cNvPr id="2" name="Nadpis 1">
             <a:extLst>
               <a:ext uri="{FF2B5EF4-FFF2-40B4-BE49-F238E27FC236}">
-                <a16:creationId xmlns:a16="http://schemas.microsoft.com/office/drawing/2014/main" id="{DEC66FA8-7006-90A7-F5D6-F057F9DE5D89}"/>
+                <a16:creationId xmlns:a16="http://schemas.microsoft.com/office/drawing/2014/main" id="{AAFF7DE8-8FD2-E246-3275-914D205932C3}"/>
               </a:ext>
             </a:extLst>
           </p:cNvPr>
@@ -5235,8 +5054,12 @@
           <a:lstStyle/>
           <a:p>
             <a:r>
-              <a:rPr lang="en-AU" dirty="0" err="1"/>
-              <a:t>Konfigurace</a:t>
+              <a:rPr lang="cs-CZ" dirty="0"/>
+              <a:t>Integrita S. </a:t>
+            </a:r>
+            <a:r>
+              <a:rPr lang="cs-CZ" dirty="0" err="1"/>
+              <a:t>Reed</a:t>
             </a:r>
             <a:endParaRPr lang="cs-CZ" dirty="0"/>
           </a:p>
@@ -5247,7 +5070,7 @@
           <p:cNvPr id="3" name="Zástupný obsah 2">
             <a:extLst>
               <a:ext uri="{FF2B5EF4-FFF2-40B4-BE49-F238E27FC236}">
-                <a16:creationId xmlns:a16="http://schemas.microsoft.com/office/drawing/2014/main" id="{95EC231E-F74F-29AD-10F8-F928D9089644}"/>
+                <a16:creationId xmlns:a16="http://schemas.microsoft.com/office/drawing/2014/main" id="{D517C7B2-CF6E-E448-4D5A-BEFC30FF3798}"/>
               </a:ext>
             </a:extLst>
           </p:cNvPr>
@@ -5258,105 +5081,174 @@
             <p:ph idx="1"/>
           </p:nvPr>
         </p:nvSpPr>
-        <p:spPr/>
+        <p:spPr>
+          <a:xfrm>
+            <a:off x="521208" y="1859797"/>
+            <a:ext cx="11155680" cy="4486139"/>
+          </a:xfrm>
+        </p:spPr>
         <p:txBody>
           <a:bodyPr>
-            <a:normAutofit lnSpcReduction="10000"/>
+            <a:normAutofit fontScale="92500" lnSpcReduction="10000"/>
           </a:bodyPr>
           <a:lstStyle/>
           <a:p>
             <a:r>
-              <a:rPr lang="cs-CZ" sz="2000" dirty="0" err="1"/>
-              <a:t>player.json</a:t>
-            </a:r>
-            <a:endParaRPr lang="cs-CZ" sz="2000" dirty="0"/>
+              <a:rPr lang="cs-CZ" b="1" dirty="0"/>
+              <a:t>Co se kontroluje:</a:t>
+            </a:r>
+            <a:endParaRPr lang="cs-CZ" dirty="0"/>
           </a:p>
           <a:p>
             <a:pPr lvl="1"/>
             <a:r>
-              <a:rPr lang="cs-CZ" sz="2000" dirty="0"/>
-              <a:t>ukládá souhlas hráče s telemetrií</a:t>
-            </a:r>
-          </a:p>
-          <a:p>
-            <a:r>
-              <a:rPr lang="cs-CZ" sz="2000" dirty="0" err="1"/>
+              <a:rPr lang="cs-CZ" sz="1800" dirty="0"/>
+              <a:t>klíčové soubory aplikace (např. main.py, Tetris.py)</a:t>
+            </a:r>
+          </a:p>
+          <a:p>
+            <a:pPr lvl="1"/>
+            <a:r>
+              <a:rPr lang="cs-CZ" sz="1800" dirty="0"/>
+              <a:t>každý soubor má uložený </a:t>
+            </a:r>
+            <a:r>
+              <a:rPr lang="cs-CZ" sz="1800" b="1" dirty="0" err="1"/>
+              <a:t>hash</a:t>
+            </a:r>
+            <a:r>
+              <a:rPr lang="cs-CZ" sz="1800" b="1" dirty="0"/>
+              <a:t> v </a:t>
+            </a:r>
+            <a:r>
+              <a:rPr lang="cs-CZ" sz="1800" b="1" dirty="0" err="1"/>
               <a:t>manifest.json</a:t>
             </a:r>
-            <a:endParaRPr lang="cs-CZ" sz="2000" dirty="0"/>
+            <a:endParaRPr lang="cs-CZ" sz="1800" dirty="0"/>
+          </a:p>
+          <a:p>
+            <a:r>
+              <a:rPr lang="cs-CZ" b="1" dirty="0"/>
+              <a:t>Jak to funguje:</a:t>
+            </a:r>
+            <a:endParaRPr lang="cs-CZ" dirty="0"/>
           </a:p>
           <a:p>
             <a:pPr lvl="1"/>
             <a:r>
-              <a:rPr lang="cs-CZ" sz="2000" dirty="0"/>
-              <a:t>adresa serveru (</a:t>
-            </a:r>
-            <a:r>
-              <a:rPr lang="cs-CZ" sz="2000" dirty="0" err="1"/>
-              <a:t>telemetry_endpoint</a:t>
-            </a:r>
-            <a:r>
-              <a:rPr lang="cs-CZ" sz="2000" dirty="0"/>
-              <a:t>)</a:t>
-            </a:r>
+              <a:rPr lang="cs-CZ" sz="1800" dirty="0"/>
+              <a:t>při spuštění se znovu spočítá </a:t>
+            </a:r>
+            <a:r>
+              <a:rPr lang="cs-CZ" sz="1800" b="1" dirty="0"/>
+              <a:t>SHA-256 </a:t>
+            </a:r>
+            <a:r>
+              <a:rPr lang="cs-CZ" sz="1800" b="1" dirty="0" err="1"/>
+              <a:t>hash</a:t>
+            </a:r>
+            <a:endParaRPr lang="cs-CZ" sz="1800" dirty="0"/>
           </a:p>
           <a:p>
             <a:pPr lvl="1"/>
             <a:r>
-              <a:rPr lang="cs-CZ" sz="2000" dirty="0"/>
-              <a:t>API klíč (</a:t>
-            </a:r>
-            <a:r>
-              <a:rPr lang="cs-CZ" sz="2000" dirty="0" err="1"/>
-              <a:t>telemetry_api_key</a:t>
-            </a:r>
-            <a:r>
-              <a:rPr lang="cs-CZ" sz="2000" dirty="0"/>
-              <a:t>)</a:t>
-            </a:r>
+              <a:rPr lang="cs-CZ" sz="1800" dirty="0" err="1"/>
+              <a:t>hash</a:t>
+            </a:r>
+            <a:r>
+              <a:rPr lang="cs-CZ" sz="1800" dirty="0"/>
+              <a:t> je kombinovaný s </a:t>
+            </a:r>
+            <a:r>
+              <a:rPr lang="cs-CZ" sz="1800" b="1" dirty="0"/>
+              <a:t>tajným klíčem</a:t>
+            </a:r>
+            <a:endParaRPr lang="cs-CZ" sz="1800" dirty="0"/>
           </a:p>
           <a:p>
             <a:pPr lvl="1"/>
             <a:r>
-              <a:rPr lang="cs-CZ" sz="2000" dirty="0"/>
-              <a:t>verze aplikace</a:t>
-            </a:r>
-          </a:p>
-          <a:p>
-            <a:r>
-              <a:rPr lang="cs-CZ" sz="2000" b="1" dirty="0"/>
-              <a:t>Princip:</a:t>
-            </a:r>
-            <a:endParaRPr lang="cs-CZ" sz="2000" dirty="0"/>
-          </a:p>
-          <a:p>
-            <a:r>
-              <a:rPr lang="cs-CZ" sz="2000" dirty="0"/>
-              <a:t>Bez souhlasu → telemetrie je vypnutá</a:t>
-            </a:r>
-            <a:endParaRPr lang="en-AU" sz="2000" dirty="0"/>
-          </a:p>
-          <a:p>
-            <a:r>
-              <a:rPr lang="cs-CZ" sz="2000" dirty="0"/>
-              <a:t>Se souhlasem → hra začne zaznamenávat technické události</a:t>
-            </a:r>
-          </a:p>
-          <a:p>
-            <a:pPr marL="0" indent="0">
-              <a:buNone/>
-            </a:pPr>
-            <a:endParaRPr lang="cs-CZ" sz="2000" dirty="0"/>
-          </a:p>
-          <a:p>
-            <a:endParaRPr lang="cs-CZ" sz="2000" dirty="0"/>
+              <a:rPr lang="cs-CZ" sz="1800" dirty="0"/>
+              <a:t>porovná se s hodnotou v manifestu</a:t>
+            </a:r>
+          </a:p>
+          <a:p>
+            <a:r>
+              <a:rPr lang="cs-CZ" b="1" dirty="0"/>
+              <a:t>Výjimky:</a:t>
+            </a:r>
+            <a:endParaRPr lang="cs-CZ" dirty="0"/>
+          </a:p>
+          <a:p>
+            <a:pPr lvl="1"/>
+            <a:r>
+              <a:rPr lang="cs-CZ" sz="1800" dirty="0"/>
+              <a:t>konfigurační položky (verze, telemetry </a:t>
+            </a:r>
+            <a:r>
+              <a:rPr lang="cs-CZ" sz="1800" dirty="0" err="1"/>
+              <a:t>endpoint</a:t>
+            </a:r>
+            <a:r>
+              <a:rPr lang="cs-CZ" sz="1800" dirty="0"/>
+              <a:t>, API klíč)</a:t>
+            </a:r>
+          </a:p>
+          <a:p>
+            <a:pPr lvl="1"/>
+            <a:r>
+              <a:rPr lang="cs-CZ" sz="1800" dirty="0"/>
+              <a:t>ty lze měnit bez porušení integrity</a:t>
+            </a:r>
+          </a:p>
+          <a:p>
+            <a:r>
+              <a:rPr lang="cs-CZ" b="1" dirty="0"/>
+              <a:t>Reakce na problém:</a:t>
+            </a:r>
+            <a:endParaRPr lang="cs-CZ" dirty="0"/>
+          </a:p>
+          <a:p>
+            <a:pPr lvl="1"/>
+            <a:r>
+              <a:rPr lang="cs-CZ" sz="1800" dirty="0"/>
+              <a:t>pokud </a:t>
+            </a:r>
+            <a:r>
+              <a:rPr lang="cs-CZ" sz="1800" dirty="0" err="1"/>
+              <a:t>hash</a:t>
+            </a:r>
+            <a:r>
+              <a:rPr lang="cs-CZ" sz="1800" dirty="0"/>
+              <a:t> nesouhlasí → </a:t>
+            </a:r>
+            <a:r>
+              <a:rPr lang="cs-CZ" sz="1800" b="1" dirty="0"/>
+              <a:t>aplikace se ukončí</a:t>
+            </a:r>
+            <a:endParaRPr lang="cs-CZ" sz="1800" dirty="0"/>
+          </a:p>
+          <a:p>
+            <a:pPr lvl="1"/>
+            <a:r>
+              <a:rPr lang="cs-CZ" sz="1800" dirty="0"/>
+              <a:t>chrání proti úpravám kódu a </a:t>
+            </a:r>
+            <a:r>
+              <a:rPr lang="cs-CZ" sz="1800" dirty="0" err="1"/>
+              <a:t>cheatování</a:t>
+            </a:r>
+            <a:endParaRPr lang="cs-CZ" sz="1800" dirty="0"/>
+          </a:p>
+          <a:p>
+            <a:endParaRPr lang="cs-CZ" dirty="0"/>
           </a:p>
         </p:txBody>
       </p:sp>
     </p:spTree>
     <p:extLst>
       <p:ext uri="{BB962C8B-B14F-4D97-AF65-F5344CB8AC3E}">
-        <p14:creationId xmlns:p14="http://schemas.microsoft.com/office/powerpoint/2010/main" val="1202758362"/>
+        <p14:creationId xmlns:p14="http://schemas.microsoft.com/office/powerpoint/2010/main" val="4085206464"/>
       </p:ext>
     </p:extLst>
   </p:cSld>
@@ -5388,7 +5280,7 @@
           <p:cNvPr id="2" name="Nadpis 1">
             <a:extLst>
               <a:ext uri="{FF2B5EF4-FFF2-40B4-BE49-F238E27FC236}">
-                <a16:creationId xmlns:a16="http://schemas.microsoft.com/office/drawing/2014/main" id="{B2F4C825-34A9-A91C-9B2D-9DCEABE51427}"/>
+                <a16:creationId xmlns:a16="http://schemas.microsoft.com/office/drawing/2014/main" id="{DEC66FA8-7006-90A7-F5D6-F057F9DE5D89}"/>
               </a:ext>
             </a:extLst>
           </p:cNvPr>
@@ -5405,9 +5297,10 @@
           <a:lstStyle/>
           <a:p>
             <a:r>
-              <a:rPr lang="cs-CZ" dirty="0"/>
-              <a:t>Telemetrie: tok událostí ve hře</a:t>
-            </a:r>
+              <a:rPr lang="en-AU" dirty="0" err="1"/>
+              <a:t>Konfigurace</a:t>
+            </a:r>
+            <a:endParaRPr lang="cs-CZ" dirty="0"/>
           </a:p>
         </p:txBody>
       </p:sp>
@@ -5416,7 +5309,7 @@
           <p:cNvPr id="3" name="Zástupný obsah 2">
             <a:extLst>
               <a:ext uri="{FF2B5EF4-FFF2-40B4-BE49-F238E27FC236}">
-                <a16:creationId xmlns:a16="http://schemas.microsoft.com/office/drawing/2014/main" id="{BE2456AA-FD83-F844-B8AE-450F18E94FDE}"/>
+                <a16:creationId xmlns:a16="http://schemas.microsoft.com/office/drawing/2014/main" id="{95EC231E-F74F-29AD-10F8-F928D9089644}"/>
               </a:ext>
             </a:extLst>
           </p:cNvPr>
@@ -5430,80 +5323,102 @@
         <p:spPr/>
         <p:txBody>
           <a:bodyPr>
-            <a:normAutofit fontScale="92500" lnSpcReduction="20000"/>
+            <a:normAutofit lnSpcReduction="10000"/>
           </a:bodyPr>
           <a:lstStyle/>
           <a:p>
             <a:r>
-              <a:rPr lang="cs-CZ" b="1" dirty="0"/>
-              <a:t>Zaznamenávané okamžiky:</a:t>
-            </a:r>
-            <a:endParaRPr lang="cs-CZ" dirty="0"/>
-          </a:p>
-          <a:p>
-            <a:r>
-              <a:rPr lang="cs-CZ" dirty="0"/>
-              <a:t>spuštění aplikace</a:t>
-            </a:r>
-          </a:p>
-          <a:p>
-            <a:r>
-              <a:rPr lang="cs-CZ" dirty="0"/>
-              <a:t>začátek herní seance</a:t>
-            </a:r>
-          </a:p>
-          <a:p>
-            <a:r>
-              <a:rPr lang="cs-CZ" dirty="0"/>
-              <a:t>konec herní seance</a:t>
-            </a:r>
-          </a:p>
-          <a:p>
-            <a:r>
-              <a:rPr lang="cs-CZ" dirty="0"/>
-              <a:t>ukončení aplikace</a:t>
-            </a:r>
-          </a:p>
-          <a:p>
-            <a:r>
-              <a:rPr lang="cs-CZ" dirty="0"/>
-              <a:t>výjimky (chyby, pády)</a:t>
-            </a:r>
-          </a:p>
-          <a:p>
-            <a:r>
-              <a:rPr lang="cs-CZ" b="1" dirty="0"/>
-              <a:t>Tok:</a:t>
-            </a:r>
-            <a:endParaRPr lang="cs-CZ" dirty="0"/>
-          </a:p>
-          <a:p>
-            <a:r>
-              <a:rPr lang="cs-CZ" dirty="0"/>
-              <a:t>hra vytvoří technickou událost</a:t>
-            </a:r>
-          </a:p>
-          <a:p>
-            <a:r>
-              <a:rPr lang="cs-CZ" dirty="0"/>
-              <a:t>událost se uloží lokálně</a:t>
-            </a:r>
-          </a:p>
-          <a:p>
-            <a:r>
-              <a:rPr lang="cs-CZ" dirty="0"/>
-              <a:t>odeslání probíhá až na pozadí</a:t>
-            </a:r>
-          </a:p>
-          <a:p>
-            <a:endParaRPr lang="cs-CZ" dirty="0"/>
+              <a:rPr lang="cs-CZ" sz="2000" dirty="0" err="1"/>
+              <a:t>player.json</a:t>
+            </a:r>
+            <a:endParaRPr lang="cs-CZ" sz="2000" dirty="0"/>
+          </a:p>
+          <a:p>
+            <a:pPr lvl="1"/>
+            <a:r>
+              <a:rPr lang="cs-CZ" sz="2000" dirty="0"/>
+              <a:t>ukládá souhlas hráče s telemetrií</a:t>
+            </a:r>
+          </a:p>
+          <a:p>
+            <a:r>
+              <a:rPr lang="cs-CZ" sz="2000" dirty="0" err="1"/>
+              <a:t>manifest.json</a:t>
+            </a:r>
+            <a:endParaRPr lang="cs-CZ" sz="2000" dirty="0"/>
+          </a:p>
+          <a:p>
+            <a:pPr lvl="1"/>
+            <a:r>
+              <a:rPr lang="cs-CZ" sz="2000" dirty="0"/>
+              <a:t>adresa serveru (</a:t>
+            </a:r>
+            <a:r>
+              <a:rPr lang="cs-CZ" sz="2000" dirty="0" err="1"/>
+              <a:t>telemetry_endpoint</a:t>
+            </a:r>
+            <a:r>
+              <a:rPr lang="cs-CZ" sz="2000" dirty="0"/>
+              <a:t>)</a:t>
+            </a:r>
+          </a:p>
+          <a:p>
+            <a:pPr lvl="1"/>
+            <a:r>
+              <a:rPr lang="cs-CZ" sz="2000" dirty="0"/>
+              <a:t>API klíč (</a:t>
+            </a:r>
+            <a:r>
+              <a:rPr lang="cs-CZ" sz="2000" dirty="0" err="1"/>
+              <a:t>telemetry_api_key</a:t>
+            </a:r>
+            <a:r>
+              <a:rPr lang="cs-CZ" sz="2000" dirty="0"/>
+              <a:t>)</a:t>
+            </a:r>
+          </a:p>
+          <a:p>
+            <a:pPr lvl="1"/>
+            <a:r>
+              <a:rPr lang="cs-CZ" sz="2000" dirty="0"/>
+              <a:t>verze aplikace</a:t>
+            </a:r>
+          </a:p>
+          <a:p>
+            <a:r>
+              <a:rPr lang="cs-CZ" sz="2000" b="1" dirty="0"/>
+              <a:t>Princip:</a:t>
+            </a:r>
+            <a:endParaRPr lang="cs-CZ" sz="2000" dirty="0"/>
+          </a:p>
+          <a:p>
+            <a:r>
+              <a:rPr lang="cs-CZ" sz="2000" dirty="0"/>
+              <a:t>Bez souhlasu → telemetrie je vypnutá</a:t>
+            </a:r>
+            <a:endParaRPr lang="en-AU" sz="2000" dirty="0"/>
+          </a:p>
+          <a:p>
+            <a:r>
+              <a:rPr lang="cs-CZ" sz="2000" dirty="0"/>
+              <a:t>Se souhlasem → hra začne zaznamenávat technické události</a:t>
+            </a:r>
+          </a:p>
+          <a:p>
+            <a:pPr marL="0" indent="0">
+              <a:buNone/>
+            </a:pPr>
+            <a:endParaRPr lang="cs-CZ" sz="2000" dirty="0"/>
+          </a:p>
+          <a:p>
+            <a:endParaRPr lang="cs-CZ" sz="2000" dirty="0"/>
           </a:p>
         </p:txBody>
       </p:sp>
     </p:spTree>
     <p:extLst>
       <p:ext uri="{BB962C8B-B14F-4D97-AF65-F5344CB8AC3E}">
-        <p14:creationId xmlns:p14="http://schemas.microsoft.com/office/powerpoint/2010/main" val="3083413740"/>
+        <p14:creationId xmlns:p14="http://schemas.microsoft.com/office/powerpoint/2010/main" val="1202758362"/>
       </p:ext>
     </p:extLst>
   </p:cSld>
@@ -5535,7 +5450,7 @@
           <p:cNvPr id="2" name="Nadpis 1">
             <a:extLst>
               <a:ext uri="{FF2B5EF4-FFF2-40B4-BE49-F238E27FC236}">
-                <a16:creationId xmlns:a16="http://schemas.microsoft.com/office/drawing/2014/main" id="{A66DE573-5828-FB4B-D644-23135546EF72}"/>
+                <a16:creationId xmlns:a16="http://schemas.microsoft.com/office/drawing/2014/main" id="{B2F4C825-34A9-A91C-9B2D-9DCEABE51427}"/>
               </a:ext>
             </a:extLst>
           </p:cNvPr>
@@ -5553,15 +5468,7 @@
           <a:p>
             <a:r>
               <a:rPr lang="cs-CZ" dirty="0"/>
-              <a:t>Telemetrie: lokální ukládání (</a:t>
-            </a:r>
-            <a:r>
-              <a:rPr lang="cs-CZ" dirty="0" err="1"/>
-              <a:t>offline</a:t>
-            </a:r>
-            <a:r>
-              <a:rPr lang="cs-CZ" dirty="0"/>
-              <a:t> režim)</a:t>
+              <a:t>Telemetrie: tok událostí ve hře</a:t>
             </a:r>
           </a:p>
         </p:txBody>
@@ -5571,7 +5478,7 @@
           <p:cNvPr id="3" name="Zástupný obsah 2">
             <a:extLst>
               <a:ext uri="{FF2B5EF4-FFF2-40B4-BE49-F238E27FC236}">
-                <a16:creationId xmlns:a16="http://schemas.microsoft.com/office/drawing/2014/main" id="{1E15F065-FDC9-C6AB-947F-E82FE80EDDB7}"/>
+                <a16:creationId xmlns:a16="http://schemas.microsoft.com/office/drawing/2014/main" id="{BE2456AA-FD83-F844-B8AE-450F18E94FDE}"/>
               </a:ext>
             </a:extLst>
           </p:cNvPr>
@@ -5585,88 +5492,80 @@
         <p:spPr/>
         <p:txBody>
           <a:bodyPr>
-            <a:normAutofit/>
+            <a:normAutofit fontScale="92500" lnSpcReduction="20000"/>
           </a:bodyPr>
           <a:lstStyle/>
           <a:p>
             <a:r>
-              <a:rPr lang="cs-CZ" sz="2000" b="1" dirty="0"/>
-              <a:t>Lokální databáze:</a:t>
-            </a:r>
-            <a:endParaRPr lang="cs-CZ" sz="2000" dirty="0"/>
-          </a:p>
-          <a:p>
-            <a:pPr lvl="1"/>
-            <a:r>
-              <a:rPr lang="cs-CZ" sz="2000" dirty="0" err="1"/>
-              <a:t>SQLite</a:t>
-            </a:r>
-            <a:r>
-              <a:rPr lang="cs-CZ" sz="2000" dirty="0"/>
-              <a:t> soubor </a:t>
-            </a:r>
-            <a:r>
-              <a:rPr lang="cs-CZ" sz="2000" dirty="0" err="1"/>
-              <a:t>telemetry.db</a:t>
-            </a:r>
-            <a:endParaRPr lang="cs-CZ" sz="2000" dirty="0"/>
-          </a:p>
-          <a:p>
-            <a:r>
-              <a:rPr lang="cs-CZ" sz="2000" b="1" dirty="0"/>
-              <a:t>Co se tam ukládá:</a:t>
-            </a:r>
-            <a:endParaRPr lang="cs-CZ" sz="2000" dirty="0"/>
-          </a:p>
-          <a:p>
-            <a:pPr lvl="1"/>
-            <a:r>
-              <a:rPr lang="cs-CZ" sz="2000" dirty="0"/>
-              <a:t>typ události (např. start hry, konec hry)</a:t>
-            </a:r>
-          </a:p>
-          <a:p>
-            <a:pPr lvl="1"/>
-            <a:r>
-              <a:rPr lang="cs-CZ" sz="2000" dirty="0"/>
-              <a:t>čas události</a:t>
-            </a:r>
-          </a:p>
-          <a:p>
-            <a:pPr lvl="1"/>
-            <a:r>
-              <a:rPr lang="cs-CZ" sz="2000" dirty="0"/>
-              <a:t>technický </a:t>
-            </a:r>
-            <a:r>
-              <a:rPr lang="cs-CZ" sz="2000" dirty="0" err="1"/>
-              <a:t>payload</a:t>
-            </a:r>
-            <a:r>
-              <a:rPr lang="cs-CZ" sz="2000" dirty="0"/>
-              <a:t> (skóre, délka hry…)</a:t>
-            </a:r>
-          </a:p>
-          <a:p>
-            <a:pPr lvl="1"/>
-            <a:r>
-              <a:rPr lang="cs-CZ" sz="2000" dirty="0"/>
-              <a:t>stav odeslání (odesláno / neodesláno)</a:t>
-            </a:r>
-          </a:p>
-          <a:p>
-            <a:pPr lvl="1"/>
-            <a:r>
-              <a:rPr lang="cs-CZ" sz="2000" dirty="0"/>
-              <a:t>počet pokusů o odeslání</a:t>
-            </a:r>
+              <a:rPr lang="cs-CZ" b="1" dirty="0"/>
+              <a:t>Zaznamenávané okamžiky:</a:t>
+            </a:r>
+            <a:endParaRPr lang="cs-CZ" dirty="0"/>
+          </a:p>
+          <a:p>
+            <a:r>
+              <a:rPr lang="cs-CZ" dirty="0"/>
+              <a:t>spuštění aplikace</a:t>
+            </a:r>
+          </a:p>
+          <a:p>
+            <a:r>
+              <a:rPr lang="cs-CZ" dirty="0"/>
+              <a:t>začátek herní seance</a:t>
+            </a:r>
+          </a:p>
+          <a:p>
+            <a:r>
+              <a:rPr lang="cs-CZ" dirty="0"/>
+              <a:t>konec herní seance</a:t>
+            </a:r>
+          </a:p>
+          <a:p>
+            <a:r>
+              <a:rPr lang="cs-CZ" dirty="0"/>
+              <a:t>ukončení aplikace</a:t>
+            </a:r>
+          </a:p>
+          <a:p>
+            <a:r>
+              <a:rPr lang="cs-CZ" dirty="0"/>
+              <a:t>výjimky (chyby, pády)</a:t>
+            </a:r>
+          </a:p>
+          <a:p>
+            <a:r>
+              <a:rPr lang="cs-CZ" b="1" dirty="0"/>
+              <a:t>Tok:</a:t>
+            </a:r>
+            <a:endParaRPr lang="cs-CZ" dirty="0"/>
+          </a:p>
+          <a:p>
+            <a:r>
+              <a:rPr lang="cs-CZ" dirty="0"/>
+              <a:t>hra vytvoří technickou událost</a:t>
+            </a:r>
+          </a:p>
+          <a:p>
+            <a:r>
+              <a:rPr lang="cs-CZ" dirty="0"/>
+              <a:t>událost se uloží lokálně</a:t>
+            </a:r>
+          </a:p>
+          <a:p>
+            <a:r>
+              <a:rPr lang="cs-CZ" dirty="0"/>
+              <a:t>odeslání probíhá až na pozadí</a:t>
+            </a:r>
+          </a:p>
+          <a:p>
+            <a:endParaRPr lang="cs-CZ" dirty="0"/>
           </a:p>
         </p:txBody>
       </p:sp>
     </p:spTree>
     <p:extLst>
       <p:ext uri="{BB962C8B-B14F-4D97-AF65-F5344CB8AC3E}">
-        <p14:creationId xmlns:p14="http://schemas.microsoft.com/office/powerpoint/2010/main" val="2670281820"/>
+        <p14:creationId xmlns:p14="http://schemas.microsoft.com/office/powerpoint/2010/main" val="3083413740"/>
       </p:ext>
     </p:extLst>
   </p:cSld>
@@ -5698,7 +5597,7 @@
           <p:cNvPr id="2" name="Nadpis 1">
             <a:extLst>
               <a:ext uri="{FF2B5EF4-FFF2-40B4-BE49-F238E27FC236}">
-                <a16:creationId xmlns:a16="http://schemas.microsoft.com/office/drawing/2014/main" id="{DB6D87C2-F6A4-5DC2-AE3E-88D6650E429B}"/>
+                <a16:creationId xmlns:a16="http://schemas.microsoft.com/office/drawing/2014/main" id="{A66DE573-5828-FB4B-D644-23135546EF72}"/>
               </a:ext>
             </a:extLst>
           </p:cNvPr>
@@ -5716,7 +5615,15 @@
           <a:p>
             <a:r>
               <a:rPr lang="cs-CZ" dirty="0"/>
-              <a:t>Telemetrie: odesílání dat na server</a:t>
+              <a:t>Telemetrie: lokální ukládání (</a:t>
+            </a:r>
+            <a:r>
+              <a:rPr lang="cs-CZ" dirty="0" err="1"/>
+              <a:t>offline</a:t>
+            </a:r>
+            <a:r>
+              <a:rPr lang="cs-CZ" dirty="0"/>
+              <a:t> režim)</a:t>
             </a:r>
           </a:p>
         </p:txBody>
@@ -5726,7 +5633,7 @@
           <p:cNvPr id="3" name="Zástupný obsah 2">
             <a:extLst>
               <a:ext uri="{FF2B5EF4-FFF2-40B4-BE49-F238E27FC236}">
-                <a16:creationId xmlns:a16="http://schemas.microsoft.com/office/drawing/2014/main" id="{45D6DA81-4D8B-F999-E493-6D323FA04AFF}"/>
+                <a16:creationId xmlns:a16="http://schemas.microsoft.com/office/drawing/2014/main" id="{1E15F065-FDC9-C6AB-947F-E82FE80EDDB7}"/>
               </a:ext>
             </a:extLst>
           </p:cNvPr>
@@ -5745,88 +5652,83 @@
           <a:lstStyle/>
           <a:p>
             <a:r>
-              <a:rPr lang="cs-CZ" b="1" dirty="0"/>
-              <a:t>Kdy se odesílá:</a:t>
-            </a:r>
-            <a:endParaRPr lang="cs-CZ" dirty="0"/>
+              <a:rPr lang="cs-CZ" sz="2000" b="1" dirty="0"/>
+              <a:t>Lokální databáze:</a:t>
+            </a:r>
+            <a:endParaRPr lang="cs-CZ" sz="2000" dirty="0"/>
           </a:p>
           <a:p>
             <a:pPr lvl="1"/>
             <a:r>
-              <a:rPr lang="cs-CZ" dirty="0"/>
-              <a:t>automaticky na pozadí</a:t>
-            </a:r>
+              <a:rPr lang="cs-CZ" sz="2000" dirty="0" err="1"/>
+              <a:t>SQLite</a:t>
+            </a:r>
+            <a:r>
+              <a:rPr lang="cs-CZ" sz="2000" dirty="0"/>
+              <a:t> soubor </a:t>
+            </a:r>
+            <a:r>
+              <a:rPr lang="cs-CZ" sz="2000" dirty="0" err="1"/>
+              <a:t>telemetry.db</a:t>
+            </a:r>
+            <a:endParaRPr lang="cs-CZ" sz="2000" dirty="0"/>
+          </a:p>
+          <a:p>
+            <a:r>
+              <a:rPr lang="cs-CZ" sz="2000" b="1" dirty="0"/>
+              <a:t>Co se tam ukládá:</a:t>
+            </a:r>
+            <a:endParaRPr lang="cs-CZ" sz="2000" dirty="0"/>
           </a:p>
           <a:p>
             <a:pPr lvl="1"/>
             <a:r>
-              <a:rPr lang="cs-CZ" dirty="0"/>
-              <a:t>po dávkách (více událostí najednou)</a:t>
-            </a:r>
-          </a:p>
-          <a:p>
-            <a:r>
-              <a:rPr lang="cs-CZ" b="1" dirty="0"/>
-              <a:t>Jak:</a:t>
-            </a:r>
-            <a:endParaRPr lang="cs-CZ" dirty="0"/>
+              <a:rPr lang="cs-CZ" sz="2000" dirty="0"/>
+              <a:t>typ události (např. start hry, konec hry)</a:t>
+            </a:r>
           </a:p>
           <a:p>
             <a:pPr lvl="1"/>
             <a:r>
-              <a:rPr lang="cs-CZ" dirty="0"/>
-              <a:t>HTTP POST na /telemetry</a:t>
+              <a:rPr lang="cs-CZ" sz="2000" dirty="0"/>
+              <a:t>čas události</a:t>
             </a:r>
           </a:p>
           <a:p>
             <a:pPr lvl="1"/>
             <a:r>
-              <a:rPr lang="cs-CZ" dirty="0"/>
-              <a:t>JSON </a:t>
-            </a:r>
-            <a:r>
-              <a:rPr lang="cs-CZ" dirty="0" err="1"/>
+              <a:rPr lang="cs-CZ" sz="2000" dirty="0"/>
+              <a:t>technický </a:t>
+            </a:r>
+            <a:r>
+              <a:rPr lang="cs-CZ" sz="2000" dirty="0" err="1"/>
               <a:t>payload</a:t>
             </a:r>
-            <a:endParaRPr lang="cs-CZ" dirty="0"/>
+            <a:r>
+              <a:rPr lang="cs-CZ" sz="2000" dirty="0"/>
+              <a:t> (skóre, délka hry…)</a:t>
+            </a:r>
           </a:p>
           <a:p>
             <a:pPr lvl="1"/>
             <a:r>
-              <a:rPr lang="cs-CZ" dirty="0"/>
-              <a:t>volitelný API klíč v hlavičce</a:t>
-            </a:r>
-          </a:p>
-          <a:p>
-            <a:r>
-              <a:rPr lang="cs-CZ" b="1" dirty="0"/>
-              <a:t>Když se to nepovede:</a:t>
-            </a:r>
-            <a:endParaRPr lang="cs-CZ" dirty="0"/>
+              <a:rPr lang="cs-CZ" sz="2000" dirty="0"/>
+              <a:t>stav odeslání (odesláno / neodesláno)</a:t>
+            </a:r>
           </a:p>
           <a:p>
             <a:pPr lvl="1"/>
             <a:r>
-              <a:rPr lang="cs-CZ" dirty="0"/>
-              <a:t>události zůstanou v DB</a:t>
-            </a:r>
-          </a:p>
-          <a:p>
-            <a:pPr lvl="1"/>
-            <a:r>
-              <a:rPr lang="cs-CZ" dirty="0"/>
-              <a:t>systém to zkusí znovu (retry + čekání)</a:t>
-            </a:r>
-          </a:p>
-          <a:p>
-            <a:endParaRPr lang="cs-CZ" dirty="0"/>
+              <a:rPr lang="cs-CZ" sz="2000" dirty="0"/>
+              <a:t>počet pokusů o odeslání</a:t>
+            </a:r>
           </a:p>
         </p:txBody>
       </p:sp>
     </p:spTree>
     <p:extLst>
       <p:ext uri="{BB962C8B-B14F-4D97-AF65-F5344CB8AC3E}">
-        <p14:creationId xmlns:p14="http://schemas.microsoft.com/office/powerpoint/2010/main" val="1852415995"/>
+        <p14:creationId xmlns:p14="http://schemas.microsoft.com/office/powerpoint/2010/main" val="2670281820"/>
       </p:ext>
     </p:extLst>
   </p:cSld>
@@ -6089,7 +5991,7 @@
           <p:cNvPr id="2" name="Nadpis 1">
             <a:extLst>
               <a:ext uri="{FF2B5EF4-FFF2-40B4-BE49-F238E27FC236}">
-                <a16:creationId xmlns:a16="http://schemas.microsoft.com/office/drawing/2014/main" id="{362F52D2-0AAC-DD72-0EA3-205963C4F879}"/>
+                <a16:creationId xmlns:a16="http://schemas.microsoft.com/office/drawing/2014/main" id="{DB6D87C2-F6A4-5DC2-AE3E-88D6650E429B}"/>
               </a:ext>
             </a:extLst>
           </p:cNvPr>
@@ -6107,79 +6009,106 @@
           <a:p>
             <a:r>
               <a:rPr lang="cs-CZ" dirty="0"/>
-              <a:t>Telemetrie: ochrana a anonymita dat</a:t>
-            </a:r>
-            <a:br>
-              <a:rPr lang="cs-CZ" dirty="0"/>
-            </a:br>
+              <a:t>Telemetrie: odesílání dat na server</a:t>
+            </a:r>
+          </a:p>
+        </p:txBody>
+      </p:sp>
+      <p:sp>
+        <p:nvSpPr>
+          <p:cNvPr id="3" name="Zástupný obsah 2">
+            <a:extLst>
+              <a:ext uri="{FF2B5EF4-FFF2-40B4-BE49-F238E27FC236}">
+                <a16:creationId xmlns:a16="http://schemas.microsoft.com/office/drawing/2014/main" id="{45D6DA81-4D8B-F999-E493-6D323FA04AFF}"/>
+              </a:ext>
+            </a:extLst>
+          </p:cNvPr>
+          <p:cNvSpPr>
+            <a:spLocks noGrp="1"/>
+          </p:cNvSpPr>
+          <p:nvPr>
+            <p:ph idx="1"/>
+          </p:nvPr>
+        </p:nvSpPr>
+        <p:spPr/>
+        <p:txBody>
+          <a:bodyPr>
+            <a:normAutofit/>
+          </a:bodyPr>
+          <a:lstStyle/>
+          <a:p>
+            <a:r>
+              <a:rPr lang="cs-CZ" b="1" dirty="0"/>
+              <a:t>Kdy se odesílá:</a:t>
+            </a:r>
             <a:endParaRPr lang="cs-CZ" dirty="0"/>
           </a:p>
-        </p:txBody>
-      </p:sp>
-      <p:sp>
-        <p:nvSpPr>
-          <p:cNvPr id="3" name="Zástupný obsah 2">
-            <a:extLst>
-              <a:ext uri="{FF2B5EF4-FFF2-40B4-BE49-F238E27FC236}">
-                <a16:creationId xmlns:a16="http://schemas.microsoft.com/office/drawing/2014/main" id="{7E5A8D73-57B5-EACE-CC94-B0B9999921C4}"/>
-              </a:ext>
-            </a:extLst>
-          </p:cNvPr>
-          <p:cNvSpPr>
-            <a:spLocks noGrp="1"/>
-          </p:cNvSpPr>
-          <p:nvPr>
-            <p:ph idx="1"/>
-          </p:nvPr>
-        </p:nvSpPr>
-        <p:spPr/>
-        <p:txBody>
-          <a:bodyPr/>
-          <a:lstStyle/>
-          <a:p>
-            <a:pPr marL="0" indent="0">
-              <a:buNone/>
-            </a:pPr>
-            <a:r>
-              <a:rPr lang="cs-CZ" sz="3200" b="1" dirty="0"/>
-              <a:t>Čištění dat před uložením i odesláním:</a:t>
-            </a:r>
-            <a:endParaRPr lang="cs-CZ" sz="3200" dirty="0"/>
-          </a:p>
-          <a:p>
-            <a:r>
-              <a:rPr lang="cs-CZ" sz="3200" dirty="0"/>
-              <a:t>automaticky se zahazují klíče:</a:t>
-            </a:r>
-          </a:p>
           <a:p>
             <a:pPr lvl="1"/>
             <a:r>
-              <a:rPr lang="cs-CZ" sz="3200" dirty="0" err="1"/>
-              <a:t>username</a:t>
-            </a:r>
-            <a:endParaRPr lang="cs-CZ" sz="3200" dirty="0"/>
+              <a:rPr lang="cs-CZ" dirty="0"/>
+              <a:t>automaticky na pozadí</a:t>
+            </a:r>
           </a:p>
           <a:p>
             <a:pPr lvl="1"/>
             <a:r>
-              <a:rPr lang="cs-CZ" sz="3200" dirty="0" err="1"/>
-              <a:t>password</a:t>
-            </a:r>
-            <a:endParaRPr lang="cs-CZ" sz="3200" dirty="0"/>
+              <a:rPr lang="cs-CZ" dirty="0"/>
+              <a:t>po dávkách (více událostí najednou)</a:t>
+            </a:r>
+          </a:p>
+          <a:p>
+            <a:r>
+              <a:rPr lang="cs-CZ" b="1" dirty="0"/>
+              <a:t>Jak:</a:t>
+            </a:r>
+            <a:endParaRPr lang="cs-CZ" dirty="0"/>
           </a:p>
           <a:p>
             <a:pPr lvl="1"/>
             <a:r>
-              <a:rPr lang="cs-CZ" sz="3200" dirty="0"/>
-              <a:t>email</a:t>
+              <a:rPr lang="cs-CZ" dirty="0"/>
+              <a:t>HTTP POST na /telemetry</a:t>
             </a:r>
           </a:p>
           <a:p>
             <a:pPr lvl="1"/>
             <a:r>
-              <a:rPr lang="cs-CZ" sz="3200" dirty="0"/>
-              <a:t>token</a:t>
+              <a:rPr lang="cs-CZ" dirty="0"/>
+              <a:t>JSON </a:t>
+            </a:r>
+            <a:r>
+              <a:rPr lang="cs-CZ" dirty="0" err="1"/>
+              <a:t>payload</a:t>
+            </a:r>
+            <a:endParaRPr lang="cs-CZ" dirty="0"/>
+          </a:p>
+          <a:p>
+            <a:pPr lvl="1"/>
+            <a:r>
+              <a:rPr lang="cs-CZ" dirty="0"/>
+              <a:t>volitelný API klíč v hlavičce</a:t>
+            </a:r>
+          </a:p>
+          <a:p>
+            <a:r>
+              <a:rPr lang="cs-CZ" b="1" dirty="0"/>
+              <a:t>Když se to nepovede:</a:t>
+            </a:r>
+            <a:endParaRPr lang="cs-CZ" dirty="0"/>
+          </a:p>
+          <a:p>
+            <a:pPr lvl="1"/>
+            <a:r>
+              <a:rPr lang="cs-CZ" dirty="0"/>
+              <a:t>události zůstanou v DB</a:t>
+            </a:r>
+          </a:p>
+          <a:p>
+            <a:pPr lvl="1"/>
+            <a:r>
+              <a:rPr lang="cs-CZ" dirty="0"/>
+              <a:t>systém to zkusí znovu (retry + čekání)</a:t>
             </a:r>
           </a:p>
           <a:p>
@@ -6190,7 +6119,7 @@
     </p:spTree>
     <p:extLst>
       <p:ext uri="{BB962C8B-B14F-4D97-AF65-F5344CB8AC3E}">
-        <p14:creationId xmlns:p14="http://schemas.microsoft.com/office/powerpoint/2010/main" val="3954631172"/>
+        <p14:creationId xmlns:p14="http://schemas.microsoft.com/office/powerpoint/2010/main" val="1852415995"/>
       </p:ext>
     </p:extLst>
   </p:cSld>
@@ -6222,7 +6151,7 @@
           <p:cNvPr id="2" name="Nadpis 1">
             <a:extLst>
               <a:ext uri="{FF2B5EF4-FFF2-40B4-BE49-F238E27FC236}">
-                <a16:creationId xmlns:a16="http://schemas.microsoft.com/office/drawing/2014/main" id="{7DD39B95-231A-28FD-66B8-4C169C59F1CD}"/>
+                <a16:creationId xmlns:a16="http://schemas.microsoft.com/office/drawing/2014/main" id="{362F52D2-0AAC-DD72-0EA3-205963C4F879}"/>
               </a:ext>
             </a:extLst>
           </p:cNvPr>
@@ -6240,8 +6169,12 @@
           <a:p>
             <a:r>
               <a:rPr lang="cs-CZ" dirty="0"/>
-              <a:t>Telemetrie server</a:t>
-            </a:r>
+              <a:t>Telemetrie: ochrana a anonymita dat</a:t>
+            </a:r>
+            <a:br>
+              <a:rPr lang="cs-CZ" dirty="0"/>
+            </a:br>
+            <a:endParaRPr lang="cs-CZ" dirty="0"/>
           </a:p>
         </p:txBody>
       </p:sp>
@@ -6250,7 +6183,7 @@
           <p:cNvPr id="3" name="Zástupný obsah 2">
             <a:extLst>
               <a:ext uri="{FF2B5EF4-FFF2-40B4-BE49-F238E27FC236}">
-                <a16:creationId xmlns:a16="http://schemas.microsoft.com/office/drawing/2014/main" id="{A0FF3B81-E082-97F5-F053-F39BE1AA82D0}"/>
+                <a16:creationId xmlns:a16="http://schemas.microsoft.com/office/drawing/2014/main" id="{7E5A8D73-57B5-EACE-CC94-B0B9999921C4}"/>
               </a:ext>
             </a:extLst>
           </p:cNvPr>
@@ -6263,110 +6196,63 @@
         </p:nvSpPr>
         <p:spPr/>
         <p:txBody>
-          <a:bodyPr>
-            <a:normAutofit/>
-          </a:bodyPr>
-          <a:lstStyle/>
-          <a:p>
-            <a:r>
-              <a:rPr lang="cs-CZ" sz="2400" dirty="0"/>
-              <a:t>hra posílá technické události na </a:t>
-            </a:r>
-            <a:r>
-              <a:rPr lang="cs-CZ" sz="2400" dirty="0" err="1"/>
-              <a:t>Flask</a:t>
-            </a:r>
-            <a:r>
-              <a:rPr lang="cs-CZ" sz="2400" dirty="0"/>
-              <a:t> telemetry server</a:t>
-            </a:r>
-            <a:endParaRPr lang="en-AU" sz="2400" dirty="0"/>
-          </a:p>
-          <a:p>
-            <a:r>
-              <a:rPr lang="cs-CZ" sz="2400" dirty="0"/>
-              <a:t>server ověří API klíč a zkontroluje data</a:t>
-            </a:r>
-            <a:endParaRPr lang="en-AU" sz="2400" dirty="0"/>
-          </a:p>
-          <a:p>
-            <a:r>
-              <a:rPr lang="cs-CZ" sz="2400" dirty="0"/>
-              <a:t>data ukládá do </a:t>
-            </a:r>
-            <a:r>
-              <a:rPr lang="cs-CZ" sz="2400" dirty="0" err="1"/>
-              <a:t>MySQL</a:t>
-            </a:r>
-            <a:r>
-              <a:rPr lang="cs-CZ" sz="2400" dirty="0"/>
-              <a:t>:</a:t>
-            </a:r>
-            <a:endParaRPr lang="en-AU" sz="2400" dirty="0"/>
+          <a:bodyPr/>
+          <a:lstStyle/>
+          <a:p>
+            <a:pPr marL="0" indent="0">
+              <a:buNone/>
+            </a:pPr>
+            <a:r>
+              <a:rPr lang="cs-CZ" sz="3200" b="1" dirty="0"/>
+              <a:t>Čištění dat před uložením i odesláním:</a:t>
+            </a:r>
+            <a:endParaRPr lang="cs-CZ" sz="3200" dirty="0"/>
+          </a:p>
+          <a:p>
+            <a:r>
+              <a:rPr lang="cs-CZ" sz="3200" dirty="0"/>
+              <a:t>automaticky se zahazují klíče:</a:t>
+            </a:r>
           </a:p>
           <a:p>
             <a:pPr lvl="1"/>
             <a:r>
-              <a:rPr lang="cs-CZ" sz="2400" dirty="0" err="1"/>
-              <a:t>telemetry_events</a:t>
-            </a:r>
-            <a:r>
-              <a:rPr lang="cs-CZ" sz="2400" dirty="0"/>
-              <a:t> (všechny události</a:t>
-            </a:r>
-            <a:endParaRPr lang="en-AU" sz="2400" dirty="0"/>
+              <a:rPr lang="cs-CZ" sz="3200" dirty="0" err="1"/>
+              <a:t>username</a:t>
+            </a:r>
+            <a:endParaRPr lang="cs-CZ" sz="3200" dirty="0"/>
           </a:p>
           <a:p>
             <a:pPr lvl="1"/>
             <a:r>
-              <a:rPr lang="cs-CZ" sz="2400" dirty="0" err="1"/>
-              <a:t>telemetry_game_sessions</a:t>
-            </a:r>
-            <a:r>
-              <a:rPr lang="cs-CZ" sz="2400" dirty="0"/>
-              <a:t> (ukončené hry)</a:t>
-            </a:r>
-            <a:endParaRPr lang="en-AU" sz="2400" dirty="0"/>
-          </a:p>
-          <a:p>
-            <a:r>
-              <a:rPr lang="cs-CZ" sz="2400" dirty="0"/>
-              <a:t>při </a:t>
-            </a:r>
-            <a:r>
-              <a:rPr lang="cs-CZ" sz="2400" dirty="0" err="1"/>
-              <a:t>localhost</a:t>
-            </a:r>
-            <a:r>
-              <a:rPr lang="cs-CZ" sz="2400" dirty="0"/>
-              <a:t> si hra server sama spustí a ověří ho přes /</a:t>
-            </a:r>
-            <a:r>
-              <a:rPr lang="cs-CZ" sz="2400" dirty="0" err="1"/>
-              <a:t>health</a:t>
-            </a:r>
-            <a:endParaRPr lang="en-AU" sz="2400" dirty="0"/>
-          </a:p>
-          <a:p>
-            <a:r>
-              <a:rPr lang="cs-CZ" sz="2400" dirty="0"/>
-              <a:t>řešení funguje </a:t>
-            </a:r>
-            <a:r>
-              <a:rPr lang="cs-CZ" sz="2400" dirty="0" err="1"/>
-              <a:t>offline</a:t>
-            </a:r>
-            <a:r>
-              <a:rPr lang="cs-CZ" sz="2400" dirty="0"/>
-              <a:t> a je vhodné pro testování i prezentaci</a:t>
-            </a:r>
+              <a:rPr lang="cs-CZ" sz="3200" dirty="0" err="1"/>
+              <a:t>password</a:t>
+            </a:r>
+            <a:endParaRPr lang="cs-CZ" sz="3200" dirty="0"/>
+          </a:p>
+          <a:p>
+            <a:pPr lvl="1"/>
+            <a:r>
+              <a:rPr lang="cs-CZ" sz="3200" dirty="0"/>
+              <a:t>email</a:t>
+            </a:r>
+          </a:p>
+          <a:p>
+            <a:pPr lvl="1"/>
+            <a:r>
+              <a:rPr lang="cs-CZ" sz="3200" dirty="0"/>
+              <a:t>token</a:t>
+            </a:r>
+          </a:p>
+          <a:p>
+            <a:endParaRPr lang="cs-CZ" dirty="0"/>
           </a:p>
         </p:txBody>
       </p:sp>
     </p:spTree>
     <p:extLst>
       <p:ext uri="{BB962C8B-B14F-4D97-AF65-F5344CB8AC3E}">
-        <p14:creationId xmlns:p14="http://schemas.microsoft.com/office/powerpoint/2010/main" val="2733064602"/>
+        <p14:creationId xmlns:p14="http://schemas.microsoft.com/office/powerpoint/2010/main" val="3954631172"/>
       </p:ext>
     </p:extLst>
   </p:cSld>
@@ -6398,7 +6284,7 @@
           <p:cNvPr id="2" name="Nadpis 1">
             <a:extLst>
               <a:ext uri="{FF2B5EF4-FFF2-40B4-BE49-F238E27FC236}">
-                <a16:creationId xmlns:a16="http://schemas.microsoft.com/office/drawing/2014/main" id="{FCC6CDA0-3854-1A2F-5CC2-CD73DF998EEC}"/>
+                <a16:creationId xmlns:a16="http://schemas.microsoft.com/office/drawing/2014/main" id="{7DD39B95-231A-28FD-66B8-4C169C59F1CD}"/>
               </a:ext>
             </a:extLst>
           </p:cNvPr>
@@ -6415,16 +6301,8 @@
           <a:lstStyle/>
           <a:p>
             <a:r>
-              <a:rPr lang="en-AU" dirty="0" err="1"/>
-              <a:t>Testov</a:t>
-            </a:r>
-            <a:r>
-              <a:rPr lang="cs-CZ" dirty="0" err="1"/>
-              <a:t>ání</a:t>
-            </a:r>
-            <a:r>
-              <a:rPr lang="cs-CZ" dirty="0"/>
-              <a:t> – J. Doležal</a:t>
+              <a:rPr lang="cs-CZ" dirty="0"/>
+              <a:t>Telemetrie server</a:t>
             </a:r>
           </a:p>
         </p:txBody>
@@ -6434,7 +6312,7 @@
           <p:cNvPr id="3" name="Zástupný obsah 2">
             <a:extLst>
               <a:ext uri="{FF2B5EF4-FFF2-40B4-BE49-F238E27FC236}">
-                <a16:creationId xmlns:a16="http://schemas.microsoft.com/office/drawing/2014/main" id="{4E85AA26-2527-FD8E-C736-B70B95369CB0}"/>
+                <a16:creationId xmlns:a16="http://schemas.microsoft.com/office/drawing/2014/main" id="{A0FF3B81-E082-97F5-F053-F39BE1AA82D0}"/>
               </a:ext>
             </a:extLst>
           </p:cNvPr>
@@ -6445,22 +6323,104 @@
             <p:ph idx="1"/>
           </p:nvPr>
         </p:nvSpPr>
-        <p:spPr>
-          <a:xfrm>
-            <a:off x="527872" y="2532889"/>
-            <a:ext cx="11155680" cy="3767328"/>
-          </a:xfrm>
-        </p:spPr>
-        <p:txBody>
-          <a:bodyPr/>
-          <a:lstStyle/>
-          <a:p>
-            <a:pPr marL="0" indent="0">
-              <a:buNone/>
-            </a:pPr>
-            <a:r>
-              <a:rPr lang="cs-CZ" dirty="0"/>
-              <a:t>Hra byla otestována zejména funkčně.</a:t>
+        <p:spPr/>
+        <p:txBody>
+          <a:bodyPr>
+            <a:normAutofit/>
+          </a:bodyPr>
+          <a:lstStyle/>
+          <a:p>
+            <a:r>
+              <a:rPr lang="cs-CZ" sz="2400" dirty="0"/>
+              <a:t>hra posílá technické události na </a:t>
+            </a:r>
+            <a:r>
+              <a:rPr lang="cs-CZ" sz="2400" dirty="0" err="1"/>
+              <a:t>Flask</a:t>
+            </a:r>
+            <a:r>
+              <a:rPr lang="cs-CZ" sz="2400" dirty="0"/>
+              <a:t> telemetry server</a:t>
+            </a:r>
+            <a:endParaRPr lang="en-AU" sz="2400" dirty="0"/>
+          </a:p>
+          <a:p>
+            <a:r>
+              <a:rPr lang="cs-CZ" sz="2400" dirty="0"/>
+              <a:t>server ověří API klíč a zkontroluje data</a:t>
+            </a:r>
+            <a:endParaRPr lang="en-AU" sz="2400" dirty="0"/>
+          </a:p>
+          <a:p>
+            <a:r>
+              <a:rPr lang="cs-CZ" sz="2400" dirty="0"/>
+              <a:t>data ukládá do </a:t>
+            </a:r>
+            <a:r>
+              <a:rPr lang="cs-CZ" sz="2400" dirty="0" err="1"/>
+              <a:t>MySQL</a:t>
+            </a:r>
+            <a:r>
+              <a:rPr lang="cs-CZ" sz="2400" dirty="0"/>
+              <a:t>:</a:t>
+            </a:r>
+            <a:endParaRPr lang="en-AU" sz="2400" dirty="0"/>
+          </a:p>
+          <a:p>
+            <a:pPr lvl="1"/>
+            <a:r>
+              <a:rPr lang="cs-CZ" sz="2400" dirty="0" err="1"/>
+              <a:t>telemetry_events</a:t>
+            </a:r>
+            <a:r>
+              <a:rPr lang="cs-CZ" sz="2400" dirty="0"/>
+              <a:t> (všechny události</a:t>
+            </a:r>
+            <a:endParaRPr lang="en-AU" sz="2400" dirty="0"/>
+          </a:p>
+          <a:p>
+            <a:pPr lvl="1"/>
+            <a:r>
+              <a:rPr lang="cs-CZ" sz="2400" dirty="0" err="1"/>
+              <a:t>telemetry_game_sessions</a:t>
+            </a:r>
+            <a:r>
+              <a:rPr lang="cs-CZ" sz="2400" dirty="0"/>
+              <a:t> (ukončené hry)</a:t>
+            </a:r>
+            <a:endParaRPr lang="en-AU" sz="2400" dirty="0"/>
+          </a:p>
+          <a:p>
+            <a:r>
+              <a:rPr lang="cs-CZ" sz="2400" dirty="0"/>
+              <a:t>při </a:t>
+            </a:r>
+            <a:r>
+              <a:rPr lang="cs-CZ" sz="2400" dirty="0" err="1"/>
+              <a:t>localhost</a:t>
+            </a:r>
+            <a:r>
+              <a:rPr lang="cs-CZ" sz="2400" dirty="0"/>
+              <a:t> si hra server sama spustí a ověří ho přes /</a:t>
+            </a:r>
+            <a:r>
+              <a:rPr lang="cs-CZ" sz="2400" dirty="0" err="1"/>
+              <a:t>health</a:t>
+            </a:r>
+            <a:endParaRPr lang="en-AU" sz="2400" dirty="0"/>
+          </a:p>
+          <a:p>
+            <a:r>
+              <a:rPr lang="cs-CZ" sz="2400" dirty="0"/>
+              <a:t>řešení funguje </a:t>
+            </a:r>
+            <a:r>
+              <a:rPr lang="cs-CZ" sz="2400" dirty="0" err="1"/>
+              <a:t>offline</a:t>
+            </a:r>
+            <a:r>
+              <a:rPr lang="cs-CZ" sz="2400" dirty="0"/>
+              <a:t> a je vhodné pro testování i prezentaci</a:t>
             </a:r>
           </a:p>
         </p:txBody>
@@ -6468,7 +6428,7 @@
     </p:spTree>
     <p:extLst>
       <p:ext uri="{BB962C8B-B14F-4D97-AF65-F5344CB8AC3E}">
-        <p14:creationId xmlns:p14="http://schemas.microsoft.com/office/powerpoint/2010/main" val="1387682547"/>
+        <p14:creationId xmlns:p14="http://schemas.microsoft.com/office/powerpoint/2010/main" val="2733064602"/>
       </p:ext>
     </p:extLst>
   </p:cSld>
@@ -6495,129 +6455,40 @@
           <a:chExt cx="0" cy="0"/>
         </a:xfrm>
       </p:grpSpPr>
-      <p:sp>
-        <p:nvSpPr>
-          <p:cNvPr id="2" name="Nadpis 1">
-            <a:extLst>
-              <a:ext uri="{FF2B5EF4-FFF2-40B4-BE49-F238E27FC236}">
-                <a16:creationId xmlns:a16="http://schemas.microsoft.com/office/drawing/2014/main" id="{7626FFEA-2DF7-1362-A229-E7A3D225BAF4}"/>
-              </a:ext>
-            </a:extLst>
-          </p:cNvPr>
-          <p:cNvSpPr>
-            <a:spLocks noGrp="1"/>
-          </p:cNvSpPr>
-          <p:nvPr>
-            <p:ph type="title"/>
-          </p:nvPr>
-        </p:nvSpPr>
-        <p:spPr/>
-        <p:txBody>
-          <a:bodyPr/>
-          <a:lstStyle/>
-          <a:p>
-            <a:r>
-              <a:rPr lang="en-AU" dirty="0" err="1"/>
-              <a:t>Obfuskace</a:t>
-            </a:r>
-            <a:r>
-              <a:rPr lang="en-AU" dirty="0"/>
-              <a:t> a build</a:t>
-            </a:r>
-            <a:r>
-              <a:rPr lang="cs-CZ" dirty="0"/>
-              <a:t> – J. Doležal</a:t>
-            </a:r>
-          </a:p>
-        </p:txBody>
-      </p:sp>
-      <p:sp>
-        <p:nvSpPr>
-          <p:cNvPr id="3" name="Zástupný obsah 2">
-            <a:extLst>
-              <a:ext uri="{FF2B5EF4-FFF2-40B4-BE49-F238E27FC236}">
-                <a16:creationId xmlns:a16="http://schemas.microsoft.com/office/drawing/2014/main" id="{C7FAA5A2-C4FC-DD3D-11B7-46C64170BC0C}"/>
-              </a:ext>
-            </a:extLst>
-          </p:cNvPr>
-          <p:cNvSpPr>
-            <a:spLocks noGrp="1"/>
-          </p:cNvSpPr>
-          <p:nvPr>
-            <p:ph idx="1"/>
-          </p:nvPr>
-        </p:nvSpPr>
-        <p:spPr/>
-        <p:txBody>
-          <a:bodyPr/>
-          <a:lstStyle/>
-          <a:p>
-            <a:r>
-              <a:rPr lang="cs-CZ" dirty="0"/>
-              <a:t>Nautika: </a:t>
-            </a:r>
-          </a:p>
-          <a:p>
-            <a:r>
-              <a:rPr lang="cs-CZ" dirty="0" err="1"/>
-              <a:t>Nuitka</a:t>
-            </a:r>
-            <a:r>
-              <a:rPr lang="cs-CZ" dirty="0"/>
-              <a:t> je Python kompilátor</a:t>
-            </a:r>
-          </a:p>
-          <a:p>
-            <a:r>
-              <a:rPr lang="cs-CZ" dirty="0"/>
-              <a:t>převádí Python kód → C/C++ → nativní EXE</a:t>
-            </a:r>
-          </a:p>
-          <a:p>
-            <a:r>
-              <a:rPr lang="cs-CZ" dirty="0"/>
-              <a:t>výsledkem není .</a:t>
-            </a:r>
-            <a:r>
-              <a:rPr lang="cs-CZ" dirty="0" err="1"/>
-              <a:t>py</a:t>
-            </a:r>
-            <a:r>
-              <a:rPr lang="cs-CZ" dirty="0"/>
-              <a:t>, ale </a:t>
-            </a:r>
-            <a:r>
-              <a:rPr lang="cs-CZ" dirty="0" err="1"/>
-              <a:t>binárkavýrazně</a:t>
-            </a:r>
-            <a:r>
-              <a:rPr lang="cs-CZ" dirty="0"/>
-              <a:t> ztěžuje čtení a úpravy zdrojového kódu</a:t>
-            </a:r>
-          </a:p>
-          <a:p>
-            <a:pPr marL="0" indent="0">
-              <a:buNone/>
-            </a:pPr>
-            <a:r>
-              <a:rPr lang="cs-CZ" dirty="0"/>
-              <a:t>Tento postup je vhodný právě pro distribuci hry bez </a:t>
-            </a:r>
-            <a:r>
-              <a:rPr lang="cs-CZ" dirty="0" err="1"/>
-              <a:t>zdrojáků</a:t>
-            </a:r>
-            <a:endParaRPr lang="cs-CZ" dirty="0"/>
-          </a:p>
-          <a:p>
-            <a:endParaRPr lang="cs-CZ" dirty="0"/>
-          </a:p>
-        </p:txBody>
-      </p:sp>
+      <p:pic>
+        <p:nvPicPr>
+          <p:cNvPr id="5" name="Obrázek 4" descr="Obsah obrázku text, snímek obrazovky, číslo, software&#10;&#10;Obsah generovaný pomocí AI může být nesprávný.">
+            <a:extLst>
+              <a:ext uri="{FF2B5EF4-FFF2-40B4-BE49-F238E27FC236}">
+                <a16:creationId xmlns:a16="http://schemas.microsoft.com/office/drawing/2014/main" id="{9D5013E4-DC89-736C-3FE7-CED029C12E6E}"/>
+              </a:ext>
+            </a:extLst>
+          </p:cNvPr>
+          <p:cNvPicPr>
+            <a:picLocks noChangeAspect="1"/>
+          </p:cNvPicPr>
+          <p:nvPr/>
+        </p:nvPicPr>
+        <p:blipFill>
+          <a:blip r:embed="rId2"/>
+          <a:stretch>
+            <a:fillRect/>
+          </a:stretch>
+        </p:blipFill>
+        <p:spPr>
+          <a:xfrm>
+            <a:off x="3014920" y="1115878"/>
+            <a:ext cx="6162160" cy="5306304"/>
+          </a:xfrm>
+          <a:prstGeom prst="rect">
+            <a:avLst/>
+          </a:prstGeom>
+        </p:spPr>
+      </p:pic>
     </p:spTree>
     <p:extLst>
       <p:ext uri="{BB962C8B-B14F-4D97-AF65-F5344CB8AC3E}">
-        <p14:creationId xmlns:p14="http://schemas.microsoft.com/office/powerpoint/2010/main" val="2328181874"/>
+        <p14:creationId xmlns:p14="http://schemas.microsoft.com/office/powerpoint/2010/main" val="3202135716"/>
       </p:ext>
     </p:extLst>
   </p:cSld>
@@ -6649,7 +6520,7 @@
           <p:cNvPr id="2" name="Nadpis 1">
             <a:extLst>
               <a:ext uri="{FF2B5EF4-FFF2-40B4-BE49-F238E27FC236}">
-                <a16:creationId xmlns:a16="http://schemas.microsoft.com/office/drawing/2014/main" id="{664262DB-3E1E-268B-534F-CAFCF6B09572}"/>
+                <a16:creationId xmlns:a16="http://schemas.microsoft.com/office/drawing/2014/main" id="{FCC6CDA0-3854-1A2F-5CC2-CD73DF998EEC}"/>
               </a:ext>
             </a:extLst>
           </p:cNvPr>
@@ -6666,14 +6537,17 @@
           <a:lstStyle/>
           <a:p>
             <a:r>
-              <a:rPr lang="cs-CZ" dirty="0"/>
-              <a:t>Nautika: </a:t>
-            </a:r>
-            <a:r>
-              <a:rPr lang="pl-PL" dirty="0"/>
-              <a:t>Co přináší Nuitka v projektu</a:t>
-            </a:r>
-            <a:endParaRPr lang="cs-CZ" dirty="0"/>
+              <a:rPr lang="en-AU" dirty="0" err="1"/>
+              <a:t>Testov</a:t>
+            </a:r>
+            <a:r>
+              <a:rPr lang="cs-CZ" dirty="0" err="1"/>
+              <a:t>ání</a:t>
+            </a:r>
+            <a:r>
+              <a:rPr lang="cs-CZ" dirty="0"/>
+              <a:t> – J. Doležal</a:t>
+            </a:r>
           </a:p>
         </p:txBody>
       </p:sp>
@@ -6682,7 +6556,7 @@
           <p:cNvPr id="3" name="Zástupný obsah 2">
             <a:extLst>
               <a:ext uri="{FF2B5EF4-FFF2-40B4-BE49-F238E27FC236}">
-                <a16:creationId xmlns:a16="http://schemas.microsoft.com/office/drawing/2014/main" id="{2B0110F0-180D-374A-F09D-8A6F0E3D92CD}"/>
+                <a16:creationId xmlns:a16="http://schemas.microsoft.com/office/drawing/2014/main" id="{4E85AA26-2527-FD8E-C736-B70B95369CB0}"/>
               </a:ext>
             </a:extLst>
           </p:cNvPr>
@@ -6693,34 +6567,22 @@
             <p:ph idx="1"/>
           </p:nvPr>
         </p:nvSpPr>
-        <p:spPr/>
-        <p:txBody>
-          <a:bodyPr>
-            <a:normAutofit/>
-          </a:bodyPr>
-          <a:lstStyle/>
-          <a:p>
-            <a:r>
-              <a:rPr lang="cs-CZ" sz="3200" dirty="0"/>
-              <a:t>hra se spouští přes main.exe</a:t>
-            </a:r>
-          </a:p>
-          <a:p>
-            <a:r>
-              <a:rPr lang="cs-CZ" sz="3200" dirty="0"/>
-              <a:t>Python runtime + knihovny jsou přibalené</a:t>
-            </a:r>
-          </a:p>
-          <a:p>
-            <a:r>
-              <a:rPr lang="cs-CZ" sz="3200" dirty="0"/>
-              <a:t>aplikace je portable (bez instalace)</a:t>
-            </a:r>
-          </a:p>
-          <a:p>
-            <a:r>
-              <a:rPr lang="cs-CZ" sz="3200" dirty="0"/>
-              <a:t>zdrojový kód není přímo čitelný</a:t>
+        <p:spPr>
+          <a:xfrm>
+            <a:off x="527872" y="2532889"/>
+            <a:ext cx="11155680" cy="3767328"/>
+          </a:xfrm>
+        </p:spPr>
+        <p:txBody>
+          <a:bodyPr/>
+          <a:lstStyle/>
+          <a:p>
+            <a:pPr marL="0" indent="0">
+              <a:buNone/>
+            </a:pPr>
+            <a:r>
+              <a:rPr lang="cs-CZ" dirty="0"/>
+              <a:t>Hra byla otestována zejména funkčně.</a:t>
             </a:r>
           </a:p>
         </p:txBody>
@@ -6728,7 +6590,7 @@
     </p:spTree>
     <p:extLst>
       <p:ext uri="{BB962C8B-B14F-4D97-AF65-F5344CB8AC3E}">
-        <p14:creationId xmlns:p14="http://schemas.microsoft.com/office/powerpoint/2010/main" val="1732896231"/>
+        <p14:creationId xmlns:p14="http://schemas.microsoft.com/office/powerpoint/2010/main" val="1387682547"/>
       </p:ext>
     </p:extLst>
   </p:cSld>
@@ -6760,7 +6622,7 @@
           <p:cNvPr id="2" name="Nadpis 1">
             <a:extLst>
               <a:ext uri="{FF2B5EF4-FFF2-40B4-BE49-F238E27FC236}">
-                <a16:creationId xmlns:a16="http://schemas.microsoft.com/office/drawing/2014/main" id="{E1CDF52C-7A6F-F921-34D6-9C10A7C30A52}"/>
+                <a16:creationId xmlns:a16="http://schemas.microsoft.com/office/drawing/2014/main" id="{7626FFEA-2DF7-1362-A229-E7A3D225BAF4}"/>
               </a:ext>
             </a:extLst>
           </p:cNvPr>
@@ -6777,125 +6639,107 @@
           <a:lstStyle/>
           <a:p>
             <a:r>
-              <a:rPr lang="cs-CZ" dirty="0" err="1"/>
-              <a:t>Standalone</a:t>
-            </a:r>
-            <a:r>
-              <a:rPr lang="cs-CZ" dirty="0"/>
-              <a:t> build (</a:t>
-            </a:r>
+              <a:rPr lang="en-AU" dirty="0" err="1"/>
+              <a:t>Obfuskace</a:t>
+            </a:r>
+            <a:r>
+              <a:rPr lang="en-AU" dirty="0"/>
+              <a:t> a build</a:t>
+            </a:r>
+            <a:r>
+              <a:rPr lang="cs-CZ" dirty="0"/>
+              <a:t> – J. Doležal</a:t>
+            </a:r>
+          </a:p>
+        </p:txBody>
+      </p:sp>
+      <p:sp>
+        <p:nvSpPr>
+          <p:cNvPr id="3" name="Zástupný obsah 2">
+            <a:extLst>
+              <a:ext uri="{FF2B5EF4-FFF2-40B4-BE49-F238E27FC236}">
+                <a16:creationId xmlns:a16="http://schemas.microsoft.com/office/drawing/2014/main" id="{C7FAA5A2-C4FC-DD3D-11B7-46C64170BC0C}"/>
+              </a:ext>
+            </a:extLst>
+          </p:cNvPr>
+          <p:cNvSpPr>
+            <a:spLocks noGrp="1"/>
+          </p:cNvSpPr>
+          <p:nvPr>
+            <p:ph idx="1"/>
+          </p:nvPr>
+        </p:nvSpPr>
+        <p:spPr/>
+        <p:txBody>
+          <a:bodyPr/>
+          <a:lstStyle/>
+          <a:p>
+            <a:r>
+              <a:rPr lang="cs-CZ" dirty="0"/>
+              <a:t>Nautika: </a:t>
+            </a:r>
+          </a:p>
+          <a:p>
             <a:r>
               <a:rPr lang="cs-CZ" dirty="0" err="1"/>
               <a:t>Nuitka</a:t>
             </a:r>
             <a:r>
               <a:rPr lang="cs-CZ" dirty="0"/>
-              <a:t>)</a:t>
-            </a:r>
-          </a:p>
-        </p:txBody>
-      </p:sp>
-      <p:sp>
-        <p:nvSpPr>
-          <p:cNvPr id="3" name="Zástupný obsah 2">
-            <a:extLst>
-              <a:ext uri="{FF2B5EF4-FFF2-40B4-BE49-F238E27FC236}">
-                <a16:creationId xmlns:a16="http://schemas.microsoft.com/office/drawing/2014/main" id="{1AE2D07A-F434-D766-AB4D-B260976A0D67}"/>
-              </a:ext>
-            </a:extLst>
-          </p:cNvPr>
-          <p:cNvSpPr>
-            <a:spLocks noGrp="1"/>
-          </p:cNvSpPr>
-          <p:nvPr>
-            <p:ph idx="1"/>
-          </p:nvPr>
-        </p:nvSpPr>
-        <p:spPr>
-          <a:xfrm>
-            <a:off x="521208" y="2441448"/>
-            <a:ext cx="11155680" cy="3904488"/>
-          </a:xfrm>
-        </p:spPr>
-        <p:txBody>
-          <a:bodyPr>
-            <a:noAutofit/>
-          </a:bodyPr>
-          <a:lstStyle/>
-          <a:p>
-            <a:r>
-              <a:rPr lang="cs-CZ" sz="2000" dirty="0"/>
-              <a:t>použit režim </a:t>
-            </a:r>
-            <a:r>
-              <a:rPr lang="cs-CZ" sz="2000" dirty="0" err="1"/>
-              <a:t>standalone</a:t>
-            </a:r>
-            <a:endParaRPr lang="cs-CZ" sz="2000" dirty="0"/>
-          </a:p>
-          <a:p>
-            <a:r>
-              <a:rPr lang="cs-CZ" sz="2000" dirty="0"/>
-              <a:t>vytvoří se složka s EXE a závislostmi</a:t>
-            </a:r>
-          </a:p>
-          <a:p>
-            <a:r>
-              <a:rPr lang="cs-CZ" sz="2000" dirty="0"/>
-              <a:t>součástí balíčku:</a:t>
-            </a:r>
-          </a:p>
-          <a:p>
-            <a:pPr lvl="1"/>
-            <a:r>
-              <a:rPr lang="cs-CZ" sz="2000" dirty="0" err="1"/>
-              <a:t>Pygame</a:t>
-            </a:r>
-            <a:endParaRPr lang="cs-CZ" sz="2000" dirty="0"/>
-          </a:p>
-          <a:p>
-            <a:pPr lvl="1"/>
-            <a:r>
-              <a:rPr lang="cs-CZ" sz="2000" dirty="0" err="1"/>
-              <a:t>Flask</a:t>
-            </a:r>
-            <a:endParaRPr lang="cs-CZ" sz="2000" dirty="0"/>
-          </a:p>
-          <a:p>
-            <a:pPr lvl="1"/>
-            <a:r>
-              <a:rPr lang="cs-CZ" sz="2000" dirty="0"/>
-              <a:t>Fonty</a:t>
-            </a:r>
-          </a:p>
-          <a:p>
-            <a:pPr lvl="1"/>
-            <a:r>
-              <a:rPr lang="cs-CZ" sz="2000" dirty="0" err="1"/>
-              <a:t>manifest.json</a:t>
-            </a:r>
-            <a:endParaRPr lang="cs-CZ" sz="2000" dirty="0"/>
-          </a:p>
-          <a:p>
-            <a:pPr lvl="1"/>
-            <a:r>
-              <a:rPr lang="cs-CZ" sz="2000" dirty="0" err="1"/>
-              <a:t>telemetry.db</a:t>
-            </a:r>
-            <a:endParaRPr lang="cs-CZ" sz="2000" dirty="0"/>
-          </a:p>
-          <a:p>
-            <a:r>
-              <a:rPr lang="cs-CZ" sz="2000" dirty="0"/>
-              <a:t>nejstabilnější varianta pro běh hry</a:t>
-            </a:r>
+              <a:t> je Python kompilátor</a:t>
+            </a:r>
+          </a:p>
+          <a:p>
+            <a:r>
+              <a:rPr lang="cs-CZ" dirty="0"/>
+              <a:t>převádí Python kód → C/C++ → nativní EXE</a:t>
+            </a:r>
+          </a:p>
+          <a:p>
+            <a:r>
+              <a:rPr lang="cs-CZ" dirty="0"/>
+              <a:t>výsledkem není .</a:t>
+            </a:r>
+            <a:r>
+              <a:rPr lang="cs-CZ" dirty="0" err="1"/>
+              <a:t>py</a:t>
+            </a:r>
+            <a:r>
+              <a:rPr lang="cs-CZ" dirty="0"/>
+              <a:t>, ale </a:t>
+            </a:r>
+            <a:r>
+              <a:rPr lang="cs-CZ" dirty="0" err="1"/>
+              <a:t>binárkavýrazně</a:t>
+            </a:r>
+            <a:r>
+              <a:rPr lang="cs-CZ" dirty="0"/>
+              <a:t> ztěžuje čtení a úpravy zdrojového kódu</a:t>
+            </a:r>
+          </a:p>
+          <a:p>
+            <a:pPr marL="0" indent="0">
+              <a:buNone/>
+            </a:pPr>
+            <a:r>
+              <a:rPr lang="cs-CZ" dirty="0"/>
+              <a:t>Tento postup je vhodný právě pro distribuci hry bez </a:t>
+            </a:r>
+            <a:r>
+              <a:rPr lang="cs-CZ" dirty="0" err="1"/>
+              <a:t>zdrojáků</a:t>
+            </a:r>
+            <a:endParaRPr lang="cs-CZ" dirty="0"/>
+          </a:p>
+          <a:p>
+            <a:endParaRPr lang="cs-CZ" dirty="0"/>
           </a:p>
         </p:txBody>
       </p:sp>
     </p:spTree>
     <p:extLst>
       <p:ext uri="{BB962C8B-B14F-4D97-AF65-F5344CB8AC3E}">
-        <p14:creationId xmlns:p14="http://schemas.microsoft.com/office/powerpoint/2010/main" val="2555447352"/>
+        <p14:creationId xmlns:p14="http://schemas.microsoft.com/office/powerpoint/2010/main" val="2328181874"/>
       </p:ext>
     </p:extLst>
   </p:cSld>
@@ -6927,6 +6771,284 @@
           <p:cNvPr id="2" name="Nadpis 1">
             <a:extLst>
               <a:ext uri="{FF2B5EF4-FFF2-40B4-BE49-F238E27FC236}">
+                <a16:creationId xmlns:a16="http://schemas.microsoft.com/office/drawing/2014/main" id="{664262DB-3E1E-268B-534F-CAFCF6B09572}"/>
+              </a:ext>
+            </a:extLst>
+          </p:cNvPr>
+          <p:cNvSpPr>
+            <a:spLocks noGrp="1"/>
+          </p:cNvSpPr>
+          <p:nvPr>
+            <p:ph type="title"/>
+          </p:nvPr>
+        </p:nvSpPr>
+        <p:spPr/>
+        <p:txBody>
+          <a:bodyPr/>
+          <a:lstStyle/>
+          <a:p>
+            <a:r>
+              <a:rPr lang="cs-CZ" dirty="0"/>
+              <a:t>Nautika: </a:t>
+            </a:r>
+            <a:r>
+              <a:rPr lang="pl-PL" dirty="0"/>
+              <a:t>Co přináší Nuitka v projektu</a:t>
+            </a:r>
+            <a:endParaRPr lang="cs-CZ" dirty="0"/>
+          </a:p>
+        </p:txBody>
+      </p:sp>
+      <p:sp>
+        <p:nvSpPr>
+          <p:cNvPr id="3" name="Zástupný obsah 2">
+            <a:extLst>
+              <a:ext uri="{FF2B5EF4-FFF2-40B4-BE49-F238E27FC236}">
+                <a16:creationId xmlns:a16="http://schemas.microsoft.com/office/drawing/2014/main" id="{2B0110F0-180D-374A-F09D-8A6F0E3D92CD}"/>
+              </a:ext>
+            </a:extLst>
+          </p:cNvPr>
+          <p:cNvSpPr>
+            <a:spLocks noGrp="1"/>
+          </p:cNvSpPr>
+          <p:nvPr>
+            <p:ph idx="1"/>
+          </p:nvPr>
+        </p:nvSpPr>
+        <p:spPr/>
+        <p:txBody>
+          <a:bodyPr>
+            <a:normAutofit/>
+          </a:bodyPr>
+          <a:lstStyle/>
+          <a:p>
+            <a:r>
+              <a:rPr lang="cs-CZ" sz="3200" dirty="0"/>
+              <a:t>hra se spouští přes main.exe</a:t>
+            </a:r>
+          </a:p>
+          <a:p>
+            <a:r>
+              <a:rPr lang="cs-CZ" sz="3200" dirty="0"/>
+              <a:t>Python runtime + knihovny jsou přibalené</a:t>
+            </a:r>
+          </a:p>
+          <a:p>
+            <a:r>
+              <a:rPr lang="cs-CZ" sz="3200" dirty="0"/>
+              <a:t>aplikace je portable (bez instalace)</a:t>
+            </a:r>
+          </a:p>
+          <a:p>
+            <a:r>
+              <a:rPr lang="cs-CZ" sz="3200" dirty="0"/>
+              <a:t>zdrojový kód není přímo čitelný</a:t>
+            </a:r>
+          </a:p>
+        </p:txBody>
+      </p:sp>
+    </p:spTree>
+    <p:extLst>
+      <p:ext uri="{BB962C8B-B14F-4D97-AF65-F5344CB8AC3E}">
+        <p14:creationId xmlns:p14="http://schemas.microsoft.com/office/powerpoint/2010/main" val="1732896231"/>
+      </p:ext>
+    </p:extLst>
+  </p:cSld>
+  <p:clrMapOvr>
+    <a:masterClrMapping/>
+  </p:clrMapOvr>
+</p:sld>
+</file>
+
+<file path=ppt/slides/slide27.xml><?xml version="1.0" encoding="utf-8"?>
+<p:sld xmlns:a="http://schemas.openxmlformats.org/drawingml/2006/main" xmlns:r="http://schemas.openxmlformats.org/officeDocument/2006/relationships" xmlns:p="http://schemas.openxmlformats.org/presentationml/2006/main">
+  <p:cSld>
+    <p:spTree>
+      <p:nvGrpSpPr>
+        <p:cNvPr id="1" name=""/>
+        <p:cNvGrpSpPr/>
+        <p:nvPr/>
+      </p:nvGrpSpPr>
+      <p:grpSpPr>
+        <a:xfrm>
+          <a:off x="0" y="0"/>
+          <a:ext cx="0" cy="0"/>
+          <a:chOff x="0" y="0"/>
+          <a:chExt cx="0" cy="0"/>
+        </a:xfrm>
+      </p:grpSpPr>
+      <p:sp>
+        <p:nvSpPr>
+          <p:cNvPr id="2" name="Nadpis 1">
+            <a:extLst>
+              <a:ext uri="{FF2B5EF4-FFF2-40B4-BE49-F238E27FC236}">
+                <a16:creationId xmlns:a16="http://schemas.microsoft.com/office/drawing/2014/main" id="{E1CDF52C-7A6F-F921-34D6-9C10A7C30A52}"/>
+              </a:ext>
+            </a:extLst>
+          </p:cNvPr>
+          <p:cNvSpPr>
+            <a:spLocks noGrp="1"/>
+          </p:cNvSpPr>
+          <p:nvPr>
+            <p:ph type="title"/>
+          </p:nvPr>
+        </p:nvSpPr>
+        <p:spPr/>
+        <p:txBody>
+          <a:bodyPr/>
+          <a:lstStyle/>
+          <a:p>
+            <a:r>
+              <a:rPr lang="cs-CZ" dirty="0" err="1"/>
+              <a:t>Standalone</a:t>
+            </a:r>
+            <a:r>
+              <a:rPr lang="cs-CZ" dirty="0"/>
+              <a:t> build (</a:t>
+            </a:r>
+            <a:r>
+              <a:rPr lang="cs-CZ" dirty="0" err="1"/>
+              <a:t>Nuitka</a:t>
+            </a:r>
+            <a:r>
+              <a:rPr lang="cs-CZ" dirty="0"/>
+              <a:t>)</a:t>
+            </a:r>
+          </a:p>
+        </p:txBody>
+      </p:sp>
+      <p:sp>
+        <p:nvSpPr>
+          <p:cNvPr id="3" name="Zástupný obsah 2">
+            <a:extLst>
+              <a:ext uri="{FF2B5EF4-FFF2-40B4-BE49-F238E27FC236}">
+                <a16:creationId xmlns:a16="http://schemas.microsoft.com/office/drawing/2014/main" id="{1AE2D07A-F434-D766-AB4D-B260976A0D67}"/>
+              </a:ext>
+            </a:extLst>
+          </p:cNvPr>
+          <p:cNvSpPr>
+            <a:spLocks noGrp="1"/>
+          </p:cNvSpPr>
+          <p:nvPr>
+            <p:ph idx="1"/>
+          </p:nvPr>
+        </p:nvSpPr>
+        <p:spPr>
+          <a:xfrm>
+            <a:off x="521208" y="2441448"/>
+            <a:ext cx="11155680" cy="3904488"/>
+          </a:xfrm>
+        </p:spPr>
+        <p:txBody>
+          <a:bodyPr>
+            <a:noAutofit/>
+          </a:bodyPr>
+          <a:lstStyle/>
+          <a:p>
+            <a:r>
+              <a:rPr lang="cs-CZ" sz="2000" dirty="0"/>
+              <a:t>použit režim </a:t>
+            </a:r>
+            <a:r>
+              <a:rPr lang="cs-CZ" sz="2000" dirty="0" err="1"/>
+              <a:t>standalone</a:t>
+            </a:r>
+            <a:endParaRPr lang="cs-CZ" sz="2000" dirty="0"/>
+          </a:p>
+          <a:p>
+            <a:r>
+              <a:rPr lang="cs-CZ" sz="2000" dirty="0"/>
+              <a:t>vytvoří se složka s EXE a závislostmi</a:t>
+            </a:r>
+          </a:p>
+          <a:p>
+            <a:r>
+              <a:rPr lang="cs-CZ" sz="2000" dirty="0"/>
+              <a:t>součástí balíčku:</a:t>
+            </a:r>
+          </a:p>
+          <a:p>
+            <a:pPr lvl="1"/>
+            <a:r>
+              <a:rPr lang="cs-CZ" sz="2000" dirty="0" err="1"/>
+              <a:t>Pygame</a:t>
+            </a:r>
+            <a:endParaRPr lang="cs-CZ" sz="2000" dirty="0"/>
+          </a:p>
+          <a:p>
+            <a:pPr lvl="1"/>
+            <a:r>
+              <a:rPr lang="cs-CZ" sz="2000" dirty="0" err="1"/>
+              <a:t>Flask</a:t>
+            </a:r>
+            <a:endParaRPr lang="cs-CZ" sz="2000" dirty="0"/>
+          </a:p>
+          <a:p>
+            <a:pPr lvl="1"/>
+            <a:r>
+              <a:rPr lang="cs-CZ" sz="2000" dirty="0"/>
+              <a:t>Fonty</a:t>
+            </a:r>
+          </a:p>
+          <a:p>
+            <a:pPr lvl="1"/>
+            <a:r>
+              <a:rPr lang="cs-CZ" sz="2000" dirty="0" err="1"/>
+              <a:t>manifest.json</a:t>
+            </a:r>
+            <a:endParaRPr lang="cs-CZ" sz="2000" dirty="0"/>
+          </a:p>
+          <a:p>
+            <a:pPr lvl="1"/>
+            <a:r>
+              <a:rPr lang="cs-CZ" sz="2000" dirty="0" err="1"/>
+              <a:t>telemetry.db</a:t>
+            </a:r>
+            <a:endParaRPr lang="cs-CZ" sz="2000" dirty="0"/>
+          </a:p>
+          <a:p>
+            <a:r>
+              <a:rPr lang="cs-CZ" sz="2000" dirty="0"/>
+              <a:t>nejstabilnější varianta pro běh hry</a:t>
+            </a:r>
+          </a:p>
+        </p:txBody>
+      </p:sp>
+    </p:spTree>
+    <p:extLst>
+      <p:ext uri="{BB962C8B-B14F-4D97-AF65-F5344CB8AC3E}">
+        <p14:creationId xmlns:p14="http://schemas.microsoft.com/office/powerpoint/2010/main" val="2555447352"/>
+      </p:ext>
+    </p:extLst>
+  </p:cSld>
+  <p:clrMapOvr>
+    <a:masterClrMapping/>
+  </p:clrMapOvr>
+</p:sld>
+</file>
+
+<file path=ppt/slides/slide28.xml><?xml version="1.0" encoding="utf-8"?>
+<p:sld xmlns:a="http://schemas.openxmlformats.org/drawingml/2006/main" xmlns:r="http://schemas.openxmlformats.org/officeDocument/2006/relationships" xmlns:p="http://schemas.openxmlformats.org/presentationml/2006/main">
+  <p:cSld>
+    <p:spTree>
+      <p:nvGrpSpPr>
+        <p:cNvPr id="1" name=""/>
+        <p:cNvGrpSpPr/>
+        <p:nvPr/>
+      </p:nvGrpSpPr>
+      <p:grpSpPr>
+        <a:xfrm>
+          <a:off x="0" y="0"/>
+          <a:ext cx="0" cy="0"/>
+          <a:chOff x="0" y="0"/>
+          <a:chExt cx="0" cy="0"/>
+        </a:xfrm>
+      </p:grpSpPr>
+      <p:sp>
+        <p:nvSpPr>
+          <p:cNvPr id="2" name="Nadpis 1">
+            <a:extLst>
+              <a:ext uri="{FF2B5EF4-FFF2-40B4-BE49-F238E27FC236}">
                 <a16:creationId xmlns:a16="http://schemas.microsoft.com/office/drawing/2014/main" id="{E088CD8E-54D1-5023-4880-CFE1DB3ECA67}"/>
               </a:ext>
             </a:extLst>
@@ -7066,7 +7188,7 @@
 </p:sld>
 </file>
 
-<file path=ppt/slides/slide27.xml><?xml version="1.0" encoding="utf-8"?>
+<file path=ppt/slides/slide29.xml><?xml version="1.0" encoding="utf-8"?>
 <p:sld xmlns:a="http://schemas.openxmlformats.org/drawingml/2006/main" xmlns:r="http://schemas.openxmlformats.org/officeDocument/2006/relationships" xmlns:p="http://schemas.openxmlformats.org/presentationml/2006/main">
   <p:cSld>
     <p:spTree>
